--- a/Slides/M0 - Introduction.pptx
+++ b/Slides/M0 - Introduction.pptx
@@ -2,25 +2,23 @@
 <file path=ppt/presentation.xml><?xml version="1.0" encoding="utf-8"?>
 <p:presentation xmlns:a="http://schemas.openxmlformats.org/drawingml/2006/main" xmlns:r="http://schemas.openxmlformats.org/officeDocument/2006/relationships" xmlns:p="http://schemas.openxmlformats.org/presentationml/2006/main" saveSubsetFonts="1">
   <p:sldMasterIdLst>
-    <p:sldMasterId id="2147483648" r:id="rId1"/>
-    <p:sldMasterId id="2147483671" r:id="rId2"/>
-    <p:sldMasterId id="2147483674" r:id="rId3"/>
+    <p:sldMasterId id="2147483671" r:id="rId1"/>
+    <p:sldMasterId id="2147483674" r:id="rId2"/>
   </p:sldMasterIdLst>
   <p:notesMasterIdLst>
-    <p:notesMasterId r:id="rId12"/>
+    <p:notesMasterId r:id="rId10"/>
   </p:notesMasterIdLst>
   <p:handoutMasterIdLst>
-    <p:handoutMasterId r:id="rId13"/>
+    <p:handoutMasterId r:id="rId11"/>
   </p:handoutMasterIdLst>
   <p:sldIdLst>
-    <p:sldId id="627" r:id="rId4"/>
-    <p:sldId id="426" r:id="rId5"/>
-    <p:sldId id="604" r:id="rId6"/>
-    <p:sldId id="508" r:id="rId7"/>
-    <p:sldId id="622" r:id="rId8"/>
-    <p:sldId id="576" r:id="rId9"/>
-    <p:sldId id="574" r:id="rId10"/>
-    <p:sldId id="624" r:id="rId11"/>
+    <p:sldId id="627" r:id="rId3"/>
+    <p:sldId id="426" r:id="rId4"/>
+    <p:sldId id="508" r:id="rId5"/>
+    <p:sldId id="622" r:id="rId6"/>
+    <p:sldId id="604" r:id="rId7"/>
+    <p:sldId id="576" r:id="rId8"/>
+    <p:sldId id="574" r:id="rId9"/>
   </p:sldIdLst>
   <p:sldSz cx="12192000" cy="6858000"/>
   <p:notesSz cx="9855200" cy="6718300"/>
@@ -1124,31 +1122,6 @@
           <a:chExt cx="0" cy="0"/>
         </a:xfrm>
       </p:grpSpPr>
-    </p:spTree>
-  </p:cSld>
-  <p:clrMapOvr>
-    <a:masterClrMapping/>
-  </p:clrMapOvr>
-</p:notes>
-</file>
-
-<file path=ppt/notesSlides/notesSlide4.xml><?xml version="1.0" encoding="utf-8"?>
-<p:notes xmlns:a="http://schemas.openxmlformats.org/drawingml/2006/main" xmlns:r="http://schemas.openxmlformats.org/officeDocument/2006/relationships" xmlns:p="http://schemas.openxmlformats.org/presentationml/2006/main">
-  <p:cSld>
-    <p:spTree>
-      <p:nvGrpSpPr>
-        <p:cNvPr id="1" name=""/>
-        <p:cNvGrpSpPr/>
-        <p:nvPr/>
-      </p:nvGrpSpPr>
-      <p:grpSpPr>
-        <a:xfrm>
-          <a:off x="0" y="0"/>
-          <a:ext cx="0" cy="0"/>
-          <a:chOff x="0" y="0"/>
-          <a:chExt cx="0" cy="0"/>
-        </a:xfrm>
-      </p:grpSpPr>
       <p:sp>
         <p:nvSpPr>
           <p:cNvPr id="2" name="Slide Image Placeholder 1"/>
@@ -1244,7 +1217,7 @@
                 <a:tabLst/>
                 <a:defRPr/>
               </a:pPr>
-              <a:t>4</a:t>
+              <a:t>3</a:t>
             </a:fld>
             <a:endParaRPr kumimoji="0" lang="en-GB" sz="1200" b="0" i="0" u="none" strike="noStrike" kern="1200" cap="none" spc="0" normalizeH="0" baseline="0" noProof="0" dirty="0">
               <a:ln>
@@ -1269,6 +1242,31 @@
         <p14:creationId xmlns:p14="http://schemas.microsoft.com/office/powerpoint/2010/main" val="115389651"/>
       </p:ext>
     </p:extLst>
+  </p:cSld>
+  <p:clrMapOvr>
+    <a:masterClrMapping/>
+  </p:clrMapOvr>
+</p:notes>
+</file>
+
+<file path=ppt/notesSlides/notesSlide4.xml><?xml version="1.0" encoding="utf-8"?>
+<p:notes xmlns:a="http://schemas.openxmlformats.org/drawingml/2006/main" xmlns:r="http://schemas.openxmlformats.org/officeDocument/2006/relationships" xmlns:p="http://schemas.openxmlformats.org/presentationml/2006/main">
+  <p:cSld>
+    <p:spTree>
+      <p:nvGrpSpPr>
+        <p:cNvPr id="1" name=""/>
+        <p:cNvGrpSpPr/>
+        <p:nvPr/>
+      </p:nvGrpSpPr>
+      <p:grpSpPr>
+        <a:xfrm>
+          <a:off x="0" y="0"/>
+          <a:ext cx="0" cy="0"/>
+          <a:chOff x="0" y="0"/>
+          <a:chExt cx="0" cy="0"/>
+        </a:xfrm>
+      </p:grpSpPr>
+    </p:spTree>
   </p:cSld>
   <p:clrMapOvr>
     <a:masterClrMapping/>
@@ -1593,9 +1591,360 @@
 </p:notes>
 </file>
 
-<file path=ppt/notesSlides/notesSlide7.xml><?xml version="1.0" encoding="utf-8"?>
-<p:notes xmlns:a="http://schemas.openxmlformats.org/drawingml/2006/main" xmlns:r="http://schemas.openxmlformats.org/officeDocument/2006/relationships" xmlns:p="http://schemas.openxmlformats.org/presentationml/2006/main">
-  <p:cSld>
+<file path=ppt/slideLayouts/slideLayout1.xml><?xml version="1.0" encoding="utf-8"?>
+<p:sldLayout xmlns:a="http://schemas.openxmlformats.org/drawingml/2006/main" xmlns:r="http://schemas.openxmlformats.org/officeDocument/2006/relationships" xmlns:p="http://schemas.openxmlformats.org/presentationml/2006/main" preserve="1" userDrawn="1">
+  <p:cSld name="Title Only">
+    <p:spTree>
+      <p:nvGrpSpPr>
+        <p:cNvPr id="1" name=""/>
+        <p:cNvGrpSpPr/>
+        <p:nvPr/>
+      </p:nvGrpSpPr>
+      <p:grpSpPr>
+        <a:xfrm>
+          <a:off x="0" y="0"/>
+          <a:ext cx="0" cy="0"/>
+          <a:chOff x="0" y="0"/>
+          <a:chExt cx="0" cy="0"/>
+        </a:xfrm>
+      </p:grpSpPr>
+      <p:sp>
+        <p:nvSpPr>
+          <p:cNvPr id="3" name="Title 1"/>
+          <p:cNvSpPr>
+            <a:spLocks noGrp="1"/>
+          </p:cNvSpPr>
+          <p:nvPr>
+            <p:ph type="title"/>
+          </p:nvPr>
+        </p:nvSpPr>
+        <p:spPr>
+          <a:xfrm>
+            <a:off x="277200" y="453600"/>
+            <a:ext cx="8596668" cy="609600"/>
+          </a:xfrm>
+          <a:prstGeom prst="rect">
+            <a:avLst/>
+          </a:prstGeom>
+        </p:spPr>
+        <p:txBody>
+          <a:bodyPr>
+            <a:normAutofit/>
+          </a:bodyPr>
+          <a:lstStyle>
+            <a:lvl1pPr>
+              <a:defRPr sz="3200">
+                <a:solidFill>
+                  <a:schemeClr val="bg1"/>
+                </a:solidFill>
+              </a:defRPr>
+            </a:lvl1pPr>
+          </a:lstStyle>
+          <a:p>
+            <a:r>
+              <a:rPr lang="en-US"/>
+              <a:t>Click to edit Master title style</a:t>
+            </a:r>
+            <a:endParaRPr lang="en-US" dirty="0"/>
+          </a:p>
+        </p:txBody>
+      </p:sp>
+    </p:spTree>
+    <p:extLst>
+      <p:ext uri="{BB962C8B-B14F-4D97-AF65-F5344CB8AC3E}">
+        <p14:creationId xmlns:p14="http://schemas.microsoft.com/office/powerpoint/2010/main" val="3624441284"/>
+      </p:ext>
+    </p:extLst>
+  </p:cSld>
+  <p:clrMapOvr>
+    <a:masterClrMapping/>
+  </p:clrMapOvr>
+  <mc:AlternateContent xmlns:mc="http://schemas.openxmlformats.org/markup-compatibility/2006" xmlns:p14="http://schemas.microsoft.com/office/powerpoint/2010/main">
+    <mc:Choice Requires="p14">
+      <p:transition spd="med" p14:dur="700">
+        <p:fade/>
+      </p:transition>
+    </mc:Choice>
+    <mc:Fallback xmlns="">
+      <p:transition spd="med">
+        <p:fade/>
+      </p:transition>
+    </mc:Fallback>
+  </mc:AlternateContent>
+</p:sldLayout>
+</file>
+
+<file path=ppt/slideLayouts/slideLayout10.xml><?xml version="1.0" encoding="utf-8"?>
+<p:sldLayout xmlns:a="http://schemas.openxmlformats.org/drawingml/2006/main" xmlns:r="http://schemas.openxmlformats.org/officeDocument/2006/relationships" xmlns:p="http://schemas.openxmlformats.org/presentationml/2006/main" preserve="1" userDrawn="1">
+  <p:cSld name="Blank Accent Color Orange Demo">
+    <p:bg>
+      <p:bgPr>
+        <a:solidFill>
+          <a:schemeClr val="accent4"/>
+        </a:solidFill>
+        <a:effectLst/>
+      </p:bgPr>
+    </p:bg>
+    <p:spTree>
+      <p:nvGrpSpPr>
+        <p:cNvPr id="1" name=""/>
+        <p:cNvGrpSpPr/>
+        <p:nvPr/>
+      </p:nvGrpSpPr>
+      <p:grpSpPr>
+        <a:xfrm>
+          <a:off x="0" y="0"/>
+          <a:ext cx="0" cy="0"/>
+          <a:chOff x="0" y="0"/>
+          <a:chExt cx="0" cy="0"/>
+        </a:xfrm>
+      </p:grpSpPr>
+      <p:sp>
+        <p:nvSpPr>
+          <p:cNvPr id="6" name="Title"/>
+          <p:cNvSpPr txBox="1">
+            <a:spLocks/>
+          </p:cNvSpPr>
+          <p:nvPr userDrawn="1"/>
+        </p:nvSpPr>
+        <p:spPr>
+          <a:xfrm>
+            <a:off x="269239" y="2084173"/>
+            <a:ext cx="9860673" cy="1793104"/>
+          </a:xfrm>
+          <a:prstGeom prst="rect">
+            <a:avLst/>
+          </a:prstGeom>
+        </p:spPr>
+        <p:txBody>
+          <a:bodyPr/>
+          <a:lstStyle>
+            <a:lvl1pPr marL="0" indent="0" algn="l" defTabSz="896386" rtl="0" eaLnBrk="1" latinLnBrk="0" hangingPunct="1">
+              <a:spcBef>
+                <a:spcPct val="20000"/>
+              </a:spcBef>
+              <a:buFont typeface="Arial" pitchFamily="34" charset="0"/>
+              <a:buNone/>
+              <a:defRPr sz="16273" kern="1200">
+                <a:gradFill>
+                  <a:gsLst>
+                    <a:gs pos="2917">
+                      <a:schemeClr val="bg1"/>
+                    </a:gs>
+                    <a:gs pos="100000">
+                      <a:schemeClr val="bg1"/>
+                    </a:gs>
+                  </a:gsLst>
+                  <a:lin ang="5400000" scaled="0"/>
+                </a:gradFill>
+                <a:latin typeface="+mj-lt"/>
+                <a:ea typeface="+mn-ea"/>
+                <a:cs typeface="+mn-cs"/>
+              </a:defRPr>
+            </a:lvl1pPr>
+            <a:lvl2pPr marL="728314" indent="-280121" algn="l" defTabSz="896386" rtl="0" eaLnBrk="1" latinLnBrk="0" hangingPunct="1">
+              <a:spcBef>
+                <a:spcPct val="20000"/>
+              </a:spcBef>
+              <a:buFont typeface="Arial" pitchFamily="34" charset="0"/>
+              <a:buChar char="–"/>
+              <a:defRPr sz="2745" kern="1200">
+                <a:solidFill>
+                  <a:schemeClr val="tx1"/>
+                </a:solidFill>
+                <a:latin typeface="+mj-lt"/>
+                <a:ea typeface="+mn-ea"/>
+                <a:cs typeface="+mn-cs"/>
+              </a:defRPr>
+            </a:lvl2pPr>
+            <a:lvl3pPr marL="1120483" indent="-224097" algn="l" defTabSz="896386" rtl="0" eaLnBrk="1" latinLnBrk="0" hangingPunct="1">
+              <a:spcBef>
+                <a:spcPct val="20000"/>
+              </a:spcBef>
+              <a:buFont typeface="Arial" pitchFamily="34" charset="0"/>
+              <a:buChar char="•"/>
+              <a:defRPr sz="2353" kern="1200">
+                <a:solidFill>
+                  <a:schemeClr val="tx1"/>
+                </a:solidFill>
+                <a:latin typeface="+mj-lt"/>
+                <a:ea typeface="+mn-ea"/>
+                <a:cs typeface="+mn-cs"/>
+              </a:defRPr>
+            </a:lvl3pPr>
+            <a:lvl4pPr marL="1568676" indent="-224097" algn="l" defTabSz="896386" rtl="0" eaLnBrk="1" latinLnBrk="0" hangingPunct="1">
+              <a:spcBef>
+                <a:spcPct val="20000"/>
+              </a:spcBef>
+              <a:buFont typeface="Arial" pitchFamily="34" charset="0"/>
+              <a:buChar char="–"/>
+              <a:defRPr sz="1961" kern="1200">
+                <a:solidFill>
+                  <a:schemeClr val="tx1"/>
+                </a:solidFill>
+                <a:latin typeface="+mj-lt"/>
+                <a:ea typeface="+mn-ea"/>
+                <a:cs typeface="+mn-cs"/>
+              </a:defRPr>
+            </a:lvl4pPr>
+            <a:lvl5pPr marL="2016869" indent="-224097" algn="l" defTabSz="896386" rtl="0" eaLnBrk="1" latinLnBrk="0" hangingPunct="1">
+              <a:spcBef>
+                <a:spcPct val="20000"/>
+              </a:spcBef>
+              <a:buFont typeface="Arial" pitchFamily="34" charset="0"/>
+              <a:buChar char="»"/>
+              <a:defRPr sz="1961" kern="1200">
+                <a:solidFill>
+                  <a:schemeClr val="tx1"/>
+                </a:solidFill>
+                <a:latin typeface="+mj-lt"/>
+                <a:ea typeface="+mn-ea"/>
+                <a:cs typeface="+mn-cs"/>
+              </a:defRPr>
+            </a:lvl5pPr>
+            <a:lvl6pPr marL="2465062" indent="-224097" algn="l" defTabSz="896386" rtl="0" eaLnBrk="1" latinLnBrk="0" hangingPunct="1">
+              <a:spcBef>
+                <a:spcPct val="20000"/>
+              </a:spcBef>
+              <a:buFont typeface="Arial" pitchFamily="34" charset="0"/>
+              <a:buChar char="•"/>
+              <a:defRPr sz="1961" kern="1200">
+                <a:solidFill>
+                  <a:schemeClr val="tx1"/>
+                </a:solidFill>
+                <a:latin typeface="+mn-lt"/>
+                <a:ea typeface="+mn-ea"/>
+                <a:cs typeface="+mn-cs"/>
+              </a:defRPr>
+            </a:lvl6pPr>
+            <a:lvl7pPr marL="2913256" indent="-224097" algn="l" defTabSz="896386" rtl="0" eaLnBrk="1" latinLnBrk="0" hangingPunct="1">
+              <a:spcBef>
+                <a:spcPct val="20000"/>
+              </a:spcBef>
+              <a:buFont typeface="Arial" pitchFamily="34" charset="0"/>
+              <a:buChar char="•"/>
+              <a:defRPr sz="1961" kern="1200">
+                <a:solidFill>
+                  <a:schemeClr val="tx1"/>
+                </a:solidFill>
+                <a:latin typeface="+mn-lt"/>
+                <a:ea typeface="+mn-ea"/>
+                <a:cs typeface="+mn-cs"/>
+              </a:defRPr>
+            </a:lvl7pPr>
+            <a:lvl8pPr marL="3361449" indent="-224097" algn="l" defTabSz="896386" rtl="0" eaLnBrk="1" latinLnBrk="0" hangingPunct="1">
+              <a:spcBef>
+                <a:spcPct val="20000"/>
+              </a:spcBef>
+              <a:buFont typeface="Arial" pitchFamily="34" charset="0"/>
+              <a:buChar char="•"/>
+              <a:defRPr sz="1961" kern="1200">
+                <a:solidFill>
+                  <a:schemeClr val="tx1"/>
+                </a:solidFill>
+                <a:latin typeface="+mn-lt"/>
+                <a:ea typeface="+mn-ea"/>
+                <a:cs typeface="+mn-cs"/>
+              </a:defRPr>
+            </a:lvl8pPr>
+            <a:lvl9pPr marL="3809642" indent="-224097" algn="l" defTabSz="896386" rtl="0" eaLnBrk="1" latinLnBrk="0" hangingPunct="1">
+              <a:spcBef>
+                <a:spcPct val="20000"/>
+              </a:spcBef>
+              <a:buFont typeface="Arial" pitchFamily="34" charset="0"/>
+              <a:buChar char="•"/>
+              <a:defRPr sz="1961" kern="1200">
+                <a:solidFill>
+                  <a:schemeClr val="tx1"/>
+                </a:solidFill>
+                <a:latin typeface="+mn-lt"/>
+                <a:ea typeface="+mn-ea"/>
+                <a:cs typeface="+mn-cs"/>
+              </a:defRPr>
+            </a:lvl9pPr>
+          </a:lstStyle>
+          <a:p>
+            <a:pPr marL="0" marR="0" lvl="0" indent="0" algn="l" defTabSz="896386" rtl="0" eaLnBrk="1" fontAlgn="auto" latinLnBrk="0" hangingPunct="1">
+              <a:lnSpc>
+                <a:spcPct val="100000"/>
+              </a:lnSpc>
+              <a:spcBef>
+                <a:spcPct val="20000"/>
+              </a:spcBef>
+              <a:spcAft>
+                <a:spcPts val="0"/>
+              </a:spcAft>
+              <a:buClrTx/>
+              <a:buSzTx/>
+              <a:buFont typeface="Arial" pitchFamily="34" charset="0"/>
+              <a:buNone/>
+              <a:tabLst/>
+              <a:defRPr/>
+            </a:pPr>
+            <a:r>
+              <a:rPr kumimoji="0" lang="en-US" sz="16273" b="0" i="0" u="none" strike="noStrike" kern="1200" cap="none" spc="0" normalizeH="0" baseline="0" noProof="0" dirty="0">
+                <a:ln>
+                  <a:noFill/>
+                </a:ln>
+                <a:gradFill>
+                  <a:gsLst>
+                    <a:gs pos="2917">
+                      <a:srgbClr val="FFFFFF"/>
+                    </a:gs>
+                    <a:gs pos="100000">
+                      <a:srgbClr val="FFFFFF"/>
+                    </a:gs>
+                  </a:gsLst>
+                  <a:lin ang="5400000" scaled="0"/>
+                </a:gradFill>
+                <a:effectLst/>
+                <a:uLnTx/>
+                <a:uFillTx/>
+                <a:latin typeface="Segoe UI Light"/>
+                <a:ea typeface="+mn-ea"/>
+                <a:cs typeface="+mn-cs"/>
+              </a:rPr>
+              <a:t>Demo</a:t>
+            </a:r>
+          </a:p>
+        </p:txBody>
+      </p:sp>
+    </p:spTree>
+    <p:extLst>
+      <p:ext uri="{BB962C8B-B14F-4D97-AF65-F5344CB8AC3E}">
+        <p14:creationId xmlns:p14="http://schemas.microsoft.com/office/powerpoint/2010/main" val="240505729"/>
+      </p:ext>
+    </p:extLst>
+  </p:cSld>
+  <p:clrMapOvr>
+    <a:masterClrMapping/>
+  </p:clrMapOvr>
+  <mc:AlternateContent xmlns:mc="http://schemas.openxmlformats.org/markup-compatibility/2006" xmlns:p14="http://schemas.microsoft.com/office/powerpoint/2010/main">
+    <mc:Choice Requires="p14">
+      <p:transition spd="med" p14:dur="700">
+        <p:fade/>
+      </p:transition>
+    </mc:Choice>
+    <mc:Fallback xmlns="">
+      <p:transition spd="med">
+        <p:fade/>
+      </p:transition>
+    </mc:Fallback>
+  </mc:AlternateContent>
+</p:sldLayout>
+</file>
+
+<file path=ppt/slideLayouts/slideLayout11.xml><?xml version="1.0" encoding="utf-8"?>
+<p:sldLayout xmlns:a="http://schemas.openxmlformats.org/drawingml/2006/main" xmlns:r="http://schemas.openxmlformats.org/officeDocument/2006/relationships" xmlns:p="http://schemas.openxmlformats.org/presentationml/2006/main" preserve="1" userDrawn="1">
+  <p:cSld name="Blank Accent Color Orange">
+    <p:bg>
+      <p:bgPr>
+        <a:solidFill>
+          <a:schemeClr val="accent4"/>
+        </a:solidFill>
+        <a:effectLst/>
+      </p:bgPr>
+    </p:bg>
     <p:spTree>
       <p:nvGrpSpPr>
         <p:cNvPr id="1" name=""/>
@@ -1611,15 +1960,844 @@
         </a:xfrm>
       </p:grpSpPr>
     </p:spTree>
+    <p:extLst>
+      <p:ext uri="{BB962C8B-B14F-4D97-AF65-F5344CB8AC3E}">
+        <p14:creationId xmlns:p14="http://schemas.microsoft.com/office/powerpoint/2010/main" val="1608370253"/>
+      </p:ext>
+    </p:extLst>
   </p:cSld>
   <p:clrMapOvr>
     <a:masterClrMapping/>
   </p:clrMapOvr>
-</p:notes>
+  <mc:AlternateContent xmlns:mc="http://schemas.openxmlformats.org/markup-compatibility/2006" xmlns:p14="http://schemas.microsoft.com/office/powerpoint/2010/main">
+    <mc:Choice Requires="p14">
+      <p:transition spd="med" p14:dur="700">
+        <p:fade/>
+      </p:transition>
+    </mc:Choice>
+    <mc:Fallback xmlns="">
+      <p:transition spd="med">
+        <p:fade/>
+      </p:transition>
+    </mc:Fallback>
+  </mc:AlternateContent>
+</p:sldLayout>
 </file>
 
-<file path=ppt/slideLayouts/slideLayout1.xml><?xml version="1.0" encoding="utf-8"?>
-<p:sldLayout xmlns:a="http://schemas.openxmlformats.org/drawingml/2006/main" xmlns:r="http://schemas.openxmlformats.org/officeDocument/2006/relationships" xmlns:p="http://schemas.openxmlformats.org/presentationml/2006/main" type="title" preserve="1">
+<file path=ppt/slideLayouts/slideLayout12.xml><?xml version="1.0" encoding="utf-8"?>
+<p:sldLayout xmlns:a="http://schemas.openxmlformats.org/drawingml/2006/main" xmlns:r="http://schemas.openxmlformats.org/officeDocument/2006/relationships" xmlns:p="http://schemas.openxmlformats.org/presentationml/2006/main" userDrawn="1">
+  <p:cSld name="Blank Accent Color Purple Demo">
+    <p:bg>
+      <p:bgPr>
+        <a:solidFill>
+          <a:schemeClr val="accent3"/>
+        </a:solidFill>
+        <a:effectLst/>
+      </p:bgPr>
+    </p:bg>
+    <p:spTree>
+      <p:nvGrpSpPr>
+        <p:cNvPr id="1" name=""/>
+        <p:cNvGrpSpPr/>
+        <p:nvPr/>
+      </p:nvGrpSpPr>
+      <p:grpSpPr>
+        <a:xfrm>
+          <a:off x="0" y="0"/>
+          <a:ext cx="0" cy="0"/>
+          <a:chOff x="0" y="0"/>
+          <a:chExt cx="0" cy="0"/>
+        </a:xfrm>
+      </p:grpSpPr>
+      <p:sp>
+        <p:nvSpPr>
+          <p:cNvPr id="3" name="Title"/>
+          <p:cNvSpPr txBox="1">
+            <a:spLocks/>
+          </p:cNvSpPr>
+          <p:nvPr userDrawn="1"/>
+        </p:nvSpPr>
+        <p:spPr>
+          <a:xfrm>
+            <a:off x="269239" y="2084173"/>
+            <a:ext cx="9860673" cy="1793104"/>
+          </a:xfrm>
+          <a:prstGeom prst="rect">
+            <a:avLst/>
+          </a:prstGeom>
+        </p:spPr>
+        <p:txBody>
+          <a:bodyPr/>
+          <a:lstStyle>
+            <a:lvl1pPr marL="0" indent="0" algn="l" defTabSz="896386" rtl="0" eaLnBrk="1" latinLnBrk="0" hangingPunct="1">
+              <a:spcBef>
+                <a:spcPct val="20000"/>
+              </a:spcBef>
+              <a:buFont typeface="Arial" pitchFamily="34" charset="0"/>
+              <a:buNone/>
+              <a:defRPr sz="16273" kern="1200">
+                <a:gradFill>
+                  <a:gsLst>
+                    <a:gs pos="2917">
+                      <a:schemeClr val="bg1"/>
+                    </a:gs>
+                    <a:gs pos="100000">
+                      <a:schemeClr val="bg1"/>
+                    </a:gs>
+                  </a:gsLst>
+                  <a:lin ang="5400000" scaled="0"/>
+                </a:gradFill>
+                <a:latin typeface="+mj-lt"/>
+                <a:ea typeface="+mn-ea"/>
+                <a:cs typeface="+mn-cs"/>
+              </a:defRPr>
+            </a:lvl1pPr>
+            <a:lvl2pPr marL="728314" indent="-280121" algn="l" defTabSz="896386" rtl="0" eaLnBrk="1" latinLnBrk="0" hangingPunct="1">
+              <a:spcBef>
+                <a:spcPct val="20000"/>
+              </a:spcBef>
+              <a:buFont typeface="Arial" pitchFamily="34" charset="0"/>
+              <a:buChar char="–"/>
+              <a:defRPr sz="2745" kern="1200">
+                <a:solidFill>
+                  <a:schemeClr val="tx1"/>
+                </a:solidFill>
+                <a:latin typeface="+mj-lt"/>
+                <a:ea typeface="+mn-ea"/>
+                <a:cs typeface="+mn-cs"/>
+              </a:defRPr>
+            </a:lvl2pPr>
+            <a:lvl3pPr marL="1120483" indent="-224097" algn="l" defTabSz="896386" rtl="0" eaLnBrk="1" latinLnBrk="0" hangingPunct="1">
+              <a:spcBef>
+                <a:spcPct val="20000"/>
+              </a:spcBef>
+              <a:buFont typeface="Arial" pitchFamily="34" charset="0"/>
+              <a:buChar char="•"/>
+              <a:defRPr sz="2353" kern="1200">
+                <a:solidFill>
+                  <a:schemeClr val="tx1"/>
+                </a:solidFill>
+                <a:latin typeface="+mj-lt"/>
+                <a:ea typeface="+mn-ea"/>
+                <a:cs typeface="+mn-cs"/>
+              </a:defRPr>
+            </a:lvl3pPr>
+            <a:lvl4pPr marL="1568676" indent="-224097" algn="l" defTabSz="896386" rtl="0" eaLnBrk="1" latinLnBrk="0" hangingPunct="1">
+              <a:spcBef>
+                <a:spcPct val="20000"/>
+              </a:spcBef>
+              <a:buFont typeface="Arial" pitchFamily="34" charset="0"/>
+              <a:buChar char="–"/>
+              <a:defRPr sz="1961" kern="1200">
+                <a:solidFill>
+                  <a:schemeClr val="tx1"/>
+                </a:solidFill>
+                <a:latin typeface="+mj-lt"/>
+                <a:ea typeface="+mn-ea"/>
+                <a:cs typeface="+mn-cs"/>
+              </a:defRPr>
+            </a:lvl4pPr>
+            <a:lvl5pPr marL="2016869" indent="-224097" algn="l" defTabSz="896386" rtl="0" eaLnBrk="1" latinLnBrk="0" hangingPunct="1">
+              <a:spcBef>
+                <a:spcPct val="20000"/>
+              </a:spcBef>
+              <a:buFont typeface="Arial" pitchFamily="34" charset="0"/>
+              <a:buChar char="»"/>
+              <a:defRPr sz="1961" kern="1200">
+                <a:solidFill>
+                  <a:schemeClr val="tx1"/>
+                </a:solidFill>
+                <a:latin typeface="+mj-lt"/>
+                <a:ea typeface="+mn-ea"/>
+                <a:cs typeface="+mn-cs"/>
+              </a:defRPr>
+            </a:lvl5pPr>
+            <a:lvl6pPr marL="2465062" indent="-224097" algn="l" defTabSz="896386" rtl="0" eaLnBrk="1" latinLnBrk="0" hangingPunct="1">
+              <a:spcBef>
+                <a:spcPct val="20000"/>
+              </a:spcBef>
+              <a:buFont typeface="Arial" pitchFamily="34" charset="0"/>
+              <a:buChar char="•"/>
+              <a:defRPr sz="1961" kern="1200">
+                <a:solidFill>
+                  <a:schemeClr val="tx1"/>
+                </a:solidFill>
+                <a:latin typeface="+mn-lt"/>
+                <a:ea typeface="+mn-ea"/>
+                <a:cs typeface="+mn-cs"/>
+              </a:defRPr>
+            </a:lvl6pPr>
+            <a:lvl7pPr marL="2913256" indent="-224097" algn="l" defTabSz="896386" rtl="0" eaLnBrk="1" latinLnBrk="0" hangingPunct="1">
+              <a:spcBef>
+                <a:spcPct val="20000"/>
+              </a:spcBef>
+              <a:buFont typeface="Arial" pitchFamily="34" charset="0"/>
+              <a:buChar char="•"/>
+              <a:defRPr sz="1961" kern="1200">
+                <a:solidFill>
+                  <a:schemeClr val="tx1"/>
+                </a:solidFill>
+                <a:latin typeface="+mn-lt"/>
+                <a:ea typeface="+mn-ea"/>
+                <a:cs typeface="+mn-cs"/>
+              </a:defRPr>
+            </a:lvl7pPr>
+            <a:lvl8pPr marL="3361449" indent="-224097" algn="l" defTabSz="896386" rtl="0" eaLnBrk="1" latinLnBrk="0" hangingPunct="1">
+              <a:spcBef>
+                <a:spcPct val="20000"/>
+              </a:spcBef>
+              <a:buFont typeface="Arial" pitchFamily="34" charset="0"/>
+              <a:buChar char="•"/>
+              <a:defRPr sz="1961" kern="1200">
+                <a:solidFill>
+                  <a:schemeClr val="tx1"/>
+                </a:solidFill>
+                <a:latin typeface="+mn-lt"/>
+                <a:ea typeface="+mn-ea"/>
+                <a:cs typeface="+mn-cs"/>
+              </a:defRPr>
+            </a:lvl8pPr>
+            <a:lvl9pPr marL="3809642" indent="-224097" algn="l" defTabSz="896386" rtl="0" eaLnBrk="1" latinLnBrk="0" hangingPunct="1">
+              <a:spcBef>
+                <a:spcPct val="20000"/>
+              </a:spcBef>
+              <a:buFont typeface="Arial" pitchFamily="34" charset="0"/>
+              <a:buChar char="•"/>
+              <a:defRPr sz="1961" kern="1200">
+                <a:solidFill>
+                  <a:schemeClr val="tx1"/>
+                </a:solidFill>
+                <a:latin typeface="+mn-lt"/>
+                <a:ea typeface="+mn-ea"/>
+                <a:cs typeface="+mn-cs"/>
+              </a:defRPr>
+            </a:lvl9pPr>
+          </a:lstStyle>
+          <a:p>
+            <a:pPr marL="0" marR="0" lvl="0" indent="0" algn="l" defTabSz="896386" rtl="0" eaLnBrk="1" fontAlgn="auto" latinLnBrk="0" hangingPunct="1">
+              <a:lnSpc>
+                <a:spcPct val="100000"/>
+              </a:lnSpc>
+              <a:spcBef>
+                <a:spcPct val="20000"/>
+              </a:spcBef>
+              <a:spcAft>
+                <a:spcPts val="0"/>
+              </a:spcAft>
+              <a:buClrTx/>
+              <a:buSzTx/>
+              <a:buFont typeface="Arial" pitchFamily="34" charset="0"/>
+              <a:buNone/>
+              <a:tabLst/>
+              <a:defRPr/>
+            </a:pPr>
+            <a:r>
+              <a:rPr kumimoji="0" lang="en-US" sz="16273" b="0" i="0" u="none" strike="noStrike" kern="1200" cap="none" spc="0" normalizeH="0" baseline="0" noProof="0" dirty="0">
+                <a:ln>
+                  <a:noFill/>
+                </a:ln>
+                <a:gradFill>
+                  <a:gsLst>
+                    <a:gs pos="2917">
+                      <a:srgbClr val="FFFFFF"/>
+                    </a:gs>
+                    <a:gs pos="100000">
+                      <a:srgbClr val="FFFFFF"/>
+                    </a:gs>
+                  </a:gsLst>
+                  <a:lin ang="5400000" scaled="0"/>
+                </a:gradFill>
+                <a:effectLst/>
+                <a:uLnTx/>
+                <a:uFillTx/>
+                <a:latin typeface="Segoe UI Light"/>
+                <a:ea typeface="+mn-ea"/>
+                <a:cs typeface="+mn-cs"/>
+              </a:rPr>
+              <a:t>Demo</a:t>
+            </a:r>
+          </a:p>
+        </p:txBody>
+      </p:sp>
+    </p:spTree>
+    <p:extLst>
+      <p:ext uri="{BB962C8B-B14F-4D97-AF65-F5344CB8AC3E}">
+        <p14:creationId xmlns:p14="http://schemas.microsoft.com/office/powerpoint/2010/main" val="708588797"/>
+      </p:ext>
+    </p:extLst>
+  </p:cSld>
+  <p:clrMapOvr>
+    <a:overrideClrMapping bg1="dk1" tx1="lt1" bg2="dk2" tx2="lt2" accent1="accent1" accent2="accent2" accent3="accent3" accent4="accent4" accent5="accent5" accent6="accent6" hlink="hlink" folHlink="folHlink"/>
+  </p:clrMapOvr>
+  <mc:AlternateContent xmlns:mc="http://schemas.openxmlformats.org/markup-compatibility/2006" xmlns:p14="http://schemas.microsoft.com/office/powerpoint/2010/main">
+    <mc:Choice Requires="p14">
+      <p:transition spd="med" p14:dur="700">
+        <p:fade/>
+      </p:transition>
+    </mc:Choice>
+    <mc:Fallback xmlns="">
+      <p:transition spd="med">
+        <p:fade/>
+      </p:transition>
+    </mc:Fallback>
+  </mc:AlternateContent>
+</p:sldLayout>
+</file>
+
+<file path=ppt/slideLayouts/slideLayout13.xml><?xml version="1.0" encoding="utf-8"?>
+<p:sldLayout xmlns:a="http://schemas.openxmlformats.org/drawingml/2006/main" xmlns:r="http://schemas.openxmlformats.org/officeDocument/2006/relationships" xmlns:p="http://schemas.openxmlformats.org/presentationml/2006/main" preserve="1" userDrawn="1">
+  <p:cSld name="Blank Accent Color Purple">
+    <p:bg>
+      <p:bgPr>
+        <a:solidFill>
+          <a:schemeClr val="accent3"/>
+        </a:solidFill>
+        <a:effectLst/>
+      </p:bgPr>
+    </p:bg>
+    <p:spTree>
+      <p:nvGrpSpPr>
+        <p:cNvPr id="1" name=""/>
+        <p:cNvGrpSpPr/>
+        <p:nvPr/>
+      </p:nvGrpSpPr>
+      <p:grpSpPr>
+        <a:xfrm>
+          <a:off x="0" y="0"/>
+          <a:ext cx="0" cy="0"/>
+          <a:chOff x="0" y="0"/>
+          <a:chExt cx="0" cy="0"/>
+        </a:xfrm>
+      </p:grpSpPr>
+    </p:spTree>
+    <p:extLst>
+      <p:ext uri="{BB962C8B-B14F-4D97-AF65-F5344CB8AC3E}">
+        <p14:creationId xmlns:p14="http://schemas.microsoft.com/office/powerpoint/2010/main" val="1017121225"/>
+      </p:ext>
+    </p:extLst>
+  </p:cSld>
+  <p:clrMapOvr>
+    <a:overrideClrMapping bg1="dk1" tx1="lt1" bg2="dk2" tx2="lt2" accent1="accent1" accent2="accent2" accent3="accent3" accent4="accent4" accent5="accent5" accent6="accent6" hlink="hlink" folHlink="folHlink"/>
+  </p:clrMapOvr>
+  <mc:AlternateContent xmlns:mc="http://schemas.openxmlformats.org/markup-compatibility/2006" xmlns:p14="http://schemas.microsoft.com/office/powerpoint/2010/main">
+    <mc:Choice Requires="p14">
+      <p:transition spd="med" p14:dur="700">
+        <p:fade/>
+      </p:transition>
+    </mc:Choice>
+    <mc:Fallback xmlns="">
+      <p:transition spd="med">
+        <p:fade/>
+      </p:transition>
+    </mc:Fallback>
+  </mc:AlternateContent>
+</p:sldLayout>
+</file>
+
+<file path=ppt/slideLayouts/slideLayout14.xml><?xml version="1.0" encoding="utf-8"?>
+<p:sldLayout xmlns:a="http://schemas.openxmlformats.org/drawingml/2006/main" xmlns:r="http://schemas.openxmlformats.org/officeDocument/2006/relationships" xmlns:p="http://schemas.openxmlformats.org/presentationml/2006/main" preserve="1" userDrawn="1">
+  <p:cSld name="Blank Accent Color Black Demo">
+    <p:bg>
+      <p:bgPr>
+        <a:solidFill>
+          <a:srgbClr val="000000"/>
+        </a:solidFill>
+        <a:effectLst/>
+      </p:bgPr>
+    </p:bg>
+    <p:spTree>
+      <p:nvGrpSpPr>
+        <p:cNvPr id="1" name=""/>
+        <p:cNvGrpSpPr/>
+        <p:nvPr/>
+      </p:nvGrpSpPr>
+      <p:grpSpPr>
+        <a:xfrm>
+          <a:off x="0" y="0"/>
+          <a:ext cx="0" cy="0"/>
+          <a:chOff x="0" y="0"/>
+          <a:chExt cx="0" cy="0"/>
+        </a:xfrm>
+      </p:grpSpPr>
+      <p:sp>
+        <p:nvSpPr>
+          <p:cNvPr id="5" name="Title"/>
+          <p:cNvSpPr txBox="1">
+            <a:spLocks/>
+          </p:cNvSpPr>
+          <p:nvPr userDrawn="1"/>
+        </p:nvSpPr>
+        <p:spPr>
+          <a:xfrm>
+            <a:off x="269239" y="2084173"/>
+            <a:ext cx="9860673" cy="1793104"/>
+          </a:xfrm>
+          <a:prstGeom prst="rect">
+            <a:avLst/>
+          </a:prstGeom>
+        </p:spPr>
+        <p:txBody>
+          <a:bodyPr/>
+          <a:lstStyle>
+            <a:lvl1pPr marL="0" indent="0" algn="l" defTabSz="896386" rtl="0" eaLnBrk="1" latinLnBrk="0" hangingPunct="1">
+              <a:spcBef>
+                <a:spcPct val="20000"/>
+              </a:spcBef>
+              <a:buFont typeface="Arial" pitchFamily="34" charset="0"/>
+              <a:buNone/>
+              <a:defRPr sz="16273" kern="1200">
+                <a:gradFill>
+                  <a:gsLst>
+                    <a:gs pos="2917">
+                      <a:schemeClr val="bg1"/>
+                    </a:gs>
+                    <a:gs pos="100000">
+                      <a:schemeClr val="bg1"/>
+                    </a:gs>
+                  </a:gsLst>
+                  <a:lin ang="5400000" scaled="0"/>
+                </a:gradFill>
+                <a:latin typeface="+mj-lt"/>
+                <a:ea typeface="+mn-ea"/>
+                <a:cs typeface="+mn-cs"/>
+              </a:defRPr>
+            </a:lvl1pPr>
+            <a:lvl2pPr marL="728314" indent="-280121" algn="l" defTabSz="896386" rtl="0" eaLnBrk="1" latinLnBrk="0" hangingPunct="1">
+              <a:spcBef>
+                <a:spcPct val="20000"/>
+              </a:spcBef>
+              <a:buFont typeface="Arial" pitchFamily="34" charset="0"/>
+              <a:buChar char="–"/>
+              <a:defRPr sz="2745" kern="1200">
+                <a:solidFill>
+                  <a:schemeClr val="tx1"/>
+                </a:solidFill>
+                <a:latin typeface="+mj-lt"/>
+                <a:ea typeface="+mn-ea"/>
+                <a:cs typeface="+mn-cs"/>
+              </a:defRPr>
+            </a:lvl2pPr>
+            <a:lvl3pPr marL="1120483" indent="-224097" algn="l" defTabSz="896386" rtl="0" eaLnBrk="1" latinLnBrk="0" hangingPunct="1">
+              <a:spcBef>
+                <a:spcPct val="20000"/>
+              </a:spcBef>
+              <a:buFont typeface="Arial" pitchFamily="34" charset="0"/>
+              <a:buChar char="•"/>
+              <a:defRPr sz="2353" kern="1200">
+                <a:solidFill>
+                  <a:schemeClr val="tx1"/>
+                </a:solidFill>
+                <a:latin typeface="+mj-lt"/>
+                <a:ea typeface="+mn-ea"/>
+                <a:cs typeface="+mn-cs"/>
+              </a:defRPr>
+            </a:lvl3pPr>
+            <a:lvl4pPr marL="1568676" indent="-224097" algn="l" defTabSz="896386" rtl="0" eaLnBrk="1" latinLnBrk="0" hangingPunct="1">
+              <a:spcBef>
+                <a:spcPct val="20000"/>
+              </a:spcBef>
+              <a:buFont typeface="Arial" pitchFamily="34" charset="0"/>
+              <a:buChar char="–"/>
+              <a:defRPr sz="1961" kern="1200">
+                <a:solidFill>
+                  <a:schemeClr val="tx1"/>
+                </a:solidFill>
+                <a:latin typeface="+mj-lt"/>
+                <a:ea typeface="+mn-ea"/>
+                <a:cs typeface="+mn-cs"/>
+              </a:defRPr>
+            </a:lvl4pPr>
+            <a:lvl5pPr marL="2016869" indent="-224097" algn="l" defTabSz="896386" rtl="0" eaLnBrk="1" latinLnBrk="0" hangingPunct="1">
+              <a:spcBef>
+                <a:spcPct val="20000"/>
+              </a:spcBef>
+              <a:buFont typeface="Arial" pitchFamily="34" charset="0"/>
+              <a:buChar char="»"/>
+              <a:defRPr sz="1961" kern="1200">
+                <a:solidFill>
+                  <a:schemeClr val="tx1"/>
+                </a:solidFill>
+                <a:latin typeface="+mj-lt"/>
+                <a:ea typeface="+mn-ea"/>
+                <a:cs typeface="+mn-cs"/>
+              </a:defRPr>
+            </a:lvl5pPr>
+            <a:lvl6pPr marL="2465062" indent="-224097" algn="l" defTabSz="896386" rtl="0" eaLnBrk="1" latinLnBrk="0" hangingPunct="1">
+              <a:spcBef>
+                <a:spcPct val="20000"/>
+              </a:spcBef>
+              <a:buFont typeface="Arial" pitchFamily="34" charset="0"/>
+              <a:buChar char="•"/>
+              <a:defRPr sz="1961" kern="1200">
+                <a:solidFill>
+                  <a:schemeClr val="tx1"/>
+                </a:solidFill>
+                <a:latin typeface="+mn-lt"/>
+                <a:ea typeface="+mn-ea"/>
+                <a:cs typeface="+mn-cs"/>
+              </a:defRPr>
+            </a:lvl6pPr>
+            <a:lvl7pPr marL="2913256" indent="-224097" algn="l" defTabSz="896386" rtl="0" eaLnBrk="1" latinLnBrk="0" hangingPunct="1">
+              <a:spcBef>
+                <a:spcPct val="20000"/>
+              </a:spcBef>
+              <a:buFont typeface="Arial" pitchFamily="34" charset="0"/>
+              <a:buChar char="•"/>
+              <a:defRPr sz="1961" kern="1200">
+                <a:solidFill>
+                  <a:schemeClr val="tx1"/>
+                </a:solidFill>
+                <a:latin typeface="+mn-lt"/>
+                <a:ea typeface="+mn-ea"/>
+                <a:cs typeface="+mn-cs"/>
+              </a:defRPr>
+            </a:lvl7pPr>
+            <a:lvl8pPr marL="3361449" indent="-224097" algn="l" defTabSz="896386" rtl="0" eaLnBrk="1" latinLnBrk="0" hangingPunct="1">
+              <a:spcBef>
+                <a:spcPct val="20000"/>
+              </a:spcBef>
+              <a:buFont typeface="Arial" pitchFamily="34" charset="0"/>
+              <a:buChar char="•"/>
+              <a:defRPr sz="1961" kern="1200">
+                <a:solidFill>
+                  <a:schemeClr val="tx1"/>
+                </a:solidFill>
+                <a:latin typeface="+mn-lt"/>
+                <a:ea typeface="+mn-ea"/>
+                <a:cs typeface="+mn-cs"/>
+              </a:defRPr>
+            </a:lvl8pPr>
+            <a:lvl9pPr marL="3809642" indent="-224097" algn="l" defTabSz="896386" rtl="0" eaLnBrk="1" latinLnBrk="0" hangingPunct="1">
+              <a:spcBef>
+                <a:spcPct val="20000"/>
+              </a:spcBef>
+              <a:buFont typeface="Arial" pitchFamily="34" charset="0"/>
+              <a:buChar char="•"/>
+              <a:defRPr sz="1961" kern="1200">
+                <a:solidFill>
+                  <a:schemeClr val="tx1"/>
+                </a:solidFill>
+                <a:latin typeface="+mn-lt"/>
+                <a:ea typeface="+mn-ea"/>
+                <a:cs typeface="+mn-cs"/>
+              </a:defRPr>
+            </a:lvl9pPr>
+          </a:lstStyle>
+          <a:p>
+            <a:pPr marL="0" marR="0" lvl="0" indent="0" algn="l" defTabSz="896386" rtl="0" eaLnBrk="1" fontAlgn="auto" latinLnBrk="0" hangingPunct="1">
+              <a:lnSpc>
+                <a:spcPct val="100000"/>
+              </a:lnSpc>
+              <a:spcBef>
+                <a:spcPct val="20000"/>
+              </a:spcBef>
+              <a:spcAft>
+                <a:spcPts val="0"/>
+              </a:spcAft>
+              <a:buClrTx/>
+              <a:buSzTx/>
+              <a:buFont typeface="Arial" pitchFamily="34" charset="0"/>
+              <a:buNone/>
+              <a:tabLst/>
+              <a:defRPr/>
+            </a:pPr>
+            <a:r>
+              <a:rPr kumimoji="0" lang="en-US" sz="16273" b="0" i="0" u="none" strike="noStrike" kern="1200" cap="none" spc="0" normalizeH="0" baseline="0" noProof="0">
+                <a:ln>
+                  <a:noFill/>
+                </a:ln>
+                <a:gradFill>
+                  <a:gsLst>
+                    <a:gs pos="2917">
+                      <a:srgbClr val="FFFFFF"/>
+                    </a:gs>
+                    <a:gs pos="100000">
+                      <a:srgbClr val="FFFFFF"/>
+                    </a:gs>
+                  </a:gsLst>
+                  <a:lin ang="5400000" scaled="0"/>
+                </a:gradFill>
+                <a:effectLst/>
+                <a:uLnTx/>
+                <a:uFillTx/>
+                <a:latin typeface="Segoe UI Light"/>
+                <a:ea typeface="+mn-ea"/>
+                <a:cs typeface="+mn-cs"/>
+              </a:rPr>
+              <a:t>Demo</a:t>
+            </a:r>
+            <a:endParaRPr kumimoji="0" lang="en-US" sz="16273" b="0" i="0" u="none" strike="noStrike" kern="1200" cap="none" spc="0" normalizeH="0" baseline="0" noProof="0" dirty="0">
+              <a:ln>
+                <a:noFill/>
+              </a:ln>
+              <a:gradFill>
+                <a:gsLst>
+                  <a:gs pos="2917">
+                    <a:srgbClr val="FFFFFF"/>
+                  </a:gs>
+                  <a:gs pos="100000">
+                    <a:srgbClr val="FFFFFF"/>
+                  </a:gs>
+                </a:gsLst>
+                <a:lin ang="5400000" scaled="0"/>
+              </a:gradFill>
+              <a:effectLst/>
+              <a:uLnTx/>
+              <a:uFillTx/>
+              <a:latin typeface="Segoe UI Light"/>
+              <a:ea typeface="+mn-ea"/>
+              <a:cs typeface="+mn-cs"/>
+            </a:endParaRPr>
+          </a:p>
+        </p:txBody>
+      </p:sp>
+    </p:spTree>
+    <p:extLst>
+      <p:ext uri="{BB962C8B-B14F-4D97-AF65-F5344CB8AC3E}">
+        <p14:creationId xmlns:p14="http://schemas.microsoft.com/office/powerpoint/2010/main" val="2497007566"/>
+      </p:ext>
+    </p:extLst>
+  </p:cSld>
+  <p:clrMapOvr>
+    <a:overrideClrMapping bg1="dk1" tx1="lt1" bg2="dk2" tx2="lt2" accent1="accent1" accent2="accent2" accent3="accent3" accent4="accent4" accent5="accent5" accent6="accent6" hlink="hlink" folHlink="folHlink"/>
+  </p:clrMapOvr>
+  <mc:AlternateContent xmlns:mc="http://schemas.openxmlformats.org/markup-compatibility/2006" xmlns:p14="http://schemas.microsoft.com/office/powerpoint/2010/main">
+    <mc:Choice Requires="p14">
+      <p:transition spd="med" p14:dur="700">
+        <p:fade/>
+      </p:transition>
+    </mc:Choice>
+    <mc:Fallback xmlns="">
+      <p:transition spd="med">
+        <p:fade/>
+      </p:transition>
+    </mc:Fallback>
+  </mc:AlternateContent>
+</p:sldLayout>
+</file>
+
+<file path=ppt/slideLayouts/slideLayout15.xml><?xml version="1.0" encoding="utf-8"?>
+<p:sldLayout xmlns:a="http://schemas.openxmlformats.org/drawingml/2006/main" xmlns:r="http://schemas.openxmlformats.org/officeDocument/2006/relationships" xmlns:p="http://schemas.openxmlformats.org/presentationml/2006/main" preserve="1" userDrawn="1">
+  <p:cSld name="Blank Accent Color Black">
+    <p:bg>
+      <p:bgPr>
+        <a:solidFill>
+          <a:srgbClr val="000000"/>
+        </a:solidFill>
+        <a:effectLst/>
+      </p:bgPr>
+    </p:bg>
+    <p:spTree>
+      <p:nvGrpSpPr>
+        <p:cNvPr id="1" name=""/>
+        <p:cNvGrpSpPr/>
+        <p:nvPr/>
+      </p:nvGrpSpPr>
+      <p:grpSpPr>
+        <a:xfrm>
+          <a:off x="0" y="0"/>
+          <a:ext cx="0" cy="0"/>
+          <a:chOff x="0" y="0"/>
+          <a:chExt cx="0" cy="0"/>
+        </a:xfrm>
+      </p:grpSpPr>
+    </p:spTree>
+    <p:extLst>
+      <p:ext uri="{BB962C8B-B14F-4D97-AF65-F5344CB8AC3E}">
+        <p14:creationId xmlns:p14="http://schemas.microsoft.com/office/powerpoint/2010/main" val="477877980"/>
+      </p:ext>
+    </p:extLst>
+  </p:cSld>
+  <p:clrMapOvr>
+    <a:overrideClrMapping bg1="dk1" tx1="lt1" bg2="dk2" tx2="lt2" accent1="accent1" accent2="accent2" accent3="accent3" accent4="accent4" accent5="accent5" accent6="accent6" hlink="hlink" folHlink="folHlink"/>
+  </p:clrMapOvr>
+  <mc:AlternateContent xmlns:mc="http://schemas.openxmlformats.org/markup-compatibility/2006" xmlns:p14="http://schemas.microsoft.com/office/powerpoint/2010/main">
+    <mc:Choice Requires="p14">
+      <p:transition spd="med" p14:dur="700">
+        <p:fade/>
+      </p:transition>
+    </mc:Choice>
+    <mc:Fallback xmlns="">
+      <p:transition spd="med">
+        <p:fade/>
+      </p:transition>
+    </mc:Fallback>
+  </mc:AlternateContent>
+</p:sldLayout>
+</file>
+
+<file path=ppt/slideLayouts/slideLayout16.xml><?xml version="1.0" encoding="utf-8"?>
+<p:sldLayout xmlns:a="http://schemas.openxmlformats.org/drawingml/2006/main" xmlns:r="http://schemas.openxmlformats.org/officeDocument/2006/relationships" xmlns:p="http://schemas.openxmlformats.org/presentationml/2006/main" type="obj">
+  <p:cSld name="Title and Content">
+    <p:spTree>
+      <p:nvGrpSpPr>
+        <p:cNvPr id="1" name=""/>
+        <p:cNvGrpSpPr/>
+        <p:nvPr/>
+      </p:nvGrpSpPr>
+      <p:grpSpPr>
+        <a:xfrm>
+          <a:off x="0" y="0"/>
+          <a:ext cx="0" cy="0"/>
+          <a:chOff x="0" y="0"/>
+          <a:chExt cx="0" cy="0"/>
+        </a:xfrm>
+      </p:grpSpPr>
+      <p:sp>
+        <p:nvSpPr>
+          <p:cNvPr id="2" name="Title 1"/>
+          <p:cNvSpPr>
+            <a:spLocks noGrp="1"/>
+          </p:cNvSpPr>
+          <p:nvPr>
+            <p:ph type="title"/>
+          </p:nvPr>
+        </p:nvSpPr>
+        <p:spPr/>
+        <p:txBody>
+          <a:bodyPr/>
+          <a:lstStyle/>
+          <a:p>
+            <a:r>
+              <a:rPr lang="en-US"/>
+              <a:t>Click to edit Master title style</a:t>
+            </a:r>
+            <a:endParaRPr lang="en-GB"/>
+          </a:p>
+        </p:txBody>
+      </p:sp>
+      <p:sp>
+        <p:nvSpPr>
+          <p:cNvPr id="3" name="Content Placeholder 2"/>
+          <p:cNvSpPr>
+            <a:spLocks noGrp="1"/>
+          </p:cNvSpPr>
+          <p:nvPr>
+            <p:ph idx="1"/>
+          </p:nvPr>
+        </p:nvSpPr>
+        <p:spPr/>
+        <p:txBody>
+          <a:bodyPr/>
+          <a:lstStyle/>
+          <a:p>
+            <a:pPr lvl="0"/>
+            <a:r>
+              <a:rPr lang="en-US"/>
+              <a:t>Click to edit Master text styles</a:t>
+            </a:r>
+          </a:p>
+          <a:p>
+            <a:pPr lvl="1"/>
+            <a:r>
+              <a:rPr lang="en-US"/>
+              <a:t>Second level</a:t>
+            </a:r>
+          </a:p>
+          <a:p>
+            <a:pPr lvl="2"/>
+            <a:r>
+              <a:rPr lang="en-US"/>
+              <a:t>Third level</a:t>
+            </a:r>
+          </a:p>
+          <a:p>
+            <a:pPr lvl="3"/>
+            <a:r>
+              <a:rPr lang="en-US"/>
+              <a:t>Fourth level</a:t>
+            </a:r>
+          </a:p>
+          <a:p>
+            <a:pPr lvl="4"/>
+            <a:r>
+              <a:rPr lang="en-US"/>
+              <a:t>Fifth level</a:t>
+            </a:r>
+            <a:endParaRPr lang="en-GB"/>
+          </a:p>
+        </p:txBody>
+      </p:sp>
+      <p:sp>
+        <p:nvSpPr>
+          <p:cNvPr id="4" name="Date Placeholder 3"/>
+          <p:cNvSpPr>
+            <a:spLocks noGrp="1"/>
+          </p:cNvSpPr>
+          <p:nvPr>
+            <p:ph type="dt" sz="half" idx="10"/>
+          </p:nvPr>
+        </p:nvSpPr>
+        <p:spPr/>
+        <p:txBody>
+          <a:bodyPr/>
+          <a:lstStyle/>
+          <a:p>
+            <a:fld id="{85C97CF4-16F1-4F22-B78C-E10587E26689}" type="datetimeFigureOut">
+              <a:rPr lang="en-GB" smtClean="0"/>
+              <a:t>16/10/2018</a:t>
+            </a:fld>
+            <a:endParaRPr lang="en-GB" dirty="0"/>
+          </a:p>
+        </p:txBody>
+      </p:sp>
+      <p:sp>
+        <p:nvSpPr>
+          <p:cNvPr id="5" name="Footer Placeholder 4"/>
+          <p:cNvSpPr>
+            <a:spLocks noGrp="1"/>
+          </p:cNvSpPr>
+          <p:nvPr>
+            <p:ph type="ftr" sz="quarter" idx="11"/>
+          </p:nvPr>
+        </p:nvSpPr>
+        <p:spPr/>
+        <p:txBody>
+          <a:bodyPr/>
+          <a:lstStyle/>
+          <a:p>
+            <a:endParaRPr lang="en-GB" dirty="0"/>
+          </a:p>
+        </p:txBody>
+      </p:sp>
+      <p:sp>
+        <p:nvSpPr>
+          <p:cNvPr id="6" name="Slide Number Placeholder 5"/>
+          <p:cNvSpPr>
+            <a:spLocks noGrp="1"/>
+          </p:cNvSpPr>
+          <p:nvPr>
+            <p:ph type="sldNum" sz="quarter" idx="12"/>
+          </p:nvPr>
+        </p:nvSpPr>
+        <p:spPr/>
+        <p:txBody>
+          <a:bodyPr/>
+          <a:lstStyle/>
+          <a:p>
+            <a:fld id="{A9C3ADED-1E69-417A-9B48-888EEA2A20F8}" type="slidenum">
+              <a:rPr lang="en-GB" smtClean="0"/>
+              <a:t>‹#›</a:t>
+            </a:fld>
+            <a:endParaRPr lang="en-GB" dirty="0"/>
+          </a:p>
+        </p:txBody>
+      </p:sp>
+    </p:spTree>
+    <p:extLst>
+      <p:ext uri="{BB962C8B-B14F-4D97-AF65-F5344CB8AC3E}">
+        <p14:creationId xmlns:p14="http://schemas.microsoft.com/office/powerpoint/2010/main" val="4009556920"/>
+      </p:ext>
+    </p:extLst>
+  </p:cSld>
+  <p:clrMapOvr>
+    <a:masterClrMapping/>
+  </p:clrMapOvr>
+</p:sldLayout>
+</file>
+
+<file path=ppt/slideLayouts/slideLayout17.xml><?xml version="1.0" encoding="utf-8"?>
+<p:sldLayout xmlns:a="http://schemas.openxmlformats.org/drawingml/2006/main" xmlns:r="http://schemas.openxmlformats.org/officeDocument/2006/relationships" xmlns:p="http://schemas.openxmlformats.org/presentationml/2006/main" type="title">
   <p:cSld name="Title Slide">
     <p:spTree>
       <p:nvGrpSpPr>
@@ -1800,7 +2978,7 @@
     </p:spTree>
     <p:extLst>
       <p:ext uri="{BB962C8B-B14F-4D97-AF65-F5344CB8AC3E}">
-        <p14:creationId xmlns:p14="http://schemas.microsoft.com/office/powerpoint/2010/main" val="3885408889"/>
+        <p14:creationId xmlns:p14="http://schemas.microsoft.com/office/powerpoint/2010/main" val="2258921323"/>
       </p:ext>
     </p:extLst>
   </p:cSld>
@@ -1810,440 +2988,7 @@
 </p:sldLayout>
 </file>
 
-<file path=ppt/slideLayouts/slideLayout10.xml><?xml version="1.0" encoding="utf-8"?>
-<p:sldLayout xmlns:a="http://schemas.openxmlformats.org/drawingml/2006/main" xmlns:r="http://schemas.openxmlformats.org/officeDocument/2006/relationships" xmlns:p="http://schemas.openxmlformats.org/presentationml/2006/main" type="vertTx" preserve="1">
-  <p:cSld name="Title and Vertical Text">
-    <p:spTree>
-      <p:nvGrpSpPr>
-        <p:cNvPr id="1" name=""/>
-        <p:cNvGrpSpPr/>
-        <p:nvPr/>
-      </p:nvGrpSpPr>
-      <p:grpSpPr>
-        <a:xfrm>
-          <a:off x="0" y="0"/>
-          <a:ext cx="0" cy="0"/>
-          <a:chOff x="0" y="0"/>
-          <a:chExt cx="0" cy="0"/>
-        </a:xfrm>
-      </p:grpSpPr>
-      <p:sp>
-        <p:nvSpPr>
-          <p:cNvPr id="2" name="Title 1"/>
-          <p:cNvSpPr>
-            <a:spLocks noGrp="1"/>
-          </p:cNvSpPr>
-          <p:nvPr>
-            <p:ph type="title"/>
-          </p:nvPr>
-        </p:nvSpPr>
-        <p:spPr/>
-        <p:txBody>
-          <a:bodyPr/>
-          <a:lstStyle/>
-          <a:p>
-            <a:r>
-              <a:rPr lang="en-US"/>
-              <a:t>Click to edit Master title style</a:t>
-            </a:r>
-            <a:endParaRPr lang="en-GB"/>
-          </a:p>
-        </p:txBody>
-      </p:sp>
-      <p:sp>
-        <p:nvSpPr>
-          <p:cNvPr id="3" name="Vertical Text Placeholder 2"/>
-          <p:cNvSpPr>
-            <a:spLocks noGrp="1"/>
-          </p:cNvSpPr>
-          <p:nvPr>
-            <p:ph type="body" orient="vert" idx="1"/>
-          </p:nvPr>
-        </p:nvSpPr>
-        <p:spPr/>
-        <p:txBody>
-          <a:bodyPr vert="eaVert"/>
-          <a:lstStyle/>
-          <a:p>
-            <a:pPr lvl="0"/>
-            <a:r>
-              <a:rPr lang="en-US"/>
-              <a:t>Click to edit Master text styles</a:t>
-            </a:r>
-          </a:p>
-          <a:p>
-            <a:pPr lvl="1"/>
-            <a:r>
-              <a:rPr lang="en-US"/>
-              <a:t>Second level</a:t>
-            </a:r>
-          </a:p>
-          <a:p>
-            <a:pPr lvl="2"/>
-            <a:r>
-              <a:rPr lang="en-US"/>
-              <a:t>Third level</a:t>
-            </a:r>
-          </a:p>
-          <a:p>
-            <a:pPr lvl="3"/>
-            <a:r>
-              <a:rPr lang="en-US"/>
-              <a:t>Fourth level</a:t>
-            </a:r>
-          </a:p>
-          <a:p>
-            <a:pPr lvl="4"/>
-            <a:r>
-              <a:rPr lang="en-US"/>
-              <a:t>Fifth level</a:t>
-            </a:r>
-            <a:endParaRPr lang="en-GB"/>
-          </a:p>
-        </p:txBody>
-      </p:sp>
-      <p:sp>
-        <p:nvSpPr>
-          <p:cNvPr id="4" name="Date Placeholder 3"/>
-          <p:cNvSpPr>
-            <a:spLocks noGrp="1"/>
-          </p:cNvSpPr>
-          <p:nvPr>
-            <p:ph type="dt" sz="half" idx="10"/>
-          </p:nvPr>
-        </p:nvSpPr>
-        <p:spPr/>
-        <p:txBody>
-          <a:bodyPr/>
-          <a:lstStyle/>
-          <a:p>
-            <a:fld id="{85C97CF4-16F1-4F22-B78C-E10587E26689}" type="datetimeFigureOut">
-              <a:rPr lang="en-GB" smtClean="0"/>
-              <a:t>16/10/2018</a:t>
-            </a:fld>
-            <a:endParaRPr lang="en-GB" dirty="0"/>
-          </a:p>
-        </p:txBody>
-      </p:sp>
-      <p:sp>
-        <p:nvSpPr>
-          <p:cNvPr id="5" name="Footer Placeholder 4"/>
-          <p:cNvSpPr>
-            <a:spLocks noGrp="1"/>
-          </p:cNvSpPr>
-          <p:nvPr>
-            <p:ph type="ftr" sz="quarter" idx="11"/>
-          </p:nvPr>
-        </p:nvSpPr>
-        <p:spPr/>
-        <p:txBody>
-          <a:bodyPr/>
-          <a:lstStyle/>
-          <a:p>
-            <a:endParaRPr lang="en-GB" dirty="0"/>
-          </a:p>
-        </p:txBody>
-      </p:sp>
-      <p:sp>
-        <p:nvSpPr>
-          <p:cNvPr id="6" name="Slide Number Placeholder 5"/>
-          <p:cNvSpPr>
-            <a:spLocks noGrp="1"/>
-          </p:cNvSpPr>
-          <p:nvPr>
-            <p:ph type="sldNum" sz="quarter" idx="12"/>
-          </p:nvPr>
-        </p:nvSpPr>
-        <p:spPr/>
-        <p:txBody>
-          <a:bodyPr/>
-          <a:lstStyle/>
-          <a:p>
-            <a:fld id="{A9C3ADED-1E69-417A-9B48-888EEA2A20F8}" type="slidenum">
-              <a:rPr lang="en-GB" smtClean="0"/>
-              <a:t>‹#›</a:t>
-            </a:fld>
-            <a:endParaRPr lang="en-GB" dirty="0"/>
-          </a:p>
-        </p:txBody>
-      </p:sp>
-    </p:spTree>
-    <p:extLst>
-      <p:ext uri="{BB962C8B-B14F-4D97-AF65-F5344CB8AC3E}">
-        <p14:creationId xmlns:p14="http://schemas.microsoft.com/office/powerpoint/2010/main" val="3926333346"/>
-      </p:ext>
-    </p:extLst>
-  </p:cSld>
-  <p:clrMapOvr>
-    <a:masterClrMapping/>
-  </p:clrMapOvr>
-</p:sldLayout>
-</file>
-
-<file path=ppt/slideLayouts/slideLayout11.xml><?xml version="1.0" encoding="utf-8"?>
-<p:sldLayout xmlns:a="http://schemas.openxmlformats.org/drawingml/2006/main" xmlns:r="http://schemas.openxmlformats.org/officeDocument/2006/relationships" xmlns:p="http://schemas.openxmlformats.org/presentationml/2006/main" type="vertTitleAndTx" preserve="1">
-  <p:cSld name="Vertical Title and Text">
-    <p:spTree>
-      <p:nvGrpSpPr>
-        <p:cNvPr id="1" name=""/>
-        <p:cNvGrpSpPr/>
-        <p:nvPr/>
-      </p:nvGrpSpPr>
-      <p:grpSpPr>
-        <a:xfrm>
-          <a:off x="0" y="0"/>
-          <a:ext cx="0" cy="0"/>
-          <a:chOff x="0" y="0"/>
-          <a:chExt cx="0" cy="0"/>
-        </a:xfrm>
-      </p:grpSpPr>
-      <p:sp>
-        <p:nvSpPr>
-          <p:cNvPr id="2" name="Vertical Title 1"/>
-          <p:cNvSpPr>
-            <a:spLocks noGrp="1"/>
-          </p:cNvSpPr>
-          <p:nvPr>
-            <p:ph type="title" orient="vert"/>
-          </p:nvPr>
-        </p:nvSpPr>
-        <p:spPr>
-          <a:xfrm>
-            <a:off x="8724900" y="365125"/>
-            <a:ext cx="2628900" cy="5811838"/>
-          </a:xfrm>
-        </p:spPr>
-        <p:txBody>
-          <a:bodyPr vert="eaVert"/>
-          <a:lstStyle/>
-          <a:p>
-            <a:r>
-              <a:rPr lang="en-US"/>
-              <a:t>Click to edit Master title style</a:t>
-            </a:r>
-            <a:endParaRPr lang="en-GB"/>
-          </a:p>
-        </p:txBody>
-      </p:sp>
-      <p:sp>
-        <p:nvSpPr>
-          <p:cNvPr id="3" name="Vertical Text Placeholder 2"/>
-          <p:cNvSpPr>
-            <a:spLocks noGrp="1"/>
-          </p:cNvSpPr>
-          <p:nvPr>
-            <p:ph type="body" orient="vert" idx="1"/>
-          </p:nvPr>
-        </p:nvSpPr>
-        <p:spPr>
-          <a:xfrm>
-            <a:off x="838200" y="365125"/>
-            <a:ext cx="7734300" cy="5811838"/>
-          </a:xfrm>
-        </p:spPr>
-        <p:txBody>
-          <a:bodyPr vert="eaVert"/>
-          <a:lstStyle/>
-          <a:p>
-            <a:pPr lvl="0"/>
-            <a:r>
-              <a:rPr lang="en-US"/>
-              <a:t>Click to edit Master text styles</a:t>
-            </a:r>
-          </a:p>
-          <a:p>
-            <a:pPr lvl="1"/>
-            <a:r>
-              <a:rPr lang="en-US"/>
-              <a:t>Second level</a:t>
-            </a:r>
-          </a:p>
-          <a:p>
-            <a:pPr lvl="2"/>
-            <a:r>
-              <a:rPr lang="en-US"/>
-              <a:t>Third level</a:t>
-            </a:r>
-          </a:p>
-          <a:p>
-            <a:pPr lvl="3"/>
-            <a:r>
-              <a:rPr lang="en-US"/>
-              <a:t>Fourth level</a:t>
-            </a:r>
-          </a:p>
-          <a:p>
-            <a:pPr lvl="4"/>
-            <a:r>
-              <a:rPr lang="en-US"/>
-              <a:t>Fifth level</a:t>
-            </a:r>
-            <a:endParaRPr lang="en-GB"/>
-          </a:p>
-        </p:txBody>
-      </p:sp>
-      <p:sp>
-        <p:nvSpPr>
-          <p:cNvPr id="4" name="Date Placeholder 3"/>
-          <p:cNvSpPr>
-            <a:spLocks noGrp="1"/>
-          </p:cNvSpPr>
-          <p:nvPr>
-            <p:ph type="dt" sz="half" idx="10"/>
-          </p:nvPr>
-        </p:nvSpPr>
-        <p:spPr/>
-        <p:txBody>
-          <a:bodyPr/>
-          <a:lstStyle/>
-          <a:p>
-            <a:fld id="{85C97CF4-16F1-4F22-B78C-E10587E26689}" type="datetimeFigureOut">
-              <a:rPr lang="en-GB" smtClean="0"/>
-              <a:t>16/10/2018</a:t>
-            </a:fld>
-            <a:endParaRPr lang="en-GB" dirty="0"/>
-          </a:p>
-        </p:txBody>
-      </p:sp>
-      <p:sp>
-        <p:nvSpPr>
-          <p:cNvPr id="5" name="Footer Placeholder 4"/>
-          <p:cNvSpPr>
-            <a:spLocks noGrp="1"/>
-          </p:cNvSpPr>
-          <p:nvPr>
-            <p:ph type="ftr" sz="quarter" idx="11"/>
-          </p:nvPr>
-        </p:nvSpPr>
-        <p:spPr/>
-        <p:txBody>
-          <a:bodyPr/>
-          <a:lstStyle/>
-          <a:p>
-            <a:endParaRPr lang="en-GB" dirty="0"/>
-          </a:p>
-        </p:txBody>
-      </p:sp>
-      <p:sp>
-        <p:nvSpPr>
-          <p:cNvPr id="6" name="Slide Number Placeholder 5"/>
-          <p:cNvSpPr>
-            <a:spLocks noGrp="1"/>
-          </p:cNvSpPr>
-          <p:nvPr>
-            <p:ph type="sldNum" sz="quarter" idx="12"/>
-          </p:nvPr>
-        </p:nvSpPr>
-        <p:spPr/>
-        <p:txBody>
-          <a:bodyPr/>
-          <a:lstStyle/>
-          <a:p>
-            <a:fld id="{A9C3ADED-1E69-417A-9B48-888EEA2A20F8}" type="slidenum">
-              <a:rPr lang="en-GB" smtClean="0"/>
-              <a:t>‹#›</a:t>
-            </a:fld>
-            <a:endParaRPr lang="en-GB" dirty="0"/>
-          </a:p>
-        </p:txBody>
-      </p:sp>
-    </p:spTree>
-    <p:extLst>
-      <p:ext uri="{BB962C8B-B14F-4D97-AF65-F5344CB8AC3E}">
-        <p14:creationId xmlns:p14="http://schemas.microsoft.com/office/powerpoint/2010/main" val="2025998465"/>
-      </p:ext>
-    </p:extLst>
-  </p:cSld>
-  <p:clrMapOvr>
-    <a:masterClrMapping/>
-  </p:clrMapOvr>
-</p:sldLayout>
-</file>
-
-<file path=ppt/slideLayouts/slideLayout12.xml><?xml version="1.0" encoding="utf-8"?>
-<p:sldLayout xmlns:a="http://schemas.openxmlformats.org/drawingml/2006/main" xmlns:r="http://schemas.openxmlformats.org/officeDocument/2006/relationships" xmlns:p="http://schemas.openxmlformats.org/presentationml/2006/main" preserve="1" userDrawn="1">
-  <p:cSld name="Title Only">
-    <p:spTree>
-      <p:nvGrpSpPr>
-        <p:cNvPr id="1" name=""/>
-        <p:cNvGrpSpPr/>
-        <p:nvPr/>
-      </p:nvGrpSpPr>
-      <p:grpSpPr>
-        <a:xfrm>
-          <a:off x="0" y="0"/>
-          <a:ext cx="0" cy="0"/>
-          <a:chOff x="0" y="0"/>
-          <a:chExt cx="0" cy="0"/>
-        </a:xfrm>
-      </p:grpSpPr>
-      <p:sp>
-        <p:nvSpPr>
-          <p:cNvPr id="3" name="Title 1"/>
-          <p:cNvSpPr>
-            <a:spLocks noGrp="1"/>
-          </p:cNvSpPr>
-          <p:nvPr>
-            <p:ph type="title"/>
-          </p:nvPr>
-        </p:nvSpPr>
-        <p:spPr>
-          <a:xfrm>
-            <a:off x="277200" y="453600"/>
-            <a:ext cx="8596668" cy="609600"/>
-          </a:xfrm>
-          <a:prstGeom prst="rect">
-            <a:avLst/>
-          </a:prstGeom>
-        </p:spPr>
-        <p:txBody>
-          <a:bodyPr>
-            <a:normAutofit/>
-          </a:bodyPr>
-          <a:lstStyle>
-            <a:lvl1pPr>
-              <a:defRPr sz="3200">
-                <a:solidFill>
-                  <a:schemeClr val="bg1"/>
-                </a:solidFill>
-              </a:defRPr>
-            </a:lvl1pPr>
-          </a:lstStyle>
-          <a:p>
-            <a:r>
-              <a:rPr lang="en-US"/>
-              <a:t>Click to edit Master title style</a:t>
-            </a:r>
-            <a:endParaRPr lang="en-US" dirty="0"/>
-          </a:p>
-        </p:txBody>
-      </p:sp>
-    </p:spTree>
-    <p:extLst>
-      <p:ext uri="{BB962C8B-B14F-4D97-AF65-F5344CB8AC3E}">
-        <p14:creationId xmlns:p14="http://schemas.microsoft.com/office/powerpoint/2010/main" val="3624441284"/>
-      </p:ext>
-    </p:extLst>
-  </p:cSld>
-  <p:clrMapOvr>
-    <a:masterClrMapping/>
-  </p:clrMapOvr>
-  <mc:AlternateContent xmlns:mc="http://schemas.openxmlformats.org/markup-compatibility/2006" xmlns:p14="http://schemas.microsoft.com/office/powerpoint/2010/main">
-    <mc:Choice Requires="p14">
-      <p:transition spd="med" p14:dur="700">
-        <p:fade/>
-      </p:transition>
-    </mc:Choice>
-    <mc:Fallback xmlns="">
-      <p:transition spd="med">
-        <p:fade/>
-      </p:transition>
-    </mc:Fallback>
-  </mc:AlternateContent>
-</p:sldLayout>
-</file>
-
-<file path=ppt/slideLayouts/slideLayout13.xml><?xml version="1.0" encoding="utf-8"?>
+<file path=ppt/slideLayouts/slideLayout2.xml><?xml version="1.0" encoding="utf-8"?>
 <p:sldLayout xmlns:a="http://schemas.openxmlformats.org/drawingml/2006/main" xmlns:r="http://schemas.openxmlformats.org/officeDocument/2006/relationships" xmlns:p="http://schemas.openxmlformats.org/presentationml/2006/main" type="blank" preserve="1">
   <p:cSld name="Blank">
     <p:spTree>
@@ -2285,7 +3030,7 @@
 </p:sldLayout>
 </file>
 
-<file path=ppt/slideLayouts/slideLayout14.xml><?xml version="1.0" encoding="utf-8"?>
+<file path=ppt/slideLayouts/slideLayout3.xml><?xml version="1.0" encoding="utf-8"?>
 <p:sldLayout xmlns:a="http://schemas.openxmlformats.org/drawingml/2006/main" xmlns:r="http://schemas.openxmlformats.org/officeDocument/2006/relationships" xmlns:p="http://schemas.openxmlformats.org/presentationml/2006/main" preserve="1" userDrawn="1">
   <p:cSld name="Blank Accent Color Blue Demo">
     <p:bg>
@@ -2335,7 +3080,7 @@
 </p:sldLayout>
 </file>
 
-<file path=ppt/slideLayouts/slideLayout15.xml><?xml version="1.0" encoding="utf-8"?>
+<file path=ppt/slideLayouts/slideLayout4.xml><?xml version="1.0" encoding="utf-8"?>
 <p:sldLayout xmlns:a="http://schemas.openxmlformats.org/drawingml/2006/main" xmlns:r="http://schemas.openxmlformats.org/officeDocument/2006/relationships" xmlns:p="http://schemas.openxmlformats.org/presentationml/2006/main" preserve="1" userDrawn="1">
   <p:cSld name="1_Blank Accent Color Blue Demo">
     <p:bg>
@@ -2595,7 +3340,7 @@
 </p:sldLayout>
 </file>
 
-<file path=ppt/slideLayouts/slideLayout16.xml><?xml version="1.0" encoding="utf-8"?>
+<file path=ppt/slideLayouts/slideLayout5.xml><?xml version="1.0" encoding="utf-8"?>
 <p:sldLayout xmlns:a="http://schemas.openxmlformats.org/drawingml/2006/main" xmlns:r="http://schemas.openxmlformats.org/officeDocument/2006/relationships" xmlns:p="http://schemas.openxmlformats.org/presentationml/2006/main" preserve="1" userDrawn="1">
   <p:cSld name="Blank Accent Color Blue">
     <p:bg>
@@ -2675,7 +3420,7 @@
 </p:sldLayout>
 </file>
 
-<file path=ppt/slideLayouts/slideLayout17.xml><?xml version="1.0" encoding="utf-8"?>
+<file path=ppt/slideLayouts/slideLayout6.xml><?xml version="1.0" encoding="utf-8"?>
 <p:sldLayout xmlns:a="http://schemas.openxmlformats.org/drawingml/2006/main" xmlns:r="http://schemas.openxmlformats.org/officeDocument/2006/relationships" xmlns:p="http://schemas.openxmlformats.org/presentationml/2006/main" preserve="1" userDrawn="1">
   <p:cSld name="Blank Accent Color Blue Logo">
     <p:bg>
@@ -2755,7 +3500,7 @@
 </p:sldLayout>
 </file>
 
-<file path=ppt/slideLayouts/slideLayout18.xml><?xml version="1.0" encoding="utf-8"?>
+<file path=ppt/slideLayouts/slideLayout7.xml><?xml version="1.0" encoding="utf-8"?>
 <p:sldLayout xmlns:a="http://schemas.openxmlformats.org/drawingml/2006/main" xmlns:r="http://schemas.openxmlformats.org/officeDocument/2006/relationships" xmlns:p="http://schemas.openxmlformats.org/presentationml/2006/main" preserve="1" userDrawn="1">
   <p:cSld name="1_Blank Accent Color Blue">
     <p:bg>
@@ -2837,7 +3582,7 @@
 </p:sldLayout>
 </file>
 
-<file path=ppt/slideLayouts/slideLayout19.xml><?xml version="1.0" encoding="utf-8"?>
+<file path=ppt/slideLayouts/slideLayout8.xml><?xml version="1.0" encoding="utf-8"?>
 <p:sldLayout xmlns:a="http://schemas.openxmlformats.org/drawingml/2006/main" xmlns:r="http://schemas.openxmlformats.org/officeDocument/2006/relationships" xmlns:p="http://schemas.openxmlformats.org/presentationml/2006/main" preserve="1" userDrawn="1">
   <p:cSld name="Blank Accent Color Teal Demo">
     <p:bg>
@@ -3097,177 +3842,7 @@
 </p:sldLayout>
 </file>
 
-<file path=ppt/slideLayouts/slideLayout2.xml><?xml version="1.0" encoding="utf-8"?>
-<p:sldLayout xmlns:a="http://schemas.openxmlformats.org/drawingml/2006/main" xmlns:r="http://schemas.openxmlformats.org/officeDocument/2006/relationships" xmlns:p="http://schemas.openxmlformats.org/presentationml/2006/main" type="obj" preserve="1">
-  <p:cSld name="Title and Content">
-    <p:spTree>
-      <p:nvGrpSpPr>
-        <p:cNvPr id="1" name=""/>
-        <p:cNvGrpSpPr/>
-        <p:nvPr/>
-      </p:nvGrpSpPr>
-      <p:grpSpPr>
-        <a:xfrm>
-          <a:off x="0" y="0"/>
-          <a:ext cx="0" cy="0"/>
-          <a:chOff x="0" y="0"/>
-          <a:chExt cx="0" cy="0"/>
-        </a:xfrm>
-      </p:grpSpPr>
-      <p:sp>
-        <p:nvSpPr>
-          <p:cNvPr id="2" name="Title 1"/>
-          <p:cNvSpPr>
-            <a:spLocks noGrp="1"/>
-          </p:cNvSpPr>
-          <p:nvPr>
-            <p:ph type="title"/>
-          </p:nvPr>
-        </p:nvSpPr>
-        <p:spPr/>
-        <p:txBody>
-          <a:bodyPr/>
-          <a:lstStyle/>
-          <a:p>
-            <a:r>
-              <a:rPr lang="en-US"/>
-              <a:t>Click to edit Master title style</a:t>
-            </a:r>
-            <a:endParaRPr lang="en-GB"/>
-          </a:p>
-        </p:txBody>
-      </p:sp>
-      <p:sp>
-        <p:nvSpPr>
-          <p:cNvPr id="3" name="Content Placeholder 2"/>
-          <p:cNvSpPr>
-            <a:spLocks noGrp="1"/>
-          </p:cNvSpPr>
-          <p:nvPr>
-            <p:ph idx="1"/>
-          </p:nvPr>
-        </p:nvSpPr>
-        <p:spPr/>
-        <p:txBody>
-          <a:bodyPr/>
-          <a:lstStyle/>
-          <a:p>
-            <a:pPr lvl="0"/>
-            <a:r>
-              <a:rPr lang="en-US"/>
-              <a:t>Click to edit Master text styles</a:t>
-            </a:r>
-          </a:p>
-          <a:p>
-            <a:pPr lvl="1"/>
-            <a:r>
-              <a:rPr lang="en-US"/>
-              <a:t>Second level</a:t>
-            </a:r>
-          </a:p>
-          <a:p>
-            <a:pPr lvl="2"/>
-            <a:r>
-              <a:rPr lang="en-US"/>
-              <a:t>Third level</a:t>
-            </a:r>
-          </a:p>
-          <a:p>
-            <a:pPr lvl="3"/>
-            <a:r>
-              <a:rPr lang="en-US"/>
-              <a:t>Fourth level</a:t>
-            </a:r>
-          </a:p>
-          <a:p>
-            <a:pPr lvl="4"/>
-            <a:r>
-              <a:rPr lang="en-US"/>
-              <a:t>Fifth level</a:t>
-            </a:r>
-            <a:endParaRPr lang="en-GB"/>
-          </a:p>
-        </p:txBody>
-      </p:sp>
-      <p:sp>
-        <p:nvSpPr>
-          <p:cNvPr id="4" name="Date Placeholder 3"/>
-          <p:cNvSpPr>
-            <a:spLocks noGrp="1"/>
-          </p:cNvSpPr>
-          <p:nvPr>
-            <p:ph type="dt" sz="half" idx="10"/>
-          </p:nvPr>
-        </p:nvSpPr>
-        <p:spPr/>
-        <p:txBody>
-          <a:bodyPr/>
-          <a:lstStyle/>
-          <a:p>
-            <a:fld id="{85C97CF4-16F1-4F22-B78C-E10587E26689}" type="datetimeFigureOut">
-              <a:rPr lang="en-GB" smtClean="0"/>
-              <a:t>16/10/2018</a:t>
-            </a:fld>
-            <a:endParaRPr lang="en-GB" dirty="0"/>
-          </a:p>
-        </p:txBody>
-      </p:sp>
-      <p:sp>
-        <p:nvSpPr>
-          <p:cNvPr id="5" name="Footer Placeholder 4"/>
-          <p:cNvSpPr>
-            <a:spLocks noGrp="1"/>
-          </p:cNvSpPr>
-          <p:nvPr>
-            <p:ph type="ftr" sz="quarter" idx="11"/>
-          </p:nvPr>
-        </p:nvSpPr>
-        <p:spPr/>
-        <p:txBody>
-          <a:bodyPr/>
-          <a:lstStyle/>
-          <a:p>
-            <a:endParaRPr lang="en-GB" dirty="0"/>
-          </a:p>
-        </p:txBody>
-      </p:sp>
-      <p:sp>
-        <p:nvSpPr>
-          <p:cNvPr id="6" name="Slide Number Placeholder 5"/>
-          <p:cNvSpPr>
-            <a:spLocks noGrp="1"/>
-          </p:cNvSpPr>
-          <p:nvPr>
-            <p:ph type="sldNum" sz="quarter" idx="12"/>
-          </p:nvPr>
-        </p:nvSpPr>
-        <p:spPr/>
-        <p:txBody>
-          <a:bodyPr/>
-          <a:lstStyle/>
-          <a:p>
-            <a:fld id="{A9C3ADED-1E69-417A-9B48-888EEA2A20F8}" type="slidenum">
-              <a:rPr lang="en-GB" smtClean="0"/>
-              <a:t>‹#›</a:t>
-            </a:fld>
-            <a:endParaRPr lang="en-GB" dirty="0"/>
-          </a:p>
-        </p:txBody>
-      </p:sp>
-    </p:spTree>
-    <p:extLst>
-      <p:ext uri="{BB962C8B-B14F-4D97-AF65-F5344CB8AC3E}">
-        <p14:creationId xmlns:p14="http://schemas.microsoft.com/office/powerpoint/2010/main" val="2582430289"/>
-      </p:ext>
-    </p:extLst>
-  </p:cSld>
-  <p:clrMapOvr>
-    <a:masterClrMapping/>
-  </p:clrMapOvr>
-</p:sldLayout>
-</file>
-
-<file path=ppt/slideLayouts/slideLayout20.xml><?xml version="1.0" encoding="utf-8"?>
+<file path=ppt/slideLayouts/slideLayout9.xml><?xml version="1.0" encoding="utf-8"?>
 <p:sldLayout xmlns:a="http://schemas.openxmlformats.org/drawingml/2006/main" xmlns:r="http://schemas.openxmlformats.org/officeDocument/2006/relationships" xmlns:p="http://schemas.openxmlformats.org/presentationml/2006/main" preserve="1" userDrawn="1">
   <p:cSld name="Blank Accent Color Teal">
     <p:bg>
@@ -3317,3449 +3892,7 @@
 </p:sldLayout>
 </file>
 
-<file path=ppt/slideLayouts/slideLayout21.xml><?xml version="1.0" encoding="utf-8"?>
-<p:sldLayout xmlns:a="http://schemas.openxmlformats.org/drawingml/2006/main" xmlns:r="http://schemas.openxmlformats.org/officeDocument/2006/relationships" xmlns:p="http://schemas.openxmlformats.org/presentationml/2006/main" preserve="1" userDrawn="1">
-  <p:cSld name="Blank Accent Color Orange Demo">
-    <p:bg>
-      <p:bgPr>
-        <a:solidFill>
-          <a:schemeClr val="accent4"/>
-        </a:solidFill>
-        <a:effectLst/>
-      </p:bgPr>
-    </p:bg>
-    <p:spTree>
-      <p:nvGrpSpPr>
-        <p:cNvPr id="1" name=""/>
-        <p:cNvGrpSpPr/>
-        <p:nvPr/>
-      </p:nvGrpSpPr>
-      <p:grpSpPr>
-        <a:xfrm>
-          <a:off x="0" y="0"/>
-          <a:ext cx="0" cy="0"/>
-          <a:chOff x="0" y="0"/>
-          <a:chExt cx="0" cy="0"/>
-        </a:xfrm>
-      </p:grpSpPr>
-      <p:sp>
-        <p:nvSpPr>
-          <p:cNvPr id="6" name="Title"/>
-          <p:cNvSpPr txBox="1">
-            <a:spLocks/>
-          </p:cNvSpPr>
-          <p:nvPr userDrawn="1"/>
-        </p:nvSpPr>
-        <p:spPr>
-          <a:xfrm>
-            <a:off x="269239" y="2084173"/>
-            <a:ext cx="9860673" cy="1793104"/>
-          </a:xfrm>
-          <a:prstGeom prst="rect">
-            <a:avLst/>
-          </a:prstGeom>
-        </p:spPr>
-        <p:txBody>
-          <a:bodyPr/>
-          <a:lstStyle>
-            <a:lvl1pPr marL="0" indent="0" algn="l" defTabSz="896386" rtl="0" eaLnBrk="1" latinLnBrk="0" hangingPunct="1">
-              <a:spcBef>
-                <a:spcPct val="20000"/>
-              </a:spcBef>
-              <a:buFont typeface="Arial" pitchFamily="34" charset="0"/>
-              <a:buNone/>
-              <a:defRPr sz="16273" kern="1200">
-                <a:gradFill>
-                  <a:gsLst>
-                    <a:gs pos="2917">
-                      <a:schemeClr val="bg1"/>
-                    </a:gs>
-                    <a:gs pos="100000">
-                      <a:schemeClr val="bg1"/>
-                    </a:gs>
-                  </a:gsLst>
-                  <a:lin ang="5400000" scaled="0"/>
-                </a:gradFill>
-                <a:latin typeface="+mj-lt"/>
-                <a:ea typeface="+mn-ea"/>
-                <a:cs typeface="+mn-cs"/>
-              </a:defRPr>
-            </a:lvl1pPr>
-            <a:lvl2pPr marL="728314" indent="-280121" algn="l" defTabSz="896386" rtl="0" eaLnBrk="1" latinLnBrk="0" hangingPunct="1">
-              <a:spcBef>
-                <a:spcPct val="20000"/>
-              </a:spcBef>
-              <a:buFont typeface="Arial" pitchFamily="34" charset="0"/>
-              <a:buChar char="–"/>
-              <a:defRPr sz="2745" kern="1200">
-                <a:solidFill>
-                  <a:schemeClr val="tx1"/>
-                </a:solidFill>
-                <a:latin typeface="+mj-lt"/>
-                <a:ea typeface="+mn-ea"/>
-                <a:cs typeface="+mn-cs"/>
-              </a:defRPr>
-            </a:lvl2pPr>
-            <a:lvl3pPr marL="1120483" indent="-224097" algn="l" defTabSz="896386" rtl="0" eaLnBrk="1" latinLnBrk="0" hangingPunct="1">
-              <a:spcBef>
-                <a:spcPct val="20000"/>
-              </a:spcBef>
-              <a:buFont typeface="Arial" pitchFamily="34" charset="0"/>
-              <a:buChar char="•"/>
-              <a:defRPr sz="2353" kern="1200">
-                <a:solidFill>
-                  <a:schemeClr val="tx1"/>
-                </a:solidFill>
-                <a:latin typeface="+mj-lt"/>
-                <a:ea typeface="+mn-ea"/>
-                <a:cs typeface="+mn-cs"/>
-              </a:defRPr>
-            </a:lvl3pPr>
-            <a:lvl4pPr marL="1568676" indent="-224097" algn="l" defTabSz="896386" rtl="0" eaLnBrk="1" latinLnBrk="0" hangingPunct="1">
-              <a:spcBef>
-                <a:spcPct val="20000"/>
-              </a:spcBef>
-              <a:buFont typeface="Arial" pitchFamily="34" charset="0"/>
-              <a:buChar char="–"/>
-              <a:defRPr sz="1961" kern="1200">
-                <a:solidFill>
-                  <a:schemeClr val="tx1"/>
-                </a:solidFill>
-                <a:latin typeface="+mj-lt"/>
-                <a:ea typeface="+mn-ea"/>
-                <a:cs typeface="+mn-cs"/>
-              </a:defRPr>
-            </a:lvl4pPr>
-            <a:lvl5pPr marL="2016869" indent="-224097" algn="l" defTabSz="896386" rtl="0" eaLnBrk="1" latinLnBrk="0" hangingPunct="1">
-              <a:spcBef>
-                <a:spcPct val="20000"/>
-              </a:spcBef>
-              <a:buFont typeface="Arial" pitchFamily="34" charset="0"/>
-              <a:buChar char="»"/>
-              <a:defRPr sz="1961" kern="1200">
-                <a:solidFill>
-                  <a:schemeClr val="tx1"/>
-                </a:solidFill>
-                <a:latin typeface="+mj-lt"/>
-                <a:ea typeface="+mn-ea"/>
-                <a:cs typeface="+mn-cs"/>
-              </a:defRPr>
-            </a:lvl5pPr>
-            <a:lvl6pPr marL="2465062" indent="-224097" algn="l" defTabSz="896386" rtl="0" eaLnBrk="1" latinLnBrk="0" hangingPunct="1">
-              <a:spcBef>
-                <a:spcPct val="20000"/>
-              </a:spcBef>
-              <a:buFont typeface="Arial" pitchFamily="34" charset="0"/>
-              <a:buChar char="•"/>
-              <a:defRPr sz="1961" kern="1200">
-                <a:solidFill>
-                  <a:schemeClr val="tx1"/>
-                </a:solidFill>
-                <a:latin typeface="+mn-lt"/>
-                <a:ea typeface="+mn-ea"/>
-                <a:cs typeface="+mn-cs"/>
-              </a:defRPr>
-            </a:lvl6pPr>
-            <a:lvl7pPr marL="2913256" indent="-224097" algn="l" defTabSz="896386" rtl="0" eaLnBrk="1" latinLnBrk="0" hangingPunct="1">
-              <a:spcBef>
-                <a:spcPct val="20000"/>
-              </a:spcBef>
-              <a:buFont typeface="Arial" pitchFamily="34" charset="0"/>
-              <a:buChar char="•"/>
-              <a:defRPr sz="1961" kern="1200">
-                <a:solidFill>
-                  <a:schemeClr val="tx1"/>
-                </a:solidFill>
-                <a:latin typeface="+mn-lt"/>
-                <a:ea typeface="+mn-ea"/>
-                <a:cs typeface="+mn-cs"/>
-              </a:defRPr>
-            </a:lvl7pPr>
-            <a:lvl8pPr marL="3361449" indent="-224097" algn="l" defTabSz="896386" rtl="0" eaLnBrk="1" latinLnBrk="0" hangingPunct="1">
-              <a:spcBef>
-                <a:spcPct val="20000"/>
-              </a:spcBef>
-              <a:buFont typeface="Arial" pitchFamily="34" charset="0"/>
-              <a:buChar char="•"/>
-              <a:defRPr sz="1961" kern="1200">
-                <a:solidFill>
-                  <a:schemeClr val="tx1"/>
-                </a:solidFill>
-                <a:latin typeface="+mn-lt"/>
-                <a:ea typeface="+mn-ea"/>
-                <a:cs typeface="+mn-cs"/>
-              </a:defRPr>
-            </a:lvl8pPr>
-            <a:lvl9pPr marL="3809642" indent="-224097" algn="l" defTabSz="896386" rtl="0" eaLnBrk="1" latinLnBrk="0" hangingPunct="1">
-              <a:spcBef>
-                <a:spcPct val="20000"/>
-              </a:spcBef>
-              <a:buFont typeface="Arial" pitchFamily="34" charset="0"/>
-              <a:buChar char="•"/>
-              <a:defRPr sz="1961" kern="1200">
-                <a:solidFill>
-                  <a:schemeClr val="tx1"/>
-                </a:solidFill>
-                <a:latin typeface="+mn-lt"/>
-                <a:ea typeface="+mn-ea"/>
-                <a:cs typeface="+mn-cs"/>
-              </a:defRPr>
-            </a:lvl9pPr>
-          </a:lstStyle>
-          <a:p>
-            <a:pPr marL="0" marR="0" lvl="0" indent="0" algn="l" defTabSz="896386" rtl="0" eaLnBrk="1" fontAlgn="auto" latinLnBrk="0" hangingPunct="1">
-              <a:lnSpc>
-                <a:spcPct val="100000"/>
-              </a:lnSpc>
-              <a:spcBef>
-                <a:spcPct val="20000"/>
-              </a:spcBef>
-              <a:spcAft>
-                <a:spcPts val="0"/>
-              </a:spcAft>
-              <a:buClrTx/>
-              <a:buSzTx/>
-              <a:buFont typeface="Arial" pitchFamily="34" charset="0"/>
-              <a:buNone/>
-              <a:tabLst/>
-              <a:defRPr/>
-            </a:pPr>
-            <a:r>
-              <a:rPr kumimoji="0" lang="en-US" sz="16273" b="0" i="0" u="none" strike="noStrike" kern="1200" cap="none" spc="0" normalizeH="0" baseline="0" noProof="0" dirty="0">
-                <a:ln>
-                  <a:noFill/>
-                </a:ln>
-                <a:gradFill>
-                  <a:gsLst>
-                    <a:gs pos="2917">
-                      <a:srgbClr val="FFFFFF"/>
-                    </a:gs>
-                    <a:gs pos="100000">
-                      <a:srgbClr val="FFFFFF"/>
-                    </a:gs>
-                  </a:gsLst>
-                  <a:lin ang="5400000" scaled="0"/>
-                </a:gradFill>
-                <a:effectLst/>
-                <a:uLnTx/>
-                <a:uFillTx/>
-                <a:latin typeface="Segoe UI Light"/>
-                <a:ea typeface="+mn-ea"/>
-                <a:cs typeface="+mn-cs"/>
-              </a:rPr>
-              <a:t>Demo</a:t>
-            </a:r>
-          </a:p>
-        </p:txBody>
-      </p:sp>
-    </p:spTree>
-    <p:extLst>
-      <p:ext uri="{BB962C8B-B14F-4D97-AF65-F5344CB8AC3E}">
-        <p14:creationId xmlns:p14="http://schemas.microsoft.com/office/powerpoint/2010/main" val="240505729"/>
-      </p:ext>
-    </p:extLst>
-  </p:cSld>
-  <p:clrMapOvr>
-    <a:masterClrMapping/>
-  </p:clrMapOvr>
-  <mc:AlternateContent xmlns:mc="http://schemas.openxmlformats.org/markup-compatibility/2006" xmlns:p14="http://schemas.microsoft.com/office/powerpoint/2010/main">
-    <mc:Choice Requires="p14">
-      <p:transition spd="med" p14:dur="700">
-        <p:fade/>
-      </p:transition>
-    </mc:Choice>
-    <mc:Fallback xmlns="">
-      <p:transition spd="med">
-        <p:fade/>
-      </p:transition>
-    </mc:Fallback>
-  </mc:AlternateContent>
-</p:sldLayout>
-</file>
-
-<file path=ppt/slideLayouts/slideLayout22.xml><?xml version="1.0" encoding="utf-8"?>
-<p:sldLayout xmlns:a="http://schemas.openxmlformats.org/drawingml/2006/main" xmlns:r="http://schemas.openxmlformats.org/officeDocument/2006/relationships" xmlns:p="http://schemas.openxmlformats.org/presentationml/2006/main" preserve="1" userDrawn="1">
-  <p:cSld name="Blank Accent Color Orange">
-    <p:bg>
-      <p:bgPr>
-        <a:solidFill>
-          <a:schemeClr val="accent4"/>
-        </a:solidFill>
-        <a:effectLst/>
-      </p:bgPr>
-    </p:bg>
-    <p:spTree>
-      <p:nvGrpSpPr>
-        <p:cNvPr id="1" name=""/>
-        <p:cNvGrpSpPr/>
-        <p:nvPr/>
-      </p:nvGrpSpPr>
-      <p:grpSpPr>
-        <a:xfrm>
-          <a:off x="0" y="0"/>
-          <a:ext cx="0" cy="0"/>
-          <a:chOff x="0" y="0"/>
-          <a:chExt cx="0" cy="0"/>
-        </a:xfrm>
-      </p:grpSpPr>
-    </p:spTree>
-    <p:extLst>
-      <p:ext uri="{BB962C8B-B14F-4D97-AF65-F5344CB8AC3E}">
-        <p14:creationId xmlns:p14="http://schemas.microsoft.com/office/powerpoint/2010/main" val="1608370253"/>
-      </p:ext>
-    </p:extLst>
-  </p:cSld>
-  <p:clrMapOvr>
-    <a:masterClrMapping/>
-  </p:clrMapOvr>
-  <mc:AlternateContent xmlns:mc="http://schemas.openxmlformats.org/markup-compatibility/2006" xmlns:p14="http://schemas.microsoft.com/office/powerpoint/2010/main">
-    <mc:Choice Requires="p14">
-      <p:transition spd="med" p14:dur="700">
-        <p:fade/>
-      </p:transition>
-    </mc:Choice>
-    <mc:Fallback xmlns="">
-      <p:transition spd="med">
-        <p:fade/>
-      </p:transition>
-    </mc:Fallback>
-  </mc:AlternateContent>
-</p:sldLayout>
-</file>
-
-<file path=ppt/slideLayouts/slideLayout23.xml><?xml version="1.0" encoding="utf-8"?>
-<p:sldLayout xmlns:a="http://schemas.openxmlformats.org/drawingml/2006/main" xmlns:r="http://schemas.openxmlformats.org/officeDocument/2006/relationships" xmlns:p="http://schemas.openxmlformats.org/presentationml/2006/main" userDrawn="1">
-  <p:cSld name="Blank Accent Color Purple Demo">
-    <p:bg>
-      <p:bgPr>
-        <a:solidFill>
-          <a:schemeClr val="accent3"/>
-        </a:solidFill>
-        <a:effectLst/>
-      </p:bgPr>
-    </p:bg>
-    <p:spTree>
-      <p:nvGrpSpPr>
-        <p:cNvPr id="1" name=""/>
-        <p:cNvGrpSpPr/>
-        <p:nvPr/>
-      </p:nvGrpSpPr>
-      <p:grpSpPr>
-        <a:xfrm>
-          <a:off x="0" y="0"/>
-          <a:ext cx="0" cy="0"/>
-          <a:chOff x="0" y="0"/>
-          <a:chExt cx="0" cy="0"/>
-        </a:xfrm>
-      </p:grpSpPr>
-      <p:sp>
-        <p:nvSpPr>
-          <p:cNvPr id="3" name="Title"/>
-          <p:cNvSpPr txBox="1">
-            <a:spLocks/>
-          </p:cNvSpPr>
-          <p:nvPr userDrawn="1"/>
-        </p:nvSpPr>
-        <p:spPr>
-          <a:xfrm>
-            <a:off x="269239" y="2084173"/>
-            <a:ext cx="9860673" cy="1793104"/>
-          </a:xfrm>
-          <a:prstGeom prst="rect">
-            <a:avLst/>
-          </a:prstGeom>
-        </p:spPr>
-        <p:txBody>
-          <a:bodyPr/>
-          <a:lstStyle>
-            <a:lvl1pPr marL="0" indent="0" algn="l" defTabSz="896386" rtl="0" eaLnBrk="1" latinLnBrk="0" hangingPunct="1">
-              <a:spcBef>
-                <a:spcPct val="20000"/>
-              </a:spcBef>
-              <a:buFont typeface="Arial" pitchFamily="34" charset="0"/>
-              <a:buNone/>
-              <a:defRPr sz="16273" kern="1200">
-                <a:gradFill>
-                  <a:gsLst>
-                    <a:gs pos="2917">
-                      <a:schemeClr val="bg1"/>
-                    </a:gs>
-                    <a:gs pos="100000">
-                      <a:schemeClr val="bg1"/>
-                    </a:gs>
-                  </a:gsLst>
-                  <a:lin ang="5400000" scaled="0"/>
-                </a:gradFill>
-                <a:latin typeface="+mj-lt"/>
-                <a:ea typeface="+mn-ea"/>
-                <a:cs typeface="+mn-cs"/>
-              </a:defRPr>
-            </a:lvl1pPr>
-            <a:lvl2pPr marL="728314" indent="-280121" algn="l" defTabSz="896386" rtl="0" eaLnBrk="1" latinLnBrk="0" hangingPunct="1">
-              <a:spcBef>
-                <a:spcPct val="20000"/>
-              </a:spcBef>
-              <a:buFont typeface="Arial" pitchFamily="34" charset="0"/>
-              <a:buChar char="–"/>
-              <a:defRPr sz="2745" kern="1200">
-                <a:solidFill>
-                  <a:schemeClr val="tx1"/>
-                </a:solidFill>
-                <a:latin typeface="+mj-lt"/>
-                <a:ea typeface="+mn-ea"/>
-                <a:cs typeface="+mn-cs"/>
-              </a:defRPr>
-            </a:lvl2pPr>
-            <a:lvl3pPr marL="1120483" indent="-224097" algn="l" defTabSz="896386" rtl="0" eaLnBrk="1" latinLnBrk="0" hangingPunct="1">
-              <a:spcBef>
-                <a:spcPct val="20000"/>
-              </a:spcBef>
-              <a:buFont typeface="Arial" pitchFamily="34" charset="0"/>
-              <a:buChar char="•"/>
-              <a:defRPr sz="2353" kern="1200">
-                <a:solidFill>
-                  <a:schemeClr val="tx1"/>
-                </a:solidFill>
-                <a:latin typeface="+mj-lt"/>
-                <a:ea typeface="+mn-ea"/>
-                <a:cs typeface="+mn-cs"/>
-              </a:defRPr>
-            </a:lvl3pPr>
-            <a:lvl4pPr marL="1568676" indent="-224097" algn="l" defTabSz="896386" rtl="0" eaLnBrk="1" latinLnBrk="0" hangingPunct="1">
-              <a:spcBef>
-                <a:spcPct val="20000"/>
-              </a:spcBef>
-              <a:buFont typeface="Arial" pitchFamily="34" charset="0"/>
-              <a:buChar char="–"/>
-              <a:defRPr sz="1961" kern="1200">
-                <a:solidFill>
-                  <a:schemeClr val="tx1"/>
-                </a:solidFill>
-                <a:latin typeface="+mj-lt"/>
-                <a:ea typeface="+mn-ea"/>
-                <a:cs typeface="+mn-cs"/>
-              </a:defRPr>
-            </a:lvl4pPr>
-            <a:lvl5pPr marL="2016869" indent="-224097" algn="l" defTabSz="896386" rtl="0" eaLnBrk="1" latinLnBrk="0" hangingPunct="1">
-              <a:spcBef>
-                <a:spcPct val="20000"/>
-              </a:spcBef>
-              <a:buFont typeface="Arial" pitchFamily="34" charset="0"/>
-              <a:buChar char="»"/>
-              <a:defRPr sz="1961" kern="1200">
-                <a:solidFill>
-                  <a:schemeClr val="tx1"/>
-                </a:solidFill>
-                <a:latin typeface="+mj-lt"/>
-                <a:ea typeface="+mn-ea"/>
-                <a:cs typeface="+mn-cs"/>
-              </a:defRPr>
-            </a:lvl5pPr>
-            <a:lvl6pPr marL="2465062" indent="-224097" algn="l" defTabSz="896386" rtl="0" eaLnBrk="1" latinLnBrk="0" hangingPunct="1">
-              <a:spcBef>
-                <a:spcPct val="20000"/>
-              </a:spcBef>
-              <a:buFont typeface="Arial" pitchFamily="34" charset="0"/>
-              <a:buChar char="•"/>
-              <a:defRPr sz="1961" kern="1200">
-                <a:solidFill>
-                  <a:schemeClr val="tx1"/>
-                </a:solidFill>
-                <a:latin typeface="+mn-lt"/>
-                <a:ea typeface="+mn-ea"/>
-                <a:cs typeface="+mn-cs"/>
-              </a:defRPr>
-            </a:lvl6pPr>
-            <a:lvl7pPr marL="2913256" indent="-224097" algn="l" defTabSz="896386" rtl="0" eaLnBrk="1" latinLnBrk="0" hangingPunct="1">
-              <a:spcBef>
-                <a:spcPct val="20000"/>
-              </a:spcBef>
-              <a:buFont typeface="Arial" pitchFamily="34" charset="0"/>
-              <a:buChar char="•"/>
-              <a:defRPr sz="1961" kern="1200">
-                <a:solidFill>
-                  <a:schemeClr val="tx1"/>
-                </a:solidFill>
-                <a:latin typeface="+mn-lt"/>
-                <a:ea typeface="+mn-ea"/>
-                <a:cs typeface="+mn-cs"/>
-              </a:defRPr>
-            </a:lvl7pPr>
-            <a:lvl8pPr marL="3361449" indent="-224097" algn="l" defTabSz="896386" rtl="0" eaLnBrk="1" latinLnBrk="0" hangingPunct="1">
-              <a:spcBef>
-                <a:spcPct val="20000"/>
-              </a:spcBef>
-              <a:buFont typeface="Arial" pitchFamily="34" charset="0"/>
-              <a:buChar char="•"/>
-              <a:defRPr sz="1961" kern="1200">
-                <a:solidFill>
-                  <a:schemeClr val="tx1"/>
-                </a:solidFill>
-                <a:latin typeface="+mn-lt"/>
-                <a:ea typeface="+mn-ea"/>
-                <a:cs typeface="+mn-cs"/>
-              </a:defRPr>
-            </a:lvl8pPr>
-            <a:lvl9pPr marL="3809642" indent="-224097" algn="l" defTabSz="896386" rtl="0" eaLnBrk="1" latinLnBrk="0" hangingPunct="1">
-              <a:spcBef>
-                <a:spcPct val="20000"/>
-              </a:spcBef>
-              <a:buFont typeface="Arial" pitchFamily="34" charset="0"/>
-              <a:buChar char="•"/>
-              <a:defRPr sz="1961" kern="1200">
-                <a:solidFill>
-                  <a:schemeClr val="tx1"/>
-                </a:solidFill>
-                <a:latin typeface="+mn-lt"/>
-                <a:ea typeface="+mn-ea"/>
-                <a:cs typeface="+mn-cs"/>
-              </a:defRPr>
-            </a:lvl9pPr>
-          </a:lstStyle>
-          <a:p>
-            <a:pPr marL="0" marR="0" lvl="0" indent="0" algn="l" defTabSz="896386" rtl="0" eaLnBrk="1" fontAlgn="auto" latinLnBrk="0" hangingPunct="1">
-              <a:lnSpc>
-                <a:spcPct val="100000"/>
-              </a:lnSpc>
-              <a:spcBef>
-                <a:spcPct val="20000"/>
-              </a:spcBef>
-              <a:spcAft>
-                <a:spcPts val="0"/>
-              </a:spcAft>
-              <a:buClrTx/>
-              <a:buSzTx/>
-              <a:buFont typeface="Arial" pitchFamily="34" charset="0"/>
-              <a:buNone/>
-              <a:tabLst/>
-              <a:defRPr/>
-            </a:pPr>
-            <a:r>
-              <a:rPr kumimoji="0" lang="en-US" sz="16273" b="0" i="0" u="none" strike="noStrike" kern="1200" cap="none" spc="0" normalizeH="0" baseline="0" noProof="0" dirty="0">
-                <a:ln>
-                  <a:noFill/>
-                </a:ln>
-                <a:gradFill>
-                  <a:gsLst>
-                    <a:gs pos="2917">
-                      <a:srgbClr val="FFFFFF"/>
-                    </a:gs>
-                    <a:gs pos="100000">
-                      <a:srgbClr val="FFFFFF"/>
-                    </a:gs>
-                  </a:gsLst>
-                  <a:lin ang="5400000" scaled="0"/>
-                </a:gradFill>
-                <a:effectLst/>
-                <a:uLnTx/>
-                <a:uFillTx/>
-                <a:latin typeface="Segoe UI Light"/>
-                <a:ea typeface="+mn-ea"/>
-                <a:cs typeface="+mn-cs"/>
-              </a:rPr>
-              <a:t>Demo</a:t>
-            </a:r>
-          </a:p>
-        </p:txBody>
-      </p:sp>
-    </p:spTree>
-    <p:extLst>
-      <p:ext uri="{BB962C8B-B14F-4D97-AF65-F5344CB8AC3E}">
-        <p14:creationId xmlns:p14="http://schemas.microsoft.com/office/powerpoint/2010/main" val="708588797"/>
-      </p:ext>
-    </p:extLst>
-  </p:cSld>
-  <p:clrMapOvr>
-    <a:overrideClrMapping bg1="dk1" tx1="lt1" bg2="dk2" tx2="lt2" accent1="accent1" accent2="accent2" accent3="accent3" accent4="accent4" accent5="accent5" accent6="accent6" hlink="hlink" folHlink="folHlink"/>
-  </p:clrMapOvr>
-  <mc:AlternateContent xmlns:mc="http://schemas.openxmlformats.org/markup-compatibility/2006" xmlns:p14="http://schemas.microsoft.com/office/powerpoint/2010/main">
-    <mc:Choice Requires="p14">
-      <p:transition spd="med" p14:dur="700">
-        <p:fade/>
-      </p:transition>
-    </mc:Choice>
-    <mc:Fallback xmlns="">
-      <p:transition spd="med">
-        <p:fade/>
-      </p:transition>
-    </mc:Fallback>
-  </mc:AlternateContent>
-</p:sldLayout>
-</file>
-
-<file path=ppt/slideLayouts/slideLayout24.xml><?xml version="1.0" encoding="utf-8"?>
-<p:sldLayout xmlns:a="http://schemas.openxmlformats.org/drawingml/2006/main" xmlns:r="http://schemas.openxmlformats.org/officeDocument/2006/relationships" xmlns:p="http://schemas.openxmlformats.org/presentationml/2006/main" preserve="1" userDrawn="1">
-  <p:cSld name="Blank Accent Color Purple">
-    <p:bg>
-      <p:bgPr>
-        <a:solidFill>
-          <a:schemeClr val="accent3"/>
-        </a:solidFill>
-        <a:effectLst/>
-      </p:bgPr>
-    </p:bg>
-    <p:spTree>
-      <p:nvGrpSpPr>
-        <p:cNvPr id="1" name=""/>
-        <p:cNvGrpSpPr/>
-        <p:nvPr/>
-      </p:nvGrpSpPr>
-      <p:grpSpPr>
-        <a:xfrm>
-          <a:off x="0" y="0"/>
-          <a:ext cx="0" cy="0"/>
-          <a:chOff x="0" y="0"/>
-          <a:chExt cx="0" cy="0"/>
-        </a:xfrm>
-      </p:grpSpPr>
-    </p:spTree>
-    <p:extLst>
-      <p:ext uri="{BB962C8B-B14F-4D97-AF65-F5344CB8AC3E}">
-        <p14:creationId xmlns:p14="http://schemas.microsoft.com/office/powerpoint/2010/main" val="1017121225"/>
-      </p:ext>
-    </p:extLst>
-  </p:cSld>
-  <p:clrMapOvr>
-    <a:overrideClrMapping bg1="dk1" tx1="lt1" bg2="dk2" tx2="lt2" accent1="accent1" accent2="accent2" accent3="accent3" accent4="accent4" accent5="accent5" accent6="accent6" hlink="hlink" folHlink="folHlink"/>
-  </p:clrMapOvr>
-  <mc:AlternateContent xmlns:mc="http://schemas.openxmlformats.org/markup-compatibility/2006" xmlns:p14="http://schemas.microsoft.com/office/powerpoint/2010/main">
-    <mc:Choice Requires="p14">
-      <p:transition spd="med" p14:dur="700">
-        <p:fade/>
-      </p:transition>
-    </mc:Choice>
-    <mc:Fallback xmlns="">
-      <p:transition spd="med">
-        <p:fade/>
-      </p:transition>
-    </mc:Fallback>
-  </mc:AlternateContent>
-</p:sldLayout>
-</file>
-
-<file path=ppt/slideLayouts/slideLayout25.xml><?xml version="1.0" encoding="utf-8"?>
-<p:sldLayout xmlns:a="http://schemas.openxmlformats.org/drawingml/2006/main" xmlns:r="http://schemas.openxmlformats.org/officeDocument/2006/relationships" xmlns:p="http://schemas.openxmlformats.org/presentationml/2006/main" preserve="1" userDrawn="1">
-  <p:cSld name="Blank Accent Color Black Demo">
-    <p:bg>
-      <p:bgPr>
-        <a:solidFill>
-          <a:srgbClr val="000000"/>
-        </a:solidFill>
-        <a:effectLst/>
-      </p:bgPr>
-    </p:bg>
-    <p:spTree>
-      <p:nvGrpSpPr>
-        <p:cNvPr id="1" name=""/>
-        <p:cNvGrpSpPr/>
-        <p:nvPr/>
-      </p:nvGrpSpPr>
-      <p:grpSpPr>
-        <a:xfrm>
-          <a:off x="0" y="0"/>
-          <a:ext cx="0" cy="0"/>
-          <a:chOff x="0" y="0"/>
-          <a:chExt cx="0" cy="0"/>
-        </a:xfrm>
-      </p:grpSpPr>
-      <p:sp>
-        <p:nvSpPr>
-          <p:cNvPr id="5" name="Title"/>
-          <p:cNvSpPr txBox="1">
-            <a:spLocks/>
-          </p:cNvSpPr>
-          <p:nvPr userDrawn="1"/>
-        </p:nvSpPr>
-        <p:spPr>
-          <a:xfrm>
-            <a:off x="269239" y="2084173"/>
-            <a:ext cx="9860673" cy="1793104"/>
-          </a:xfrm>
-          <a:prstGeom prst="rect">
-            <a:avLst/>
-          </a:prstGeom>
-        </p:spPr>
-        <p:txBody>
-          <a:bodyPr/>
-          <a:lstStyle>
-            <a:lvl1pPr marL="0" indent="0" algn="l" defTabSz="896386" rtl="0" eaLnBrk="1" latinLnBrk="0" hangingPunct="1">
-              <a:spcBef>
-                <a:spcPct val="20000"/>
-              </a:spcBef>
-              <a:buFont typeface="Arial" pitchFamily="34" charset="0"/>
-              <a:buNone/>
-              <a:defRPr sz="16273" kern="1200">
-                <a:gradFill>
-                  <a:gsLst>
-                    <a:gs pos="2917">
-                      <a:schemeClr val="bg1"/>
-                    </a:gs>
-                    <a:gs pos="100000">
-                      <a:schemeClr val="bg1"/>
-                    </a:gs>
-                  </a:gsLst>
-                  <a:lin ang="5400000" scaled="0"/>
-                </a:gradFill>
-                <a:latin typeface="+mj-lt"/>
-                <a:ea typeface="+mn-ea"/>
-                <a:cs typeface="+mn-cs"/>
-              </a:defRPr>
-            </a:lvl1pPr>
-            <a:lvl2pPr marL="728314" indent="-280121" algn="l" defTabSz="896386" rtl="0" eaLnBrk="1" latinLnBrk="0" hangingPunct="1">
-              <a:spcBef>
-                <a:spcPct val="20000"/>
-              </a:spcBef>
-              <a:buFont typeface="Arial" pitchFamily="34" charset="0"/>
-              <a:buChar char="–"/>
-              <a:defRPr sz="2745" kern="1200">
-                <a:solidFill>
-                  <a:schemeClr val="tx1"/>
-                </a:solidFill>
-                <a:latin typeface="+mj-lt"/>
-                <a:ea typeface="+mn-ea"/>
-                <a:cs typeface="+mn-cs"/>
-              </a:defRPr>
-            </a:lvl2pPr>
-            <a:lvl3pPr marL="1120483" indent="-224097" algn="l" defTabSz="896386" rtl="0" eaLnBrk="1" latinLnBrk="0" hangingPunct="1">
-              <a:spcBef>
-                <a:spcPct val="20000"/>
-              </a:spcBef>
-              <a:buFont typeface="Arial" pitchFamily="34" charset="0"/>
-              <a:buChar char="•"/>
-              <a:defRPr sz="2353" kern="1200">
-                <a:solidFill>
-                  <a:schemeClr val="tx1"/>
-                </a:solidFill>
-                <a:latin typeface="+mj-lt"/>
-                <a:ea typeface="+mn-ea"/>
-                <a:cs typeface="+mn-cs"/>
-              </a:defRPr>
-            </a:lvl3pPr>
-            <a:lvl4pPr marL="1568676" indent="-224097" algn="l" defTabSz="896386" rtl="0" eaLnBrk="1" latinLnBrk="0" hangingPunct="1">
-              <a:spcBef>
-                <a:spcPct val="20000"/>
-              </a:spcBef>
-              <a:buFont typeface="Arial" pitchFamily="34" charset="0"/>
-              <a:buChar char="–"/>
-              <a:defRPr sz="1961" kern="1200">
-                <a:solidFill>
-                  <a:schemeClr val="tx1"/>
-                </a:solidFill>
-                <a:latin typeface="+mj-lt"/>
-                <a:ea typeface="+mn-ea"/>
-                <a:cs typeface="+mn-cs"/>
-              </a:defRPr>
-            </a:lvl4pPr>
-            <a:lvl5pPr marL="2016869" indent="-224097" algn="l" defTabSz="896386" rtl="0" eaLnBrk="1" latinLnBrk="0" hangingPunct="1">
-              <a:spcBef>
-                <a:spcPct val="20000"/>
-              </a:spcBef>
-              <a:buFont typeface="Arial" pitchFamily="34" charset="0"/>
-              <a:buChar char="»"/>
-              <a:defRPr sz="1961" kern="1200">
-                <a:solidFill>
-                  <a:schemeClr val="tx1"/>
-                </a:solidFill>
-                <a:latin typeface="+mj-lt"/>
-                <a:ea typeface="+mn-ea"/>
-                <a:cs typeface="+mn-cs"/>
-              </a:defRPr>
-            </a:lvl5pPr>
-            <a:lvl6pPr marL="2465062" indent="-224097" algn="l" defTabSz="896386" rtl="0" eaLnBrk="1" latinLnBrk="0" hangingPunct="1">
-              <a:spcBef>
-                <a:spcPct val="20000"/>
-              </a:spcBef>
-              <a:buFont typeface="Arial" pitchFamily="34" charset="0"/>
-              <a:buChar char="•"/>
-              <a:defRPr sz="1961" kern="1200">
-                <a:solidFill>
-                  <a:schemeClr val="tx1"/>
-                </a:solidFill>
-                <a:latin typeface="+mn-lt"/>
-                <a:ea typeface="+mn-ea"/>
-                <a:cs typeface="+mn-cs"/>
-              </a:defRPr>
-            </a:lvl6pPr>
-            <a:lvl7pPr marL="2913256" indent="-224097" algn="l" defTabSz="896386" rtl="0" eaLnBrk="1" latinLnBrk="0" hangingPunct="1">
-              <a:spcBef>
-                <a:spcPct val="20000"/>
-              </a:spcBef>
-              <a:buFont typeface="Arial" pitchFamily="34" charset="0"/>
-              <a:buChar char="•"/>
-              <a:defRPr sz="1961" kern="1200">
-                <a:solidFill>
-                  <a:schemeClr val="tx1"/>
-                </a:solidFill>
-                <a:latin typeface="+mn-lt"/>
-                <a:ea typeface="+mn-ea"/>
-                <a:cs typeface="+mn-cs"/>
-              </a:defRPr>
-            </a:lvl7pPr>
-            <a:lvl8pPr marL="3361449" indent="-224097" algn="l" defTabSz="896386" rtl="0" eaLnBrk="1" latinLnBrk="0" hangingPunct="1">
-              <a:spcBef>
-                <a:spcPct val="20000"/>
-              </a:spcBef>
-              <a:buFont typeface="Arial" pitchFamily="34" charset="0"/>
-              <a:buChar char="•"/>
-              <a:defRPr sz="1961" kern="1200">
-                <a:solidFill>
-                  <a:schemeClr val="tx1"/>
-                </a:solidFill>
-                <a:latin typeface="+mn-lt"/>
-                <a:ea typeface="+mn-ea"/>
-                <a:cs typeface="+mn-cs"/>
-              </a:defRPr>
-            </a:lvl8pPr>
-            <a:lvl9pPr marL="3809642" indent="-224097" algn="l" defTabSz="896386" rtl="0" eaLnBrk="1" latinLnBrk="0" hangingPunct="1">
-              <a:spcBef>
-                <a:spcPct val="20000"/>
-              </a:spcBef>
-              <a:buFont typeface="Arial" pitchFamily="34" charset="0"/>
-              <a:buChar char="•"/>
-              <a:defRPr sz="1961" kern="1200">
-                <a:solidFill>
-                  <a:schemeClr val="tx1"/>
-                </a:solidFill>
-                <a:latin typeface="+mn-lt"/>
-                <a:ea typeface="+mn-ea"/>
-                <a:cs typeface="+mn-cs"/>
-              </a:defRPr>
-            </a:lvl9pPr>
-          </a:lstStyle>
-          <a:p>
-            <a:pPr marL="0" marR="0" lvl="0" indent="0" algn="l" defTabSz="896386" rtl="0" eaLnBrk="1" fontAlgn="auto" latinLnBrk="0" hangingPunct="1">
-              <a:lnSpc>
-                <a:spcPct val="100000"/>
-              </a:lnSpc>
-              <a:spcBef>
-                <a:spcPct val="20000"/>
-              </a:spcBef>
-              <a:spcAft>
-                <a:spcPts val="0"/>
-              </a:spcAft>
-              <a:buClrTx/>
-              <a:buSzTx/>
-              <a:buFont typeface="Arial" pitchFamily="34" charset="0"/>
-              <a:buNone/>
-              <a:tabLst/>
-              <a:defRPr/>
-            </a:pPr>
-            <a:r>
-              <a:rPr kumimoji="0" lang="en-US" sz="16273" b="0" i="0" u="none" strike="noStrike" kern="1200" cap="none" spc="0" normalizeH="0" baseline="0" noProof="0">
-                <a:ln>
-                  <a:noFill/>
-                </a:ln>
-                <a:gradFill>
-                  <a:gsLst>
-                    <a:gs pos="2917">
-                      <a:srgbClr val="FFFFFF"/>
-                    </a:gs>
-                    <a:gs pos="100000">
-                      <a:srgbClr val="FFFFFF"/>
-                    </a:gs>
-                  </a:gsLst>
-                  <a:lin ang="5400000" scaled="0"/>
-                </a:gradFill>
-                <a:effectLst/>
-                <a:uLnTx/>
-                <a:uFillTx/>
-                <a:latin typeface="Segoe UI Light"/>
-                <a:ea typeface="+mn-ea"/>
-                <a:cs typeface="+mn-cs"/>
-              </a:rPr>
-              <a:t>Demo</a:t>
-            </a:r>
-            <a:endParaRPr kumimoji="0" lang="en-US" sz="16273" b="0" i="0" u="none" strike="noStrike" kern="1200" cap="none" spc="0" normalizeH="0" baseline="0" noProof="0" dirty="0">
-              <a:ln>
-                <a:noFill/>
-              </a:ln>
-              <a:gradFill>
-                <a:gsLst>
-                  <a:gs pos="2917">
-                    <a:srgbClr val="FFFFFF"/>
-                  </a:gs>
-                  <a:gs pos="100000">
-                    <a:srgbClr val="FFFFFF"/>
-                  </a:gs>
-                </a:gsLst>
-                <a:lin ang="5400000" scaled="0"/>
-              </a:gradFill>
-              <a:effectLst/>
-              <a:uLnTx/>
-              <a:uFillTx/>
-              <a:latin typeface="Segoe UI Light"/>
-              <a:ea typeface="+mn-ea"/>
-              <a:cs typeface="+mn-cs"/>
-            </a:endParaRPr>
-          </a:p>
-        </p:txBody>
-      </p:sp>
-    </p:spTree>
-    <p:extLst>
-      <p:ext uri="{BB962C8B-B14F-4D97-AF65-F5344CB8AC3E}">
-        <p14:creationId xmlns:p14="http://schemas.microsoft.com/office/powerpoint/2010/main" val="2497007566"/>
-      </p:ext>
-    </p:extLst>
-  </p:cSld>
-  <p:clrMapOvr>
-    <a:overrideClrMapping bg1="dk1" tx1="lt1" bg2="dk2" tx2="lt2" accent1="accent1" accent2="accent2" accent3="accent3" accent4="accent4" accent5="accent5" accent6="accent6" hlink="hlink" folHlink="folHlink"/>
-  </p:clrMapOvr>
-  <mc:AlternateContent xmlns:mc="http://schemas.openxmlformats.org/markup-compatibility/2006" xmlns:p14="http://schemas.microsoft.com/office/powerpoint/2010/main">
-    <mc:Choice Requires="p14">
-      <p:transition spd="med" p14:dur="700">
-        <p:fade/>
-      </p:transition>
-    </mc:Choice>
-    <mc:Fallback xmlns="">
-      <p:transition spd="med">
-        <p:fade/>
-      </p:transition>
-    </mc:Fallback>
-  </mc:AlternateContent>
-</p:sldLayout>
-</file>
-
-<file path=ppt/slideLayouts/slideLayout26.xml><?xml version="1.0" encoding="utf-8"?>
-<p:sldLayout xmlns:a="http://schemas.openxmlformats.org/drawingml/2006/main" xmlns:r="http://schemas.openxmlformats.org/officeDocument/2006/relationships" xmlns:p="http://schemas.openxmlformats.org/presentationml/2006/main" preserve="1" userDrawn="1">
-  <p:cSld name="Blank Accent Color Black">
-    <p:bg>
-      <p:bgPr>
-        <a:solidFill>
-          <a:srgbClr val="000000"/>
-        </a:solidFill>
-        <a:effectLst/>
-      </p:bgPr>
-    </p:bg>
-    <p:spTree>
-      <p:nvGrpSpPr>
-        <p:cNvPr id="1" name=""/>
-        <p:cNvGrpSpPr/>
-        <p:nvPr/>
-      </p:nvGrpSpPr>
-      <p:grpSpPr>
-        <a:xfrm>
-          <a:off x="0" y="0"/>
-          <a:ext cx="0" cy="0"/>
-          <a:chOff x="0" y="0"/>
-          <a:chExt cx="0" cy="0"/>
-        </a:xfrm>
-      </p:grpSpPr>
-    </p:spTree>
-    <p:extLst>
-      <p:ext uri="{BB962C8B-B14F-4D97-AF65-F5344CB8AC3E}">
-        <p14:creationId xmlns:p14="http://schemas.microsoft.com/office/powerpoint/2010/main" val="477877980"/>
-      </p:ext>
-    </p:extLst>
-  </p:cSld>
-  <p:clrMapOvr>
-    <a:overrideClrMapping bg1="dk1" tx1="lt1" bg2="dk2" tx2="lt2" accent1="accent1" accent2="accent2" accent3="accent3" accent4="accent4" accent5="accent5" accent6="accent6" hlink="hlink" folHlink="folHlink"/>
-  </p:clrMapOvr>
-  <mc:AlternateContent xmlns:mc="http://schemas.openxmlformats.org/markup-compatibility/2006" xmlns:p14="http://schemas.microsoft.com/office/powerpoint/2010/main">
-    <mc:Choice Requires="p14">
-      <p:transition spd="med" p14:dur="700">
-        <p:fade/>
-      </p:transition>
-    </mc:Choice>
-    <mc:Fallback xmlns="">
-      <p:transition spd="med">
-        <p:fade/>
-      </p:transition>
-    </mc:Fallback>
-  </mc:AlternateContent>
-</p:sldLayout>
-</file>
-
-<file path=ppt/slideLayouts/slideLayout27.xml><?xml version="1.0" encoding="utf-8"?>
-<p:sldLayout xmlns:a="http://schemas.openxmlformats.org/drawingml/2006/main" xmlns:r="http://schemas.openxmlformats.org/officeDocument/2006/relationships" xmlns:p="http://schemas.openxmlformats.org/presentationml/2006/main" type="obj">
-  <p:cSld name="Title and Content">
-    <p:spTree>
-      <p:nvGrpSpPr>
-        <p:cNvPr id="1" name=""/>
-        <p:cNvGrpSpPr/>
-        <p:nvPr/>
-      </p:nvGrpSpPr>
-      <p:grpSpPr>
-        <a:xfrm>
-          <a:off x="0" y="0"/>
-          <a:ext cx="0" cy="0"/>
-          <a:chOff x="0" y="0"/>
-          <a:chExt cx="0" cy="0"/>
-        </a:xfrm>
-      </p:grpSpPr>
-      <p:sp>
-        <p:nvSpPr>
-          <p:cNvPr id="2" name="Title 1"/>
-          <p:cNvSpPr>
-            <a:spLocks noGrp="1"/>
-          </p:cNvSpPr>
-          <p:nvPr>
-            <p:ph type="title"/>
-          </p:nvPr>
-        </p:nvSpPr>
-        <p:spPr/>
-        <p:txBody>
-          <a:bodyPr/>
-          <a:lstStyle/>
-          <a:p>
-            <a:r>
-              <a:rPr lang="en-US"/>
-              <a:t>Click to edit Master title style</a:t>
-            </a:r>
-            <a:endParaRPr lang="en-GB"/>
-          </a:p>
-        </p:txBody>
-      </p:sp>
-      <p:sp>
-        <p:nvSpPr>
-          <p:cNvPr id="3" name="Content Placeholder 2"/>
-          <p:cNvSpPr>
-            <a:spLocks noGrp="1"/>
-          </p:cNvSpPr>
-          <p:nvPr>
-            <p:ph idx="1"/>
-          </p:nvPr>
-        </p:nvSpPr>
-        <p:spPr/>
-        <p:txBody>
-          <a:bodyPr/>
-          <a:lstStyle/>
-          <a:p>
-            <a:pPr lvl="0"/>
-            <a:r>
-              <a:rPr lang="en-US"/>
-              <a:t>Click to edit Master text styles</a:t>
-            </a:r>
-          </a:p>
-          <a:p>
-            <a:pPr lvl="1"/>
-            <a:r>
-              <a:rPr lang="en-US"/>
-              <a:t>Second level</a:t>
-            </a:r>
-          </a:p>
-          <a:p>
-            <a:pPr lvl="2"/>
-            <a:r>
-              <a:rPr lang="en-US"/>
-              <a:t>Third level</a:t>
-            </a:r>
-          </a:p>
-          <a:p>
-            <a:pPr lvl="3"/>
-            <a:r>
-              <a:rPr lang="en-US"/>
-              <a:t>Fourth level</a:t>
-            </a:r>
-          </a:p>
-          <a:p>
-            <a:pPr lvl="4"/>
-            <a:r>
-              <a:rPr lang="en-US"/>
-              <a:t>Fifth level</a:t>
-            </a:r>
-            <a:endParaRPr lang="en-GB"/>
-          </a:p>
-        </p:txBody>
-      </p:sp>
-      <p:sp>
-        <p:nvSpPr>
-          <p:cNvPr id="4" name="Date Placeholder 3"/>
-          <p:cNvSpPr>
-            <a:spLocks noGrp="1"/>
-          </p:cNvSpPr>
-          <p:nvPr>
-            <p:ph type="dt" sz="half" idx="10"/>
-          </p:nvPr>
-        </p:nvSpPr>
-        <p:spPr/>
-        <p:txBody>
-          <a:bodyPr/>
-          <a:lstStyle/>
-          <a:p>
-            <a:fld id="{85C97CF4-16F1-4F22-B78C-E10587E26689}" type="datetimeFigureOut">
-              <a:rPr lang="en-GB" smtClean="0"/>
-              <a:t>16/10/2018</a:t>
-            </a:fld>
-            <a:endParaRPr lang="en-GB" dirty="0"/>
-          </a:p>
-        </p:txBody>
-      </p:sp>
-      <p:sp>
-        <p:nvSpPr>
-          <p:cNvPr id="5" name="Footer Placeholder 4"/>
-          <p:cNvSpPr>
-            <a:spLocks noGrp="1"/>
-          </p:cNvSpPr>
-          <p:nvPr>
-            <p:ph type="ftr" sz="quarter" idx="11"/>
-          </p:nvPr>
-        </p:nvSpPr>
-        <p:spPr/>
-        <p:txBody>
-          <a:bodyPr/>
-          <a:lstStyle/>
-          <a:p>
-            <a:endParaRPr lang="en-GB" dirty="0"/>
-          </a:p>
-        </p:txBody>
-      </p:sp>
-      <p:sp>
-        <p:nvSpPr>
-          <p:cNvPr id="6" name="Slide Number Placeholder 5"/>
-          <p:cNvSpPr>
-            <a:spLocks noGrp="1"/>
-          </p:cNvSpPr>
-          <p:nvPr>
-            <p:ph type="sldNum" sz="quarter" idx="12"/>
-          </p:nvPr>
-        </p:nvSpPr>
-        <p:spPr/>
-        <p:txBody>
-          <a:bodyPr/>
-          <a:lstStyle/>
-          <a:p>
-            <a:fld id="{A9C3ADED-1E69-417A-9B48-888EEA2A20F8}" type="slidenum">
-              <a:rPr lang="en-GB" smtClean="0"/>
-              <a:t>‹#›</a:t>
-            </a:fld>
-            <a:endParaRPr lang="en-GB" dirty="0"/>
-          </a:p>
-        </p:txBody>
-      </p:sp>
-    </p:spTree>
-    <p:extLst>
-      <p:ext uri="{BB962C8B-B14F-4D97-AF65-F5344CB8AC3E}">
-        <p14:creationId xmlns:p14="http://schemas.microsoft.com/office/powerpoint/2010/main" val="4009556920"/>
-      </p:ext>
-    </p:extLst>
-  </p:cSld>
-  <p:clrMapOvr>
-    <a:masterClrMapping/>
-  </p:clrMapOvr>
-</p:sldLayout>
-</file>
-
-<file path=ppt/slideLayouts/slideLayout28.xml><?xml version="1.0" encoding="utf-8"?>
-<p:sldLayout xmlns:a="http://schemas.openxmlformats.org/drawingml/2006/main" xmlns:r="http://schemas.openxmlformats.org/officeDocument/2006/relationships" xmlns:p="http://schemas.openxmlformats.org/presentationml/2006/main" type="title">
-  <p:cSld name="Title Slide">
-    <p:spTree>
-      <p:nvGrpSpPr>
-        <p:cNvPr id="1" name=""/>
-        <p:cNvGrpSpPr/>
-        <p:nvPr/>
-      </p:nvGrpSpPr>
-      <p:grpSpPr>
-        <a:xfrm>
-          <a:off x="0" y="0"/>
-          <a:ext cx="0" cy="0"/>
-          <a:chOff x="0" y="0"/>
-          <a:chExt cx="0" cy="0"/>
-        </a:xfrm>
-      </p:grpSpPr>
-      <p:sp>
-        <p:nvSpPr>
-          <p:cNvPr id="2" name="Title 1"/>
-          <p:cNvSpPr>
-            <a:spLocks noGrp="1"/>
-          </p:cNvSpPr>
-          <p:nvPr>
-            <p:ph type="ctrTitle"/>
-          </p:nvPr>
-        </p:nvSpPr>
-        <p:spPr>
-          <a:xfrm>
-            <a:off x="1524000" y="1122363"/>
-            <a:ext cx="9144000" cy="2387600"/>
-          </a:xfrm>
-        </p:spPr>
-        <p:txBody>
-          <a:bodyPr anchor="b"/>
-          <a:lstStyle>
-            <a:lvl1pPr algn="ctr">
-              <a:defRPr sz="6000"/>
-            </a:lvl1pPr>
-          </a:lstStyle>
-          <a:p>
-            <a:r>
-              <a:rPr lang="en-US"/>
-              <a:t>Click to edit Master title style</a:t>
-            </a:r>
-            <a:endParaRPr lang="en-GB"/>
-          </a:p>
-        </p:txBody>
-      </p:sp>
-      <p:sp>
-        <p:nvSpPr>
-          <p:cNvPr id="3" name="Subtitle 2"/>
-          <p:cNvSpPr>
-            <a:spLocks noGrp="1"/>
-          </p:cNvSpPr>
-          <p:nvPr>
-            <p:ph type="subTitle" idx="1"/>
-          </p:nvPr>
-        </p:nvSpPr>
-        <p:spPr>
-          <a:xfrm>
-            <a:off x="1524000" y="3602038"/>
-            <a:ext cx="9144000" cy="1655762"/>
-          </a:xfrm>
-        </p:spPr>
-        <p:txBody>
-          <a:bodyPr/>
-          <a:lstStyle>
-            <a:lvl1pPr marL="0" indent="0" algn="ctr">
-              <a:buNone/>
-              <a:defRPr sz="2400"/>
-            </a:lvl1pPr>
-            <a:lvl2pPr marL="457200" indent="0" algn="ctr">
-              <a:buNone/>
-              <a:defRPr sz="2000"/>
-            </a:lvl2pPr>
-            <a:lvl3pPr marL="914400" indent="0" algn="ctr">
-              <a:buNone/>
-              <a:defRPr sz="1800"/>
-            </a:lvl3pPr>
-            <a:lvl4pPr marL="1371600" indent="0" algn="ctr">
-              <a:buNone/>
-              <a:defRPr sz="1600"/>
-            </a:lvl4pPr>
-            <a:lvl5pPr marL="1828800" indent="0" algn="ctr">
-              <a:buNone/>
-              <a:defRPr sz="1600"/>
-            </a:lvl5pPr>
-            <a:lvl6pPr marL="2286000" indent="0" algn="ctr">
-              <a:buNone/>
-              <a:defRPr sz="1600"/>
-            </a:lvl6pPr>
-            <a:lvl7pPr marL="2743200" indent="0" algn="ctr">
-              <a:buNone/>
-              <a:defRPr sz="1600"/>
-            </a:lvl7pPr>
-            <a:lvl8pPr marL="3200400" indent="0" algn="ctr">
-              <a:buNone/>
-              <a:defRPr sz="1600"/>
-            </a:lvl8pPr>
-            <a:lvl9pPr marL="3657600" indent="0" algn="ctr">
-              <a:buNone/>
-              <a:defRPr sz="1600"/>
-            </a:lvl9pPr>
-          </a:lstStyle>
-          <a:p>
-            <a:r>
-              <a:rPr lang="en-US"/>
-              <a:t>Click to edit Master subtitle style</a:t>
-            </a:r>
-            <a:endParaRPr lang="en-GB"/>
-          </a:p>
-        </p:txBody>
-      </p:sp>
-      <p:sp>
-        <p:nvSpPr>
-          <p:cNvPr id="4" name="Date Placeholder 3"/>
-          <p:cNvSpPr>
-            <a:spLocks noGrp="1"/>
-          </p:cNvSpPr>
-          <p:nvPr>
-            <p:ph type="dt" sz="half" idx="10"/>
-          </p:nvPr>
-        </p:nvSpPr>
-        <p:spPr/>
-        <p:txBody>
-          <a:bodyPr/>
-          <a:lstStyle/>
-          <a:p>
-            <a:fld id="{85C97CF4-16F1-4F22-B78C-E10587E26689}" type="datetimeFigureOut">
-              <a:rPr lang="en-GB" smtClean="0"/>
-              <a:t>16/10/2018</a:t>
-            </a:fld>
-            <a:endParaRPr lang="en-GB" dirty="0"/>
-          </a:p>
-        </p:txBody>
-      </p:sp>
-      <p:sp>
-        <p:nvSpPr>
-          <p:cNvPr id="5" name="Footer Placeholder 4"/>
-          <p:cNvSpPr>
-            <a:spLocks noGrp="1"/>
-          </p:cNvSpPr>
-          <p:nvPr>
-            <p:ph type="ftr" sz="quarter" idx="11"/>
-          </p:nvPr>
-        </p:nvSpPr>
-        <p:spPr/>
-        <p:txBody>
-          <a:bodyPr/>
-          <a:lstStyle/>
-          <a:p>
-            <a:endParaRPr lang="en-GB" dirty="0"/>
-          </a:p>
-        </p:txBody>
-      </p:sp>
-      <p:sp>
-        <p:nvSpPr>
-          <p:cNvPr id="6" name="Slide Number Placeholder 5"/>
-          <p:cNvSpPr>
-            <a:spLocks noGrp="1"/>
-          </p:cNvSpPr>
-          <p:nvPr>
-            <p:ph type="sldNum" sz="quarter" idx="12"/>
-          </p:nvPr>
-        </p:nvSpPr>
-        <p:spPr/>
-        <p:txBody>
-          <a:bodyPr/>
-          <a:lstStyle/>
-          <a:p>
-            <a:fld id="{A9C3ADED-1E69-417A-9B48-888EEA2A20F8}" type="slidenum">
-              <a:rPr lang="en-GB" smtClean="0"/>
-              <a:t>‹#›</a:t>
-            </a:fld>
-            <a:endParaRPr lang="en-GB" dirty="0"/>
-          </a:p>
-        </p:txBody>
-      </p:sp>
-    </p:spTree>
-    <p:extLst>
-      <p:ext uri="{BB962C8B-B14F-4D97-AF65-F5344CB8AC3E}">
-        <p14:creationId xmlns:p14="http://schemas.microsoft.com/office/powerpoint/2010/main" val="2258921323"/>
-      </p:ext>
-    </p:extLst>
-  </p:cSld>
-  <p:clrMapOvr>
-    <a:masterClrMapping/>
-  </p:clrMapOvr>
-</p:sldLayout>
-</file>
-
-<file path=ppt/slideLayouts/slideLayout3.xml><?xml version="1.0" encoding="utf-8"?>
-<p:sldLayout xmlns:a="http://schemas.openxmlformats.org/drawingml/2006/main" xmlns:r="http://schemas.openxmlformats.org/officeDocument/2006/relationships" xmlns:p="http://schemas.openxmlformats.org/presentationml/2006/main" type="secHead" preserve="1">
-  <p:cSld name="Section Header">
-    <p:spTree>
-      <p:nvGrpSpPr>
-        <p:cNvPr id="1" name=""/>
-        <p:cNvGrpSpPr/>
-        <p:nvPr/>
-      </p:nvGrpSpPr>
-      <p:grpSpPr>
-        <a:xfrm>
-          <a:off x="0" y="0"/>
-          <a:ext cx="0" cy="0"/>
-          <a:chOff x="0" y="0"/>
-          <a:chExt cx="0" cy="0"/>
-        </a:xfrm>
-      </p:grpSpPr>
-      <p:sp>
-        <p:nvSpPr>
-          <p:cNvPr id="2" name="Title 1"/>
-          <p:cNvSpPr>
-            <a:spLocks noGrp="1"/>
-          </p:cNvSpPr>
-          <p:nvPr>
-            <p:ph type="title"/>
-          </p:nvPr>
-        </p:nvSpPr>
-        <p:spPr>
-          <a:xfrm>
-            <a:off x="831850" y="1709738"/>
-            <a:ext cx="10515600" cy="2852737"/>
-          </a:xfrm>
-        </p:spPr>
-        <p:txBody>
-          <a:bodyPr anchor="b"/>
-          <a:lstStyle>
-            <a:lvl1pPr>
-              <a:defRPr sz="6000"/>
-            </a:lvl1pPr>
-          </a:lstStyle>
-          <a:p>
-            <a:r>
-              <a:rPr lang="en-US"/>
-              <a:t>Click to edit Master title style</a:t>
-            </a:r>
-            <a:endParaRPr lang="en-GB"/>
-          </a:p>
-        </p:txBody>
-      </p:sp>
-      <p:sp>
-        <p:nvSpPr>
-          <p:cNvPr id="3" name="Text Placeholder 2"/>
-          <p:cNvSpPr>
-            <a:spLocks noGrp="1"/>
-          </p:cNvSpPr>
-          <p:nvPr>
-            <p:ph type="body" idx="1"/>
-          </p:nvPr>
-        </p:nvSpPr>
-        <p:spPr>
-          <a:xfrm>
-            <a:off x="831850" y="4589463"/>
-            <a:ext cx="10515600" cy="1500187"/>
-          </a:xfrm>
-        </p:spPr>
-        <p:txBody>
-          <a:bodyPr/>
-          <a:lstStyle>
-            <a:lvl1pPr marL="0" indent="0">
-              <a:buNone/>
-              <a:defRPr sz="2400">
-                <a:solidFill>
-                  <a:schemeClr val="tx1">
-                    <a:tint val="75000"/>
-                  </a:schemeClr>
-                </a:solidFill>
-              </a:defRPr>
-            </a:lvl1pPr>
-            <a:lvl2pPr marL="457200" indent="0">
-              <a:buNone/>
-              <a:defRPr sz="2000">
-                <a:solidFill>
-                  <a:schemeClr val="tx1">
-                    <a:tint val="75000"/>
-                  </a:schemeClr>
-                </a:solidFill>
-              </a:defRPr>
-            </a:lvl2pPr>
-            <a:lvl3pPr marL="914400" indent="0">
-              <a:buNone/>
-              <a:defRPr sz="1800">
-                <a:solidFill>
-                  <a:schemeClr val="tx1">
-                    <a:tint val="75000"/>
-                  </a:schemeClr>
-                </a:solidFill>
-              </a:defRPr>
-            </a:lvl3pPr>
-            <a:lvl4pPr marL="1371600" indent="0">
-              <a:buNone/>
-              <a:defRPr sz="1600">
-                <a:solidFill>
-                  <a:schemeClr val="tx1">
-                    <a:tint val="75000"/>
-                  </a:schemeClr>
-                </a:solidFill>
-              </a:defRPr>
-            </a:lvl4pPr>
-            <a:lvl5pPr marL="1828800" indent="0">
-              <a:buNone/>
-              <a:defRPr sz="1600">
-                <a:solidFill>
-                  <a:schemeClr val="tx1">
-                    <a:tint val="75000"/>
-                  </a:schemeClr>
-                </a:solidFill>
-              </a:defRPr>
-            </a:lvl5pPr>
-            <a:lvl6pPr marL="2286000" indent="0">
-              <a:buNone/>
-              <a:defRPr sz="1600">
-                <a:solidFill>
-                  <a:schemeClr val="tx1">
-                    <a:tint val="75000"/>
-                  </a:schemeClr>
-                </a:solidFill>
-              </a:defRPr>
-            </a:lvl6pPr>
-            <a:lvl7pPr marL="2743200" indent="0">
-              <a:buNone/>
-              <a:defRPr sz="1600">
-                <a:solidFill>
-                  <a:schemeClr val="tx1">
-                    <a:tint val="75000"/>
-                  </a:schemeClr>
-                </a:solidFill>
-              </a:defRPr>
-            </a:lvl7pPr>
-            <a:lvl8pPr marL="3200400" indent="0">
-              <a:buNone/>
-              <a:defRPr sz="1600">
-                <a:solidFill>
-                  <a:schemeClr val="tx1">
-                    <a:tint val="75000"/>
-                  </a:schemeClr>
-                </a:solidFill>
-              </a:defRPr>
-            </a:lvl8pPr>
-            <a:lvl9pPr marL="3657600" indent="0">
-              <a:buNone/>
-              <a:defRPr sz="1600">
-                <a:solidFill>
-                  <a:schemeClr val="tx1">
-                    <a:tint val="75000"/>
-                  </a:schemeClr>
-                </a:solidFill>
-              </a:defRPr>
-            </a:lvl9pPr>
-          </a:lstStyle>
-          <a:p>
-            <a:pPr lvl="0"/>
-            <a:r>
-              <a:rPr lang="en-US"/>
-              <a:t>Click to edit Master text styles</a:t>
-            </a:r>
-          </a:p>
-        </p:txBody>
-      </p:sp>
-      <p:sp>
-        <p:nvSpPr>
-          <p:cNvPr id="4" name="Date Placeholder 3"/>
-          <p:cNvSpPr>
-            <a:spLocks noGrp="1"/>
-          </p:cNvSpPr>
-          <p:nvPr>
-            <p:ph type="dt" sz="half" idx="10"/>
-          </p:nvPr>
-        </p:nvSpPr>
-        <p:spPr/>
-        <p:txBody>
-          <a:bodyPr/>
-          <a:lstStyle/>
-          <a:p>
-            <a:fld id="{85C97CF4-16F1-4F22-B78C-E10587E26689}" type="datetimeFigureOut">
-              <a:rPr lang="en-GB" smtClean="0"/>
-              <a:t>16/10/2018</a:t>
-            </a:fld>
-            <a:endParaRPr lang="en-GB" dirty="0"/>
-          </a:p>
-        </p:txBody>
-      </p:sp>
-      <p:sp>
-        <p:nvSpPr>
-          <p:cNvPr id="5" name="Footer Placeholder 4"/>
-          <p:cNvSpPr>
-            <a:spLocks noGrp="1"/>
-          </p:cNvSpPr>
-          <p:nvPr>
-            <p:ph type="ftr" sz="quarter" idx="11"/>
-          </p:nvPr>
-        </p:nvSpPr>
-        <p:spPr/>
-        <p:txBody>
-          <a:bodyPr/>
-          <a:lstStyle/>
-          <a:p>
-            <a:endParaRPr lang="en-GB" dirty="0"/>
-          </a:p>
-        </p:txBody>
-      </p:sp>
-      <p:sp>
-        <p:nvSpPr>
-          <p:cNvPr id="6" name="Slide Number Placeholder 5"/>
-          <p:cNvSpPr>
-            <a:spLocks noGrp="1"/>
-          </p:cNvSpPr>
-          <p:nvPr>
-            <p:ph type="sldNum" sz="quarter" idx="12"/>
-          </p:nvPr>
-        </p:nvSpPr>
-        <p:spPr/>
-        <p:txBody>
-          <a:bodyPr/>
-          <a:lstStyle/>
-          <a:p>
-            <a:fld id="{A9C3ADED-1E69-417A-9B48-888EEA2A20F8}" type="slidenum">
-              <a:rPr lang="en-GB" smtClean="0"/>
-              <a:t>‹#›</a:t>
-            </a:fld>
-            <a:endParaRPr lang="en-GB" dirty="0"/>
-          </a:p>
-        </p:txBody>
-      </p:sp>
-    </p:spTree>
-    <p:extLst>
-      <p:ext uri="{BB962C8B-B14F-4D97-AF65-F5344CB8AC3E}">
-        <p14:creationId xmlns:p14="http://schemas.microsoft.com/office/powerpoint/2010/main" val="1020293706"/>
-      </p:ext>
-    </p:extLst>
-  </p:cSld>
-  <p:clrMapOvr>
-    <a:masterClrMapping/>
-  </p:clrMapOvr>
-</p:sldLayout>
-</file>
-
-<file path=ppt/slideLayouts/slideLayout4.xml><?xml version="1.0" encoding="utf-8"?>
-<p:sldLayout xmlns:a="http://schemas.openxmlformats.org/drawingml/2006/main" xmlns:r="http://schemas.openxmlformats.org/officeDocument/2006/relationships" xmlns:p="http://schemas.openxmlformats.org/presentationml/2006/main" type="twoObj" preserve="1">
-  <p:cSld name="Two Content">
-    <p:spTree>
-      <p:nvGrpSpPr>
-        <p:cNvPr id="1" name=""/>
-        <p:cNvGrpSpPr/>
-        <p:nvPr/>
-      </p:nvGrpSpPr>
-      <p:grpSpPr>
-        <a:xfrm>
-          <a:off x="0" y="0"/>
-          <a:ext cx="0" cy="0"/>
-          <a:chOff x="0" y="0"/>
-          <a:chExt cx="0" cy="0"/>
-        </a:xfrm>
-      </p:grpSpPr>
-      <p:sp>
-        <p:nvSpPr>
-          <p:cNvPr id="2" name="Title 1"/>
-          <p:cNvSpPr>
-            <a:spLocks noGrp="1"/>
-          </p:cNvSpPr>
-          <p:nvPr>
-            <p:ph type="title"/>
-          </p:nvPr>
-        </p:nvSpPr>
-        <p:spPr/>
-        <p:txBody>
-          <a:bodyPr/>
-          <a:lstStyle/>
-          <a:p>
-            <a:r>
-              <a:rPr lang="en-US"/>
-              <a:t>Click to edit Master title style</a:t>
-            </a:r>
-            <a:endParaRPr lang="en-GB"/>
-          </a:p>
-        </p:txBody>
-      </p:sp>
-      <p:sp>
-        <p:nvSpPr>
-          <p:cNvPr id="3" name="Content Placeholder 2"/>
-          <p:cNvSpPr>
-            <a:spLocks noGrp="1"/>
-          </p:cNvSpPr>
-          <p:nvPr>
-            <p:ph sz="half" idx="1"/>
-          </p:nvPr>
-        </p:nvSpPr>
-        <p:spPr>
-          <a:xfrm>
-            <a:off x="838200" y="1825625"/>
-            <a:ext cx="5181600" cy="4351338"/>
-          </a:xfrm>
-        </p:spPr>
-        <p:txBody>
-          <a:bodyPr/>
-          <a:lstStyle/>
-          <a:p>
-            <a:pPr lvl="0"/>
-            <a:r>
-              <a:rPr lang="en-US"/>
-              <a:t>Click to edit Master text styles</a:t>
-            </a:r>
-          </a:p>
-          <a:p>
-            <a:pPr lvl="1"/>
-            <a:r>
-              <a:rPr lang="en-US"/>
-              <a:t>Second level</a:t>
-            </a:r>
-          </a:p>
-          <a:p>
-            <a:pPr lvl="2"/>
-            <a:r>
-              <a:rPr lang="en-US"/>
-              <a:t>Third level</a:t>
-            </a:r>
-          </a:p>
-          <a:p>
-            <a:pPr lvl="3"/>
-            <a:r>
-              <a:rPr lang="en-US"/>
-              <a:t>Fourth level</a:t>
-            </a:r>
-          </a:p>
-          <a:p>
-            <a:pPr lvl="4"/>
-            <a:r>
-              <a:rPr lang="en-US"/>
-              <a:t>Fifth level</a:t>
-            </a:r>
-            <a:endParaRPr lang="en-GB"/>
-          </a:p>
-        </p:txBody>
-      </p:sp>
-      <p:sp>
-        <p:nvSpPr>
-          <p:cNvPr id="4" name="Content Placeholder 3"/>
-          <p:cNvSpPr>
-            <a:spLocks noGrp="1"/>
-          </p:cNvSpPr>
-          <p:nvPr>
-            <p:ph sz="half" idx="2"/>
-          </p:nvPr>
-        </p:nvSpPr>
-        <p:spPr>
-          <a:xfrm>
-            <a:off x="6172200" y="1825625"/>
-            <a:ext cx="5181600" cy="4351338"/>
-          </a:xfrm>
-        </p:spPr>
-        <p:txBody>
-          <a:bodyPr/>
-          <a:lstStyle/>
-          <a:p>
-            <a:pPr lvl="0"/>
-            <a:r>
-              <a:rPr lang="en-US"/>
-              <a:t>Click to edit Master text styles</a:t>
-            </a:r>
-          </a:p>
-          <a:p>
-            <a:pPr lvl="1"/>
-            <a:r>
-              <a:rPr lang="en-US"/>
-              <a:t>Second level</a:t>
-            </a:r>
-          </a:p>
-          <a:p>
-            <a:pPr lvl="2"/>
-            <a:r>
-              <a:rPr lang="en-US"/>
-              <a:t>Third level</a:t>
-            </a:r>
-          </a:p>
-          <a:p>
-            <a:pPr lvl="3"/>
-            <a:r>
-              <a:rPr lang="en-US"/>
-              <a:t>Fourth level</a:t>
-            </a:r>
-          </a:p>
-          <a:p>
-            <a:pPr lvl="4"/>
-            <a:r>
-              <a:rPr lang="en-US"/>
-              <a:t>Fifth level</a:t>
-            </a:r>
-            <a:endParaRPr lang="en-GB"/>
-          </a:p>
-        </p:txBody>
-      </p:sp>
-      <p:sp>
-        <p:nvSpPr>
-          <p:cNvPr id="5" name="Date Placeholder 4"/>
-          <p:cNvSpPr>
-            <a:spLocks noGrp="1"/>
-          </p:cNvSpPr>
-          <p:nvPr>
-            <p:ph type="dt" sz="half" idx="10"/>
-          </p:nvPr>
-        </p:nvSpPr>
-        <p:spPr/>
-        <p:txBody>
-          <a:bodyPr/>
-          <a:lstStyle/>
-          <a:p>
-            <a:fld id="{85C97CF4-16F1-4F22-B78C-E10587E26689}" type="datetimeFigureOut">
-              <a:rPr lang="en-GB" smtClean="0"/>
-              <a:t>16/10/2018</a:t>
-            </a:fld>
-            <a:endParaRPr lang="en-GB" dirty="0"/>
-          </a:p>
-        </p:txBody>
-      </p:sp>
-      <p:sp>
-        <p:nvSpPr>
-          <p:cNvPr id="6" name="Footer Placeholder 5"/>
-          <p:cNvSpPr>
-            <a:spLocks noGrp="1"/>
-          </p:cNvSpPr>
-          <p:nvPr>
-            <p:ph type="ftr" sz="quarter" idx="11"/>
-          </p:nvPr>
-        </p:nvSpPr>
-        <p:spPr/>
-        <p:txBody>
-          <a:bodyPr/>
-          <a:lstStyle/>
-          <a:p>
-            <a:endParaRPr lang="en-GB" dirty="0"/>
-          </a:p>
-        </p:txBody>
-      </p:sp>
-      <p:sp>
-        <p:nvSpPr>
-          <p:cNvPr id="7" name="Slide Number Placeholder 6"/>
-          <p:cNvSpPr>
-            <a:spLocks noGrp="1"/>
-          </p:cNvSpPr>
-          <p:nvPr>
-            <p:ph type="sldNum" sz="quarter" idx="12"/>
-          </p:nvPr>
-        </p:nvSpPr>
-        <p:spPr/>
-        <p:txBody>
-          <a:bodyPr/>
-          <a:lstStyle/>
-          <a:p>
-            <a:fld id="{A9C3ADED-1E69-417A-9B48-888EEA2A20F8}" type="slidenum">
-              <a:rPr lang="en-GB" smtClean="0"/>
-              <a:t>‹#›</a:t>
-            </a:fld>
-            <a:endParaRPr lang="en-GB" dirty="0"/>
-          </a:p>
-        </p:txBody>
-      </p:sp>
-    </p:spTree>
-    <p:extLst>
-      <p:ext uri="{BB962C8B-B14F-4D97-AF65-F5344CB8AC3E}">
-        <p14:creationId xmlns:p14="http://schemas.microsoft.com/office/powerpoint/2010/main" val="4273276682"/>
-      </p:ext>
-    </p:extLst>
-  </p:cSld>
-  <p:clrMapOvr>
-    <a:masterClrMapping/>
-  </p:clrMapOvr>
-</p:sldLayout>
-</file>
-
-<file path=ppt/slideLayouts/slideLayout5.xml><?xml version="1.0" encoding="utf-8"?>
-<p:sldLayout xmlns:a="http://schemas.openxmlformats.org/drawingml/2006/main" xmlns:r="http://schemas.openxmlformats.org/officeDocument/2006/relationships" xmlns:p="http://schemas.openxmlformats.org/presentationml/2006/main" type="twoTxTwoObj" preserve="1">
-  <p:cSld name="Comparison">
-    <p:spTree>
-      <p:nvGrpSpPr>
-        <p:cNvPr id="1" name=""/>
-        <p:cNvGrpSpPr/>
-        <p:nvPr/>
-      </p:nvGrpSpPr>
-      <p:grpSpPr>
-        <a:xfrm>
-          <a:off x="0" y="0"/>
-          <a:ext cx="0" cy="0"/>
-          <a:chOff x="0" y="0"/>
-          <a:chExt cx="0" cy="0"/>
-        </a:xfrm>
-      </p:grpSpPr>
-      <p:sp>
-        <p:nvSpPr>
-          <p:cNvPr id="2" name="Title 1"/>
-          <p:cNvSpPr>
-            <a:spLocks noGrp="1"/>
-          </p:cNvSpPr>
-          <p:nvPr>
-            <p:ph type="title"/>
-          </p:nvPr>
-        </p:nvSpPr>
-        <p:spPr>
-          <a:xfrm>
-            <a:off x="839788" y="365125"/>
-            <a:ext cx="10515600" cy="1325563"/>
-          </a:xfrm>
-        </p:spPr>
-        <p:txBody>
-          <a:bodyPr/>
-          <a:lstStyle/>
-          <a:p>
-            <a:r>
-              <a:rPr lang="en-US"/>
-              <a:t>Click to edit Master title style</a:t>
-            </a:r>
-            <a:endParaRPr lang="en-GB"/>
-          </a:p>
-        </p:txBody>
-      </p:sp>
-      <p:sp>
-        <p:nvSpPr>
-          <p:cNvPr id="3" name="Text Placeholder 2"/>
-          <p:cNvSpPr>
-            <a:spLocks noGrp="1"/>
-          </p:cNvSpPr>
-          <p:nvPr>
-            <p:ph type="body" idx="1"/>
-          </p:nvPr>
-        </p:nvSpPr>
-        <p:spPr>
-          <a:xfrm>
-            <a:off x="839788" y="1681163"/>
-            <a:ext cx="5157787" cy="823912"/>
-          </a:xfrm>
-        </p:spPr>
-        <p:txBody>
-          <a:bodyPr anchor="b"/>
-          <a:lstStyle>
-            <a:lvl1pPr marL="0" indent="0">
-              <a:buNone/>
-              <a:defRPr sz="2400" b="1"/>
-            </a:lvl1pPr>
-            <a:lvl2pPr marL="457200" indent="0">
-              <a:buNone/>
-              <a:defRPr sz="2000" b="1"/>
-            </a:lvl2pPr>
-            <a:lvl3pPr marL="914400" indent="0">
-              <a:buNone/>
-              <a:defRPr sz="1800" b="1"/>
-            </a:lvl3pPr>
-            <a:lvl4pPr marL="1371600" indent="0">
-              <a:buNone/>
-              <a:defRPr sz="1600" b="1"/>
-            </a:lvl4pPr>
-            <a:lvl5pPr marL="1828800" indent="0">
-              <a:buNone/>
-              <a:defRPr sz="1600" b="1"/>
-            </a:lvl5pPr>
-            <a:lvl6pPr marL="2286000" indent="0">
-              <a:buNone/>
-              <a:defRPr sz="1600" b="1"/>
-            </a:lvl6pPr>
-            <a:lvl7pPr marL="2743200" indent="0">
-              <a:buNone/>
-              <a:defRPr sz="1600" b="1"/>
-            </a:lvl7pPr>
-            <a:lvl8pPr marL="3200400" indent="0">
-              <a:buNone/>
-              <a:defRPr sz="1600" b="1"/>
-            </a:lvl8pPr>
-            <a:lvl9pPr marL="3657600" indent="0">
-              <a:buNone/>
-              <a:defRPr sz="1600" b="1"/>
-            </a:lvl9pPr>
-          </a:lstStyle>
-          <a:p>
-            <a:pPr lvl="0"/>
-            <a:r>
-              <a:rPr lang="en-US"/>
-              <a:t>Click to edit Master text styles</a:t>
-            </a:r>
-          </a:p>
-        </p:txBody>
-      </p:sp>
-      <p:sp>
-        <p:nvSpPr>
-          <p:cNvPr id="4" name="Content Placeholder 3"/>
-          <p:cNvSpPr>
-            <a:spLocks noGrp="1"/>
-          </p:cNvSpPr>
-          <p:nvPr>
-            <p:ph sz="half" idx="2"/>
-          </p:nvPr>
-        </p:nvSpPr>
-        <p:spPr>
-          <a:xfrm>
-            <a:off x="839788" y="2505075"/>
-            <a:ext cx="5157787" cy="3684588"/>
-          </a:xfrm>
-        </p:spPr>
-        <p:txBody>
-          <a:bodyPr/>
-          <a:lstStyle/>
-          <a:p>
-            <a:pPr lvl="0"/>
-            <a:r>
-              <a:rPr lang="en-US"/>
-              <a:t>Click to edit Master text styles</a:t>
-            </a:r>
-          </a:p>
-          <a:p>
-            <a:pPr lvl="1"/>
-            <a:r>
-              <a:rPr lang="en-US"/>
-              <a:t>Second level</a:t>
-            </a:r>
-          </a:p>
-          <a:p>
-            <a:pPr lvl="2"/>
-            <a:r>
-              <a:rPr lang="en-US"/>
-              <a:t>Third level</a:t>
-            </a:r>
-          </a:p>
-          <a:p>
-            <a:pPr lvl="3"/>
-            <a:r>
-              <a:rPr lang="en-US"/>
-              <a:t>Fourth level</a:t>
-            </a:r>
-          </a:p>
-          <a:p>
-            <a:pPr lvl="4"/>
-            <a:r>
-              <a:rPr lang="en-US"/>
-              <a:t>Fifth level</a:t>
-            </a:r>
-            <a:endParaRPr lang="en-GB"/>
-          </a:p>
-        </p:txBody>
-      </p:sp>
-      <p:sp>
-        <p:nvSpPr>
-          <p:cNvPr id="5" name="Text Placeholder 4"/>
-          <p:cNvSpPr>
-            <a:spLocks noGrp="1"/>
-          </p:cNvSpPr>
-          <p:nvPr>
-            <p:ph type="body" sz="quarter" idx="3"/>
-          </p:nvPr>
-        </p:nvSpPr>
-        <p:spPr>
-          <a:xfrm>
-            <a:off x="6172200" y="1681163"/>
-            <a:ext cx="5183188" cy="823912"/>
-          </a:xfrm>
-        </p:spPr>
-        <p:txBody>
-          <a:bodyPr anchor="b"/>
-          <a:lstStyle>
-            <a:lvl1pPr marL="0" indent="0">
-              <a:buNone/>
-              <a:defRPr sz="2400" b="1"/>
-            </a:lvl1pPr>
-            <a:lvl2pPr marL="457200" indent="0">
-              <a:buNone/>
-              <a:defRPr sz="2000" b="1"/>
-            </a:lvl2pPr>
-            <a:lvl3pPr marL="914400" indent="0">
-              <a:buNone/>
-              <a:defRPr sz="1800" b="1"/>
-            </a:lvl3pPr>
-            <a:lvl4pPr marL="1371600" indent="0">
-              <a:buNone/>
-              <a:defRPr sz="1600" b="1"/>
-            </a:lvl4pPr>
-            <a:lvl5pPr marL="1828800" indent="0">
-              <a:buNone/>
-              <a:defRPr sz="1600" b="1"/>
-            </a:lvl5pPr>
-            <a:lvl6pPr marL="2286000" indent="0">
-              <a:buNone/>
-              <a:defRPr sz="1600" b="1"/>
-            </a:lvl6pPr>
-            <a:lvl7pPr marL="2743200" indent="0">
-              <a:buNone/>
-              <a:defRPr sz="1600" b="1"/>
-            </a:lvl7pPr>
-            <a:lvl8pPr marL="3200400" indent="0">
-              <a:buNone/>
-              <a:defRPr sz="1600" b="1"/>
-            </a:lvl8pPr>
-            <a:lvl9pPr marL="3657600" indent="0">
-              <a:buNone/>
-              <a:defRPr sz="1600" b="1"/>
-            </a:lvl9pPr>
-          </a:lstStyle>
-          <a:p>
-            <a:pPr lvl="0"/>
-            <a:r>
-              <a:rPr lang="en-US"/>
-              <a:t>Click to edit Master text styles</a:t>
-            </a:r>
-          </a:p>
-        </p:txBody>
-      </p:sp>
-      <p:sp>
-        <p:nvSpPr>
-          <p:cNvPr id="6" name="Content Placeholder 5"/>
-          <p:cNvSpPr>
-            <a:spLocks noGrp="1"/>
-          </p:cNvSpPr>
-          <p:nvPr>
-            <p:ph sz="quarter" idx="4"/>
-          </p:nvPr>
-        </p:nvSpPr>
-        <p:spPr>
-          <a:xfrm>
-            <a:off x="6172200" y="2505075"/>
-            <a:ext cx="5183188" cy="3684588"/>
-          </a:xfrm>
-        </p:spPr>
-        <p:txBody>
-          <a:bodyPr/>
-          <a:lstStyle/>
-          <a:p>
-            <a:pPr lvl="0"/>
-            <a:r>
-              <a:rPr lang="en-US"/>
-              <a:t>Click to edit Master text styles</a:t>
-            </a:r>
-          </a:p>
-          <a:p>
-            <a:pPr lvl="1"/>
-            <a:r>
-              <a:rPr lang="en-US"/>
-              <a:t>Second level</a:t>
-            </a:r>
-          </a:p>
-          <a:p>
-            <a:pPr lvl="2"/>
-            <a:r>
-              <a:rPr lang="en-US"/>
-              <a:t>Third level</a:t>
-            </a:r>
-          </a:p>
-          <a:p>
-            <a:pPr lvl="3"/>
-            <a:r>
-              <a:rPr lang="en-US"/>
-              <a:t>Fourth level</a:t>
-            </a:r>
-          </a:p>
-          <a:p>
-            <a:pPr lvl="4"/>
-            <a:r>
-              <a:rPr lang="en-US"/>
-              <a:t>Fifth level</a:t>
-            </a:r>
-            <a:endParaRPr lang="en-GB"/>
-          </a:p>
-        </p:txBody>
-      </p:sp>
-      <p:sp>
-        <p:nvSpPr>
-          <p:cNvPr id="7" name="Date Placeholder 6"/>
-          <p:cNvSpPr>
-            <a:spLocks noGrp="1"/>
-          </p:cNvSpPr>
-          <p:nvPr>
-            <p:ph type="dt" sz="half" idx="10"/>
-          </p:nvPr>
-        </p:nvSpPr>
-        <p:spPr/>
-        <p:txBody>
-          <a:bodyPr/>
-          <a:lstStyle/>
-          <a:p>
-            <a:fld id="{85C97CF4-16F1-4F22-B78C-E10587E26689}" type="datetimeFigureOut">
-              <a:rPr lang="en-GB" smtClean="0"/>
-              <a:t>16/10/2018</a:t>
-            </a:fld>
-            <a:endParaRPr lang="en-GB" dirty="0"/>
-          </a:p>
-        </p:txBody>
-      </p:sp>
-      <p:sp>
-        <p:nvSpPr>
-          <p:cNvPr id="8" name="Footer Placeholder 7"/>
-          <p:cNvSpPr>
-            <a:spLocks noGrp="1"/>
-          </p:cNvSpPr>
-          <p:nvPr>
-            <p:ph type="ftr" sz="quarter" idx="11"/>
-          </p:nvPr>
-        </p:nvSpPr>
-        <p:spPr/>
-        <p:txBody>
-          <a:bodyPr/>
-          <a:lstStyle/>
-          <a:p>
-            <a:endParaRPr lang="en-GB" dirty="0"/>
-          </a:p>
-        </p:txBody>
-      </p:sp>
-      <p:sp>
-        <p:nvSpPr>
-          <p:cNvPr id="9" name="Slide Number Placeholder 8"/>
-          <p:cNvSpPr>
-            <a:spLocks noGrp="1"/>
-          </p:cNvSpPr>
-          <p:nvPr>
-            <p:ph type="sldNum" sz="quarter" idx="12"/>
-          </p:nvPr>
-        </p:nvSpPr>
-        <p:spPr/>
-        <p:txBody>
-          <a:bodyPr/>
-          <a:lstStyle/>
-          <a:p>
-            <a:fld id="{A9C3ADED-1E69-417A-9B48-888EEA2A20F8}" type="slidenum">
-              <a:rPr lang="en-GB" smtClean="0"/>
-              <a:t>‹#›</a:t>
-            </a:fld>
-            <a:endParaRPr lang="en-GB" dirty="0"/>
-          </a:p>
-        </p:txBody>
-      </p:sp>
-    </p:spTree>
-    <p:extLst>
-      <p:ext uri="{BB962C8B-B14F-4D97-AF65-F5344CB8AC3E}">
-        <p14:creationId xmlns:p14="http://schemas.microsoft.com/office/powerpoint/2010/main" val="2155696375"/>
-      </p:ext>
-    </p:extLst>
-  </p:cSld>
-  <p:clrMapOvr>
-    <a:masterClrMapping/>
-  </p:clrMapOvr>
-</p:sldLayout>
-</file>
-
-<file path=ppt/slideLayouts/slideLayout6.xml><?xml version="1.0" encoding="utf-8"?>
-<p:sldLayout xmlns:a="http://schemas.openxmlformats.org/drawingml/2006/main" xmlns:r="http://schemas.openxmlformats.org/officeDocument/2006/relationships" xmlns:p="http://schemas.openxmlformats.org/presentationml/2006/main" type="titleOnly" preserve="1">
-  <p:cSld name="Title Only">
-    <p:spTree>
-      <p:nvGrpSpPr>
-        <p:cNvPr id="1" name=""/>
-        <p:cNvGrpSpPr/>
-        <p:nvPr/>
-      </p:nvGrpSpPr>
-      <p:grpSpPr>
-        <a:xfrm>
-          <a:off x="0" y="0"/>
-          <a:ext cx="0" cy="0"/>
-          <a:chOff x="0" y="0"/>
-          <a:chExt cx="0" cy="0"/>
-        </a:xfrm>
-      </p:grpSpPr>
-      <p:sp>
-        <p:nvSpPr>
-          <p:cNvPr id="2" name="Title 1"/>
-          <p:cNvSpPr>
-            <a:spLocks noGrp="1"/>
-          </p:cNvSpPr>
-          <p:nvPr>
-            <p:ph type="title"/>
-          </p:nvPr>
-        </p:nvSpPr>
-        <p:spPr/>
-        <p:txBody>
-          <a:bodyPr/>
-          <a:lstStyle/>
-          <a:p>
-            <a:r>
-              <a:rPr lang="en-US"/>
-              <a:t>Click to edit Master title style</a:t>
-            </a:r>
-            <a:endParaRPr lang="en-GB"/>
-          </a:p>
-        </p:txBody>
-      </p:sp>
-      <p:sp>
-        <p:nvSpPr>
-          <p:cNvPr id="3" name="Date Placeholder 2"/>
-          <p:cNvSpPr>
-            <a:spLocks noGrp="1"/>
-          </p:cNvSpPr>
-          <p:nvPr>
-            <p:ph type="dt" sz="half" idx="10"/>
-          </p:nvPr>
-        </p:nvSpPr>
-        <p:spPr/>
-        <p:txBody>
-          <a:bodyPr/>
-          <a:lstStyle/>
-          <a:p>
-            <a:fld id="{85C97CF4-16F1-4F22-B78C-E10587E26689}" type="datetimeFigureOut">
-              <a:rPr lang="en-GB" smtClean="0"/>
-              <a:t>16/10/2018</a:t>
-            </a:fld>
-            <a:endParaRPr lang="en-GB" dirty="0"/>
-          </a:p>
-        </p:txBody>
-      </p:sp>
-      <p:sp>
-        <p:nvSpPr>
-          <p:cNvPr id="4" name="Footer Placeholder 3"/>
-          <p:cNvSpPr>
-            <a:spLocks noGrp="1"/>
-          </p:cNvSpPr>
-          <p:nvPr>
-            <p:ph type="ftr" sz="quarter" idx="11"/>
-          </p:nvPr>
-        </p:nvSpPr>
-        <p:spPr/>
-        <p:txBody>
-          <a:bodyPr/>
-          <a:lstStyle/>
-          <a:p>
-            <a:endParaRPr lang="en-GB" dirty="0"/>
-          </a:p>
-        </p:txBody>
-      </p:sp>
-      <p:sp>
-        <p:nvSpPr>
-          <p:cNvPr id="5" name="Slide Number Placeholder 4"/>
-          <p:cNvSpPr>
-            <a:spLocks noGrp="1"/>
-          </p:cNvSpPr>
-          <p:nvPr>
-            <p:ph type="sldNum" sz="quarter" idx="12"/>
-          </p:nvPr>
-        </p:nvSpPr>
-        <p:spPr/>
-        <p:txBody>
-          <a:bodyPr/>
-          <a:lstStyle/>
-          <a:p>
-            <a:fld id="{A9C3ADED-1E69-417A-9B48-888EEA2A20F8}" type="slidenum">
-              <a:rPr lang="en-GB" smtClean="0"/>
-              <a:t>‹#›</a:t>
-            </a:fld>
-            <a:endParaRPr lang="en-GB" dirty="0"/>
-          </a:p>
-        </p:txBody>
-      </p:sp>
-    </p:spTree>
-    <p:extLst>
-      <p:ext uri="{BB962C8B-B14F-4D97-AF65-F5344CB8AC3E}">
-        <p14:creationId xmlns:p14="http://schemas.microsoft.com/office/powerpoint/2010/main" val="3468620804"/>
-      </p:ext>
-    </p:extLst>
-  </p:cSld>
-  <p:clrMapOvr>
-    <a:masterClrMapping/>
-  </p:clrMapOvr>
-</p:sldLayout>
-</file>
-
-<file path=ppt/slideLayouts/slideLayout7.xml><?xml version="1.0" encoding="utf-8"?>
-<p:sldLayout xmlns:a="http://schemas.openxmlformats.org/drawingml/2006/main" xmlns:r="http://schemas.openxmlformats.org/officeDocument/2006/relationships" xmlns:p="http://schemas.openxmlformats.org/presentationml/2006/main" type="blank" preserve="1">
-  <p:cSld name="Blank">
-    <p:spTree>
-      <p:nvGrpSpPr>
-        <p:cNvPr id="1" name=""/>
-        <p:cNvGrpSpPr/>
-        <p:nvPr/>
-      </p:nvGrpSpPr>
-      <p:grpSpPr>
-        <a:xfrm>
-          <a:off x="0" y="0"/>
-          <a:ext cx="0" cy="0"/>
-          <a:chOff x="0" y="0"/>
-          <a:chExt cx="0" cy="0"/>
-        </a:xfrm>
-      </p:grpSpPr>
-      <p:sp>
-        <p:nvSpPr>
-          <p:cNvPr id="2" name="Date Placeholder 1"/>
-          <p:cNvSpPr>
-            <a:spLocks noGrp="1"/>
-          </p:cNvSpPr>
-          <p:nvPr>
-            <p:ph type="dt" sz="half" idx="10"/>
-          </p:nvPr>
-        </p:nvSpPr>
-        <p:spPr/>
-        <p:txBody>
-          <a:bodyPr/>
-          <a:lstStyle/>
-          <a:p>
-            <a:fld id="{85C97CF4-16F1-4F22-B78C-E10587E26689}" type="datetimeFigureOut">
-              <a:rPr lang="en-GB" smtClean="0"/>
-              <a:t>16/10/2018</a:t>
-            </a:fld>
-            <a:endParaRPr lang="en-GB" dirty="0"/>
-          </a:p>
-        </p:txBody>
-      </p:sp>
-      <p:sp>
-        <p:nvSpPr>
-          <p:cNvPr id="3" name="Footer Placeholder 2"/>
-          <p:cNvSpPr>
-            <a:spLocks noGrp="1"/>
-          </p:cNvSpPr>
-          <p:nvPr>
-            <p:ph type="ftr" sz="quarter" idx="11"/>
-          </p:nvPr>
-        </p:nvSpPr>
-        <p:spPr/>
-        <p:txBody>
-          <a:bodyPr/>
-          <a:lstStyle/>
-          <a:p>
-            <a:endParaRPr lang="en-GB" dirty="0"/>
-          </a:p>
-        </p:txBody>
-      </p:sp>
-      <p:sp>
-        <p:nvSpPr>
-          <p:cNvPr id="4" name="Slide Number Placeholder 3"/>
-          <p:cNvSpPr>
-            <a:spLocks noGrp="1"/>
-          </p:cNvSpPr>
-          <p:nvPr>
-            <p:ph type="sldNum" sz="quarter" idx="12"/>
-          </p:nvPr>
-        </p:nvSpPr>
-        <p:spPr/>
-        <p:txBody>
-          <a:bodyPr/>
-          <a:lstStyle/>
-          <a:p>
-            <a:fld id="{A9C3ADED-1E69-417A-9B48-888EEA2A20F8}" type="slidenum">
-              <a:rPr lang="en-GB" smtClean="0"/>
-              <a:t>‹#›</a:t>
-            </a:fld>
-            <a:endParaRPr lang="en-GB" dirty="0"/>
-          </a:p>
-        </p:txBody>
-      </p:sp>
-    </p:spTree>
-    <p:extLst>
-      <p:ext uri="{BB962C8B-B14F-4D97-AF65-F5344CB8AC3E}">
-        <p14:creationId xmlns:p14="http://schemas.microsoft.com/office/powerpoint/2010/main" val="3276223464"/>
-      </p:ext>
-    </p:extLst>
-  </p:cSld>
-  <p:clrMapOvr>
-    <a:masterClrMapping/>
-  </p:clrMapOvr>
-</p:sldLayout>
-</file>
-
-<file path=ppt/slideLayouts/slideLayout8.xml><?xml version="1.0" encoding="utf-8"?>
-<p:sldLayout xmlns:a="http://schemas.openxmlformats.org/drawingml/2006/main" xmlns:r="http://schemas.openxmlformats.org/officeDocument/2006/relationships" xmlns:p="http://schemas.openxmlformats.org/presentationml/2006/main" type="objTx" preserve="1">
-  <p:cSld name="Content with Caption">
-    <p:spTree>
-      <p:nvGrpSpPr>
-        <p:cNvPr id="1" name=""/>
-        <p:cNvGrpSpPr/>
-        <p:nvPr/>
-      </p:nvGrpSpPr>
-      <p:grpSpPr>
-        <a:xfrm>
-          <a:off x="0" y="0"/>
-          <a:ext cx="0" cy="0"/>
-          <a:chOff x="0" y="0"/>
-          <a:chExt cx="0" cy="0"/>
-        </a:xfrm>
-      </p:grpSpPr>
-      <p:sp>
-        <p:nvSpPr>
-          <p:cNvPr id="2" name="Title 1"/>
-          <p:cNvSpPr>
-            <a:spLocks noGrp="1"/>
-          </p:cNvSpPr>
-          <p:nvPr>
-            <p:ph type="title"/>
-          </p:nvPr>
-        </p:nvSpPr>
-        <p:spPr>
-          <a:xfrm>
-            <a:off x="839788" y="457200"/>
-            <a:ext cx="3932237" cy="1600200"/>
-          </a:xfrm>
-        </p:spPr>
-        <p:txBody>
-          <a:bodyPr anchor="b"/>
-          <a:lstStyle>
-            <a:lvl1pPr>
-              <a:defRPr sz="3200"/>
-            </a:lvl1pPr>
-          </a:lstStyle>
-          <a:p>
-            <a:r>
-              <a:rPr lang="en-US"/>
-              <a:t>Click to edit Master title style</a:t>
-            </a:r>
-            <a:endParaRPr lang="en-GB"/>
-          </a:p>
-        </p:txBody>
-      </p:sp>
-      <p:sp>
-        <p:nvSpPr>
-          <p:cNvPr id="3" name="Content Placeholder 2"/>
-          <p:cNvSpPr>
-            <a:spLocks noGrp="1"/>
-          </p:cNvSpPr>
-          <p:nvPr>
-            <p:ph idx="1"/>
-          </p:nvPr>
-        </p:nvSpPr>
-        <p:spPr>
-          <a:xfrm>
-            <a:off x="5183188" y="987425"/>
-            <a:ext cx="6172200" cy="4873625"/>
-          </a:xfrm>
-        </p:spPr>
-        <p:txBody>
-          <a:bodyPr/>
-          <a:lstStyle>
-            <a:lvl1pPr>
-              <a:defRPr sz="3200"/>
-            </a:lvl1pPr>
-            <a:lvl2pPr>
-              <a:defRPr sz="2800"/>
-            </a:lvl2pPr>
-            <a:lvl3pPr>
-              <a:defRPr sz="2400"/>
-            </a:lvl3pPr>
-            <a:lvl4pPr>
-              <a:defRPr sz="2000"/>
-            </a:lvl4pPr>
-            <a:lvl5pPr>
-              <a:defRPr sz="2000"/>
-            </a:lvl5pPr>
-            <a:lvl6pPr>
-              <a:defRPr sz="2000"/>
-            </a:lvl6pPr>
-            <a:lvl7pPr>
-              <a:defRPr sz="2000"/>
-            </a:lvl7pPr>
-            <a:lvl8pPr>
-              <a:defRPr sz="2000"/>
-            </a:lvl8pPr>
-            <a:lvl9pPr>
-              <a:defRPr sz="2000"/>
-            </a:lvl9pPr>
-          </a:lstStyle>
-          <a:p>
-            <a:pPr lvl="0"/>
-            <a:r>
-              <a:rPr lang="en-US"/>
-              <a:t>Click to edit Master text styles</a:t>
-            </a:r>
-          </a:p>
-          <a:p>
-            <a:pPr lvl="1"/>
-            <a:r>
-              <a:rPr lang="en-US"/>
-              <a:t>Second level</a:t>
-            </a:r>
-          </a:p>
-          <a:p>
-            <a:pPr lvl="2"/>
-            <a:r>
-              <a:rPr lang="en-US"/>
-              <a:t>Third level</a:t>
-            </a:r>
-          </a:p>
-          <a:p>
-            <a:pPr lvl="3"/>
-            <a:r>
-              <a:rPr lang="en-US"/>
-              <a:t>Fourth level</a:t>
-            </a:r>
-          </a:p>
-          <a:p>
-            <a:pPr lvl="4"/>
-            <a:r>
-              <a:rPr lang="en-US"/>
-              <a:t>Fifth level</a:t>
-            </a:r>
-            <a:endParaRPr lang="en-GB"/>
-          </a:p>
-        </p:txBody>
-      </p:sp>
-      <p:sp>
-        <p:nvSpPr>
-          <p:cNvPr id="4" name="Text Placeholder 3"/>
-          <p:cNvSpPr>
-            <a:spLocks noGrp="1"/>
-          </p:cNvSpPr>
-          <p:nvPr>
-            <p:ph type="body" sz="half" idx="2"/>
-          </p:nvPr>
-        </p:nvSpPr>
-        <p:spPr>
-          <a:xfrm>
-            <a:off x="839788" y="2057400"/>
-            <a:ext cx="3932237" cy="3811588"/>
-          </a:xfrm>
-        </p:spPr>
-        <p:txBody>
-          <a:bodyPr/>
-          <a:lstStyle>
-            <a:lvl1pPr marL="0" indent="0">
-              <a:buNone/>
-              <a:defRPr sz="1600"/>
-            </a:lvl1pPr>
-            <a:lvl2pPr marL="457200" indent="0">
-              <a:buNone/>
-              <a:defRPr sz="1400"/>
-            </a:lvl2pPr>
-            <a:lvl3pPr marL="914400" indent="0">
-              <a:buNone/>
-              <a:defRPr sz="1200"/>
-            </a:lvl3pPr>
-            <a:lvl4pPr marL="1371600" indent="0">
-              <a:buNone/>
-              <a:defRPr sz="1000"/>
-            </a:lvl4pPr>
-            <a:lvl5pPr marL="1828800" indent="0">
-              <a:buNone/>
-              <a:defRPr sz="1000"/>
-            </a:lvl5pPr>
-            <a:lvl6pPr marL="2286000" indent="0">
-              <a:buNone/>
-              <a:defRPr sz="1000"/>
-            </a:lvl6pPr>
-            <a:lvl7pPr marL="2743200" indent="0">
-              <a:buNone/>
-              <a:defRPr sz="1000"/>
-            </a:lvl7pPr>
-            <a:lvl8pPr marL="3200400" indent="0">
-              <a:buNone/>
-              <a:defRPr sz="1000"/>
-            </a:lvl8pPr>
-            <a:lvl9pPr marL="3657600" indent="0">
-              <a:buNone/>
-              <a:defRPr sz="1000"/>
-            </a:lvl9pPr>
-          </a:lstStyle>
-          <a:p>
-            <a:pPr lvl="0"/>
-            <a:r>
-              <a:rPr lang="en-US"/>
-              <a:t>Click to edit Master text styles</a:t>
-            </a:r>
-          </a:p>
-        </p:txBody>
-      </p:sp>
-      <p:sp>
-        <p:nvSpPr>
-          <p:cNvPr id="5" name="Date Placeholder 4"/>
-          <p:cNvSpPr>
-            <a:spLocks noGrp="1"/>
-          </p:cNvSpPr>
-          <p:nvPr>
-            <p:ph type="dt" sz="half" idx="10"/>
-          </p:nvPr>
-        </p:nvSpPr>
-        <p:spPr/>
-        <p:txBody>
-          <a:bodyPr/>
-          <a:lstStyle/>
-          <a:p>
-            <a:fld id="{85C97CF4-16F1-4F22-B78C-E10587E26689}" type="datetimeFigureOut">
-              <a:rPr lang="en-GB" smtClean="0"/>
-              <a:t>16/10/2018</a:t>
-            </a:fld>
-            <a:endParaRPr lang="en-GB" dirty="0"/>
-          </a:p>
-        </p:txBody>
-      </p:sp>
-      <p:sp>
-        <p:nvSpPr>
-          <p:cNvPr id="6" name="Footer Placeholder 5"/>
-          <p:cNvSpPr>
-            <a:spLocks noGrp="1"/>
-          </p:cNvSpPr>
-          <p:nvPr>
-            <p:ph type="ftr" sz="quarter" idx="11"/>
-          </p:nvPr>
-        </p:nvSpPr>
-        <p:spPr/>
-        <p:txBody>
-          <a:bodyPr/>
-          <a:lstStyle/>
-          <a:p>
-            <a:endParaRPr lang="en-GB" dirty="0"/>
-          </a:p>
-        </p:txBody>
-      </p:sp>
-      <p:sp>
-        <p:nvSpPr>
-          <p:cNvPr id="7" name="Slide Number Placeholder 6"/>
-          <p:cNvSpPr>
-            <a:spLocks noGrp="1"/>
-          </p:cNvSpPr>
-          <p:nvPr>
-            <p:ph type="sldNum" sz="quarter" idx="12"/>
-          </p:nvPr>
-        </p:nvSpPr>
-        <p:spPr/>
-        <p:txBody>
-          <a:bodyPr/>
-          <a:lstStyle/>
-          <a:p>
-            <a:fld id="{A9C3ADED-1E69-417A-9B48-888EEA2A20F8}" type="slidenum">
-              <a:rPr lang="en-GB" smtClean="0"/>
-              <a:t>‹#›</a:t>
-            </a:fld>
-            <a:endParaRPr lang="en-GB" dirty="0"/>
-          </a:p>
-        </p:txBody>
-      </p:sp>
-    </p:spTree>
-    <p:extLst>
-      <p:ext uri="{BB962C8B-B14F-4D97-AF65-F5344CB8AC3E}">
-        <p14:creationId xmlns:p14="http://schemas.microsoft.com/office/powerpoint/2010/main" val="3814122430"/>
-      </p:ext>
-    </p:extLst>
-  </p:cSld>
-  <p:clrMapOvr>
-    <a:masterClrMapping/>
-  </p:clrMapOvr>
-</p:sldLayout>
-</file>
-
-<file path=ppt/slideLayouts/slideLayout9.xml><?xml version="1.0" encoding="utf-8"?>
-<p:sldLayout xmlns:a="http://schemas.openxmlformats.org/drawingml/2006/main" xmlns:r="http://schemas.openxmlformats.org/officeDocument/2006/relationships" xmlns:p="http://schemas.openxmlformats.org/presentationml/2006/main" type="picTx" preserve="1">
-  <p:cSld name="Picture with Caption">
-    <p:spTree>
-      <p:nvGrpSpPr>
-        <p:cNvPr id="1" name=""/>
-        <p:cNvGrpSpPr/>
-        <p:nvPr/>
-      </p:nvGrpSpPr>
-      <p:grpSpPr>
-        <a:xfrm>
-          <a:off x="0" y="0"/>
-          <a:ext cx="0" cy="0"/>
-          <a:chOff x="0" y="0"/>
-          <a:chExt cx="0" cy="0"/>
-        </a:xfrm>
-      </p:grpSpPr>
-      <p:sp>
-        <p:nvSpPr>
-          <p:cNvPr id="2" name="Title 1"/>
-          <p:cNvSpPr>
-            <a:spLocks noGrp="1"/>
-          </p:cNvSpPr>
-          <p:nvPr>
-            <p:ph type="title"/>
-          </p:nvPr>
-        </p:nvSpPr>
-        <p:spPr>
-          <a:xfrm>
-            <a:off x="839788" y="457200"/>
-            <a:ext cx="3932237" cy="1600200"/>
-          </a:xfrm>
-        </p:spPr>
-        <p:txBody>
-          <a:bodyPr anchor="b"/>
-          <a:lstStyle>
-            <a:lvl1pPr>
-              <a:defRPr sz="3200"/>
-            </a:lvl1pPr>
-          </a:lstStyle>
-          <a:p>
-            <a:r>
-              <a:rPr lang="en-US"/>
-              <a:t>Click to edit Master title style</a:t>
-            </a:r>
-            <a:endParaRPr lang="en-GB"/>
-          </a:p>
-        </p:txBody>
-      </p:sp>
-      <p:sp>
-        <p:nvSpPr>
-          <p:cNvPr id="3" name="Picture Placeholder 2"/>
-          <p:cNvSpPr>
-            <a:spLocks noGrp="1"/>
-          </p:cNvSpPr>
-          <p:nvPr>
-            <p:ph type="pic" idx="1"/>
-          </p:nvPr>
-        </p:nvSpPr>
-        <p:spPr>
-          <a:xfrm>
-            <a:off x="5183188" y="987425"/>
-            <a:ext cx="6172200" cy="4873625"/>
-          </a:xfrm>
-        </p:spPr>
-        <p:txBody>
-          <a:bodyPr/>
-          <a:lstStyle>
-            <a:lvl1pPr marL="0" indent="0">
-              <a:buNone/>
-              <a:defRPr sz="3200"/>
-            </a:lvl1pPr>
-            <a:lvl2pPr marL="457200" indent="0">
-              <a:buNone/>
-              <a:defRPr sz="2800"/>
-            </a:lvl2pPr>
-            <a:lvl3pPr marL="914400" indent="0">
-              <a:buNone/>
-              <a:defRPr sz="2400"/>
-            </a:lvl3pPr>
-            <a:lvl4pPr marL="1371600" indent="0">
-              <a:buNone/>
-              <a:defRPr sz="2000"/>
-            </a:lvl4pPr>
-            <a:lvl5pPr marL="1828800" indent="0">
-              <a:buNone/>
-              <a:defRPr sz="2000"/>
-            </a:lvl5pPr>
-            <a:lvl6pPr marL="2286000" indent="0">
-              <a:buNone/>
-              <a:defRPr sz="2000"/>
-            </a:lvl6pPr>
-            <a:lvl7pPr marL="2743200" indent="0">
-              <a:buNone/>
-              <a:defRPr sz="2000"/>
-            </a:lvl7pPr>
-            <a:lvl8pPr marL="3200400" indent="0">
-              <a:buNone/>
-              <a:defRPr sz="2000"/>
-            </a:lvl8pPr>
-            <a:lvl9pPr marL="3657600" indent="0">
-              <a:buNone/>
-              <a:defRPr sz="2000"/>
-            </a:lvl9pPr>
-          </a:lstStyle>
-          <a:p>
-            <a:endParaRPr lang="en-GB" dirty="0"/>
-          </a:p>
-        </p:txBody>
-      </p:sp>
-      <p:sp>
-        <p:nvSpPr>
-          <p:cNvPr id="4" name="Text Placeholder 3"/>
-          <p:cNvSpPr>
-            <a:spLocks noGrp="1"/>
-          </p:cNvSpPr>
-          <p:nvPr>
-            <p:ph type="body" sz="half" idx="2"/>
-          </p:nvPr>
-        </p:nvSpPr>
-        <p:spPr>
-          <a:xfrm>
-            <a:off x="839788" y="2057400"/>
-            <a:ext cx="3932237" cy="3811588"/>
-          </a:xfrm>
-        </p:spPr>
-        <p:txBody>
-          <a:bodyPr/>
-          <a:lstStyle>
-            <a:lvl1pPr marL="0" indent="0">
-              <a:buNone/>
-              <a:defRPr sz="1600"/>
-            </a:lvl1pPr>
-            <a:lvl2pPr marL="457200" indent="0">
-              <a:buNone/>
-              <a:defRPr sz="1400"/>
-            </a:lvl2pPr>
-            <a:lvl3pPr marL="914400" indent="0">
-              <a:buNone/>
-              <a:defRPr sz="1200"/>
-            </a:lvl3pPr>
-            <a:lvl4pPr marL="1371600" indent="0">
-              <a:buNone/>
-              <a:defRPr sz="1000"/>
-            </a:lvl4pPr>
-            <a:lvl5pPr marL="1828800" indent="0">
-              <a:buNone/>
-              <a:defRPr sz="1000"/>
-            </a:lvl5pPr>
-            <a:lvl6pPr marL="2286000" indent="0">
-              <a:buNone/>
-              <a:defRPr sz="1000"/>
-            </a:lvl6pPr>
-            <a:lvl7pPr marL="2743200" indent="0">
-              <a:buNone/>
-              <a:defRPr sz="1000"/>
-            </a:lvl7pPr>
-            <a:lvl8pPr marL="3200400" indent="0">
-              <a:buNone/>
-              <a:defRPr sz="1000"/>
-            </a:lvl8pPr>
-            <a:lvl9pPr marL="3657600" indent="0">
-              <a:buNone/>
-              <a:defRPr sz="1000"/>
-            </a:lvl9pPr>
-          </a:lstStyle>
-          <a:p>
-            <a:pPr lvl="0"/>
-            <a:r>
-              <a:rPr lang="en-US"/>
-              <a:t>Click to edit Master text styles</a:t>
-            </a:r>
-          </a:p>
-        </p:txBody>
-      </p:sp>
-      <p:sp>
-        <p:nvSpPr>
-          <p:cNvPr id="5" name="Date Placeholder 4"/>
-          <p:cNvSpPr>
-            <a:spLocks noGrp="1"/>
-          </p:cNvSpPr>
-          <p:nvPr>
-            <p:ph type="dt" sz="half" idx="10"/>
-          </p:nvPr>
-        </p:nvSpPr>
-        <p:spPr/>
-        <p:txBody>
-          <a:bodyPr/>
-          <a:lstStyle/>
-          <a:p>
-            <a:fld id="{85C97CF4-16F1-4F22-B78C-E10587E26689}" type="datetimeFigureOut">
-              <a:rPr lang="en-GB" smtClean="0"/>
-              <a:t>16/10/2018</a:t>
-            </a:fld>
-            <a:endParaRPr lang="en-GB" dirty="0"/>
-          </a:p>
-        </p:txBody>
-      </p:sp>
-      <p:sp>
-        <p:nvSpPr>
-          <p:cNvPr id="6" name="Footer Placeholder 5"/>
-          <p:cNvSpPr>
-            <a:spLocks noGrp="1"/>
-          </p:cNvSpPr>
-          <p:nvPr>
-            <p:ph type="ftr" sz="quarter" idx="11"/>
-          </p:nvPr>
-        </p:nvSpPr>
-        <p:spPr/>
-        <p:txBody>
-          <a:bodyPr/>
-          <a:lstStyle/>
-          <a:p>
-            <a:endParaRPr lang="en-GB" dirty="0"/>
-          </a:p>
-        </p:txBody>
-      </p:sp>
-      <p:sp>
-        <p:nvSpPr>
-          <p:cNvPr id="7" name="Slide Number Placeholder 6"/>
-          <p:cNvSpPr>
-            <a:spLocks noGrp="1"/>
-          </p:cNvSpPr>
-          <p:nvPr>
-            <p:ph type="sldNum" sz="quarter" idx="12"/>
-          </p:nvPr>
-        </p:nvSpPr>
-        <p:spPr/>
-        <p:txBody>
-          <a:bodyPr/>
-          <a:lstStyle/>
-          <a:p>
-            <a:fld id="{A9C3ADED-1E69-417A-9B48-888EEA2A20F8}" type="slidenum">
-              <a:rPr lang="en-GB" smtClean="0"/>
-              <a:t>‹#›</a:t>
-            </a:fld>
-            <a:endParaRPr lang="en-GB" dirty="0"/>
-          </a:p>
-        </p:txBody>
-      </p:sp>
-    </p:spTree>
-    <p:extLst>
-      <p:ext uri="{BB962C8B-B14F-4D97-AF65-F5344CB8AC3E}">
-        <p14:creationId xmlns:p14="http://schemas.microsoft.com/office/powerpoint/2010/main" val="2212228394"/>
-      </p:ext>
-    </p:extLst>
-  </p:cSld>
-  <p:clrMapOvr>
-    <a:masterClrMapping/>
-  </p:clrMapOvr>
-</p:sldLayout>
-</file>
-
 <file path=ppt/slideMasters/slideMaster1.xml><?xml version="1.0" encoding="utf-8"?>
-<p:sldMaster xmlns:a="http://schemas.openxmlformats.org/drawingml/2006/main" xmlns:r="http://schemas.openxmlformats.org/officeDocument/2006/relationships" xmlns:p="http://schemas.openxmlformats.org/presentationml/2006/main">
-  <p:cSld>
-    <p:bg>
-      <p:bgRef idx="1001">
-        <a:schemeClr val="bg1"/>
-      </p:bgRef>
-    </p:bg>
-    <p:spTree>
-      <p:nvGrpSpPr>
-        <p:cNvPr id="1" name=""/>
-        <p:cNvGrpSpPr/>
-        <p:nvPr/>
-      </p:nvGrpSpPr>
-      <p:grpSpPr>
-        <a:xfrm>
-          <a:off x="0" y="0"/>
-          <a:ext cx="0" cy="0"/>
-          <a:chOff x="0" y="0"/>
-          <a:chExt cx="0" cy="0"/>
-        </a:xfrm>
-      </p:grpSpPr>
-      <p:sp>
-        <p:nvSpPr>
-          <p:cNvPr id="2" name="Title Placeholder 1"/>
-          <p:cNvSpPr>
-            <a:spLocks noGrp="1"/>
-          </p:cNvSpPr>
-          <p:nvPr>
-            <p:ph type="title"/>
-          </p:nvPr>
-        </p:nvSpPr>
-        <p:spPr>
-          <a:xfrm>
-            <a:off x="838200" y="365125"/>
-            <a:ext cx="10515600" cy="1325563"/>
-          </a:xfrm>
-          <a:prstGeom prst="rect">
-            <a:avLst/>
-          </a:prstGeom>
-        </p:spPr>
-        <p:txBody>
-          <a:bodyPr vert="horz" lIns="91440" tIns="45720" rIns="91440" bIns="45720" rtlCol="0" anchor="ctr">
-            <a:normAutofit/>
-          </a:bodyPr>
-          <a:lstStyle/>
-          <a:p>
-            <a:r>
-              <a:rPr lang="en-US"/>
-              <a:t>Click to edit Master title style</a:t>
-            </a:r>
-            <a:endParaRPr lang="en-GB"/>
-          </a:p>
-        </p:txBody>
-      </p:sp>
-      <p:sp>
-        <p:nvSpPr>
-          <p:cNvPr id="3" name="Text Placeholder 2"/>
-          <p:cNvSpPr>
-            <a:spLocks noGrp="1"/>
-          </p:cNvSpPr>
-          <p:nvPr>
-            <p:ph type="body" idx="1"/>
-          </p:nvPr>
-        </p:nvSpPr>
-        <p:spPr>
-          <a:xfrm>
-            <a:off x="838200" y="1825625"/>
-            <a:ext cx="10515600" cy="4351338"/>
-          </a:xfrm>
-          <a:prstGeom prst="rect">
-            <a:avLst/>
-          </a:prstGeom>
-        </p:spPr>
-        <p:txBody>
-          <a:bodyPr vert="horz" lIns="91440" tIns="45720" rIns="91440" bIns="45720" rtlCol="0">
-            <a:normAutofit/>
-          </a:bodyPr>
-          <a:lstStyle/>
-          <a:p>
-            <a:pPr lvl="0"/>
-            <a:r>
-              <a:rPr lang="en-US"/>
-              <a:t>Click to edit Master text styles</a:t>
-            </a:r>
-          </a:p>
-          <a:p>
-            <a:pPr lvl="1"/>
-            <a:r>
-              <a:rPr lang="en-US"/>
-              <a:t>Second level</a:t>
-            </a:r>
-          </a:p>
-          <a:p>
-            <a:pPr lvl="2"/>
-            <a:r>
-              <a:rPr lang="en-US"/>
-              <a:t>Third level</a:t>
-            </a:r>
-          </a:p>
-          <a:p>
-            <a:pPr lvl="3"/>
-            <a:r>
-              <a:rPr lang="en-US"/>
-              <a:t>Fourth level</a:t>
-            </a:r>
-          </a:p>
-          <a:p>
-            <a:pPr lvl="4"/>
-            <a:r>
-              <a:rPr lang="en-US"/>
-              <a:t>Fifth level</a:t>
-            </a:r>
-            <a:endParaRPr lang="en-GB"/>
-          </a:p>
-        </p:txBody>
-      </p:sp>
-      <p:sp>
-        <p:nvSpPr>
-          <p:cNvPr id="4" name="Date Placeholder 3"/>
-          <p:cNvSpPr>
-            <a:spLocks noGrp="1"/>
-          </p:cNvSpPr>
-          <p:nvPr>
-            <p:ph type="dt" sz="half" idx="2"/>
-          </p:nvPr>
-        </p:nvSpPr>
-        <p:spPr>
-          <a:xfrm>
-            <a:off x="838200" y="6356350"/>
-            <a:ext cx="2743200" cy="365125"/>
-          </a:xfrm>
-          <a:prstGeom prst="rect">
-            <a:avLst/>
-          </a:prstGeom>
-        </p:spPr>
-        <p:txBody>
-          <a:bodyPr vert="horz" lIns="91440" tIns="45720" rIns="91440" bIns="45720" rtlCol="0" anchor="ctr"/>
-          <a:lstStyle>
-            <a:lvl1pPr algn="l">
-              <a:defRPr sz="1200">
-                <a:solidFill>
-                  <a:schemeClr val="tx1">
-                    <a:tint val="75000"/>
-                  </a:schemeClr>
-                </a:solidFill>
-              </a:defRPr>
-            </a:lvl1pPr>
-          </a:lstStyle>
-          <a:p>
-            <a:fld id="{85C97CF4-16F1-4F22-B78C-E10587E26689}" type="datetimeFigureOut">
-              <a:rPr lang="en-GB" smtClean="0"/>
-              <a:t>16/10/2018</a:t>
-            </a:fld>
-            <a:endParaRPr lang="en-GB" dirty="0"/>
-          </a:p>
-        </p:txBody>
-      </p:sp>
-      <p:sp>
-        <p:nvSpPr>
-          <p:cNvPr id="5" name="Footer Placeholder 4"/>
-          <p:cNvSpPr>
-            <a:spLocks noGrp="1"/>
-          </p:cNvSpPr>
-          <p:nvPr>
-            <p:ph type="ftr" sz="quarter" idx="3"/>
-          </p:nvPr>
-        </p:nvSpPr>
-        <p:spPr>
-          <a:xfrm>
-            <a:off x="4038600" y="6356350"/>
-            <a:ext cx="4114800" cy="365125"/>
-          </a:xfrm>
-          <a:prstGeom prst="rect">
-            <a:avLst/>
-          </a:prstGeom>
-        </p:spPr>
-        <p:txBody>
-          <a:bodyPr vert="horz" lIns="91440" tIns="45720" rIns="91440" bIns="45720" rtlCol="0" anchor="ctr"/>
-          <a:lstStyle>
-            <a:lvl1pPr algn="ctr">
-              <a:defRPr sz="1200">
-                <a:solidFill>
-                  <a:schemeClr val="tx1">
-                    <a:tint val="75000"/>
-                  </a:schemeClr>
-                </a:solidFill>
-              </a:defRPr>
-            </a:lvl1pPr>
-          </a:lstStyle>
-          <a:p>
-            <a:endParaRPr lang="en-GB" dirty="0"/>
-          </a:p>
-        </p:txBody>
-      </p:sp>
-      <p:sp>
-        <p:nvSpPr>
-          <p:cNvPr id="6" name="Slide Number Placeholder 5"/>
-          <p:cNvSpPr>
-            <a:spLocks noGrp="1"/>
-          </p:cNvSpPr>
-          <p:nvPr>
-            <p:ph type="sldNum" sz="quarter" idx="4"/>
-          </p:nvPr>
-        </p:nvSpPr>
-        <p:spPr>
-          <a:xfrm>
-            <a:off x="8610600" y="6356350"/>
-            <a:ext cx="2743200" cy="365125"/>
-          </a:xfrm>
-          <a:prstGeom prst="rect">
-            <a:avLst/>
-          </a:prstGeom>
-        </p:spPr>
-        <p:txBody>
-          <a:bodyPr vert="horz" lIns="91440" tIns="45720" rIns="91440" bIns="45720" rtlCol="0" anchor="ctr"/>
-          <a:lstStyle>
-            <a:lvl1pPr algn="r">
-              <a:defRPr sz="1200">
-                <a:solidFill>
-                  <a:schemeClr val="tx1">
-                    <a:tint val="75000"/>
-                  </a:schemeClr>
-                </a:solidFill>
-              </a:defRPr>
-            </a:lvl1pPr>
-          </a:lstStyle>
-          <a:p>
-            <a:fld id="{A9C3ADED-1E69-417A-9B48-888EEA2A20F8}" type="slidenum">
-              <a:rPr lang="en-GB" smtClean="0"/>
-              <a:t>‹#›</a:t>
-            </a:fld>
-            <a:endParaRPr lang="en-GB" dirty="0"/>
-          </a:p>
-        </p:txBody>
-      </p:sp>
-    </p:spTree>
-    <p:extLst>
-      <p:ext uri="{BB962C8B-B14F-4D97-AF65-F5344CB8AC3E}">
-        <p14:creationId xmlns:p14="http://schemas.microsoft.com/office/powerpoint/2010/main" val="607719703"/>
-      </p:ext>
-    </p:extLst>
-  </p:cSld>
-  <p:clrMap bg1="lt1" tx1="dk1" bg2="lt2" tx2="dk2" accent1="accent1" accent2="accent2" accent3="accent3" accent4="accent4" accent5="accent5" accent6="accent6" hlink="hlink" folHlink="folHlink"/>
-  <p:sldLayoutIdLst>
-    <p:sldLayoutId id="2147483649" r:id="rId1"/>
-    <p:sldLayoutId id="2147483650" r:id="rId2"/>
-    <p:sldLayoutId id="2147483651" r:id="rId3"/>
-    <p:sldLayoutId id="2147483652" r:id="rId4"/>
-    <p:sldLayoutId id="2147483653" r:id="rId5"/>
-    <p:sldLayoutId id="2147483654" r:id="rId6"/>
-    <p:sldLayoutId id="2147483655" r:id="rId7"/>
-    <p:sldLayoutId id="2147483656" r:id="rId8"/>
-    <p:sldLayoutId id="2147483657" r:id="rId9"/>
-    <p:sldLayoutId id="2147483658" r:id="rId10"/>
-    <p:sldLayoutId id="2147483659" r:id="rId11"/>
-  </p:sldLayoutIdLst>
-  <p:txStyles>
-    <p:titleStyle>
-      <a:lvl1pPr algn="l" defTabSz="914400" rtl="0" eaLnBrk="1" latinLnBrk="0" hangingPunct="1">
-        <a:lnSpc>
-          <a:spcPct val="90000"/>
-        </a:lnSpc>
-        <a:spcBef>
-          <a:spcPct val="0"/>
-        </a:spcBef>
-        <a:buNone/>
-        <a:defRPr sz="4400" kern="1200">
-          <a:solidFill>
-            <a:schemeClr val="tx1"/>
-          </a:solidFill>
-          <a:latin typeface="+mj-lt"/>
-          <a:ea typeface="+mj-ea"/>
-          <a:cs typeface="+mj-cs"/>
-        </a:defRPr>
-      </a:lvl1pPr>
-    </p:titleStyle>
-    <p:bodyStyle>
-      <a:lvl1pPr marL="228600" indent="-228600" algn="l" defTabSz="914400" rtl="0" eaLnBrk="1" latinLnBrk="0" hangingPunct="1">
-        <a:lnSpc>
-          <a:spcPct val="90000"/>
-        </a:lnSpc>
-        <a:spcBef>
-          <a:spcPts val="1000"/>
-        </a:spcBef>
-        <a:buFont typeface="Arial" panose="020B0604020202020204" pitchFamily="34" charset="0"/>
-        <a:buChar char="•"/>
-        <a:defRPr sz="2800" kern="1200">
-          <a:solidFill>
-            <a:schemeClr val="tx1"/>
-          </a:solidFill>
-          <a:latin typeface="+mn-lt"/>
-          <a:ea typeface="+mn-ea"/>
-          <a:cs typeface="+mn-cs"/>
-        </a:defRPr>
-      </a:lvl1pPr>
-      <a:lvl2pPr marL="685800" indent="-228600" algn="l" defTabSz="914400" rtl="0" eaLnBrk="1" latinLnBrk="0" hangingPunct="1">
-        <a:lnSpc>
-          <a:spcPct val="90000"/>
-        </a:lnSpc>
-        <a:spcBef>
-          <a:spcPts val="500"/>
-        </a:spcBef>
-        <a:buFont typeface="Arial" panose="020B0604020202020204" pitchFamily="34" charset="0"/>
-        <a:buChar char="•"/>
-        <a:defRPr sz="2400" kern="1200">
-          <a:solidFill>
-            <a:schemeClr val="tx1"/>
-          </a:solidFill>
-          <a:latin typeface="+mn-lt"/>
-          <a:ea typeface="+mn-ea"/>
-          <a:cs typeface="+mn-cs"/>
-        </a:defRPr>
-      </a:lvl2pPr>
-      <a:lvl3pPr marL="1143000" indent="-228600" algn="l" defTabSz="914400" rtl="0" eaLnBrk="1" latinLnBrk="0" hangingPunct="1">
-        <a:lnSpc>
-          <a:spcPct val="90000"/>
-        </a:lnSpc>
-        <a:spcBef>
-          <a:spcPts val="500"/>
-        </a:spcBef>
-        <a:buFont typeface="Arial" panose="020B0604020202020204" pitchFamily="34" charset="0"/>
-        <a:buChar char="•"/>
-        <a:defRPr sz="2000" kern="1200">
-          <a:solidFill>
-            <a:schemeClr val="tx1"/>
-          </a:solidFill>
-          <a:latin typeface="+mn-lt"/>
-          <a:ea typeface="+mn-ea"/>
-          <a:cs typeface="+mn-cs"/>
-        </a:defRPr>
-      </a:lvl3pPr>
-      <a:lvl4pPr marL="1600200" indent="-228600" algn="l" defTabSz="914400" rtl="0" eaLnBrk="1" latinLnBrk="0" hangingPunct="1">
-        <a:lnSpc>
-          <a:spcPct val="90000"/>
-        </a:lnSpc>
-        <a:spcBef>
-          <a:spcPts val="500"/>
-        </a:spcBef>
-        <a:buFont typeface="Arial" panose="020B0604020202020204" pitchFamily="34" charset="0"/>
-        <a:buChar char="•"/>
-        <a:defRPr sz="1800" kern="1200">
-          <a:solidFill>
-            <a:schemeClr val="tx1"/>
-          </a:solidFill>
-          <a:latin typeface="+mn-lt"/>
-          <a:ea typeface="+mn-ea"/>
-          <a:cs typeface="+mn-cs"/>
-        </a:defRPr>
-      </a:lvl4pPr>
-      <a:lvl5pPr marL="2057400" indent="-228600" algn="l" defTabSz="914400" rtl="0" eaLnBrk="1" latinLnBrk="0" hangingPunct="1">
-        <a:lnSpc>
-          <a:spcPct val="90000"/>
-        </a:lnSpc>
-        <a:spcBef>
-          <a:spcPts val="500"/>
-        </a:spcBef>
-        <a:buFont typeface="Arial" panose="020B0604020202020204" pitchFamily="34" charset="0"/>
-        <a:buChar char="•"/>
-        <a:defRPr sz="1800" kern="1200">
-          <a:solidFill>
-            <a:schemeClr val="tx1"/>
-          </a:solidFill>
-          <a:latin typeface="+mn-lt"/>
-          <a:ea typeface="+mn-ea"/>
-          <a:cs typeface="+mn-cs"/>
-        </a:defRPr>
-      </a:lvl5pPr>
-      <a:lvl6pPr marL="2514600" indent="-228600" algn="l" defTabSz="914400" rtl="0" eaLnBrk="1" latinLnBrk="0" hangingPunct="1">
-        <a:lnSpc>
-          <a:spcPct val="90000"/>
-        </a:lnSpc>
-        <a:spcBef>
-          <a:spcPts val="500"/>
-        </a:spcBef>
-        <a:buFont typeface="Arial" panose="020B0604020202020204" pitchFamily="34" charset="0"/>
-        <a:buChar char="•"/>
-        <a:defRPr sz="1800" kern="1200">
-          <a:solidFill>
-            <a:schemeClr val="tx1"/>
-          </a:solidFill>
-          <a:latin typeface="+mn-lt"/>
-          <a:ea typeface="+mn-ea"/>
-          <a:cs typeface="+mn-cs"/>
-        </a:defRPr>
-      </a:lvl6pPr>
-      <a:lvl7pPr marL="2971800" indent="-228600" algn="l" defTabSz="914400" rtl="0" eaLnBrk="1" latinLnBrk="0" hangingPunct="1">
-        <a:lnSpc>
-          <a:spcPct val="90000"/>
-        </a:lnSpc>
-        <a:spcBef>
-          <a:spcPts val="500"/>
-        </a:spcBef>
-        <a:buFont typeface="Arial" panose="020B0604020202020204" pitchFamily="34" charset="0"/>
-        <a:buChar char="•"/>
-        <a:defRPr sz="1800" kern="1200">
-          <a:solidFill>
-            <a:schemeClr val="tx1"/>
-          </a:solidFill>
-          <a:latin typeface="+mn-lt"/>
-          <a:ea typeface="+mn-ea"/>
-          <a:cs typeface="+mn-cs"/>
-        </a:defRPr>
-      </a:lvl7pPr>
-      <a:lvl8pPr marL="3429000" indent="-228600" algn="l" defTabSz="914400" rtl="0" eaLnBrk="1" latinLnBrk="0" hangingPunct="1">
-        <a:lnSpc>
-          <a:spcPct val="90000"/>
-        </a:lnSpc>
-        <a:spcBef>
-          <a:spcPts val="500"/>
-        </a:spcBef>
-        <a:buFont typeface="Arial" panose="020B0604020202020204" pitchFamily="34" charset="0"/>
-        <a:buChar char="•"/>
-        <a:defRPr sz="1800" kern="1200">
-          <a:solidFill>
-            <a:schemeClr val="tx1"/>
-          </a:solidFill>
-          <a:latin typeface="+mn-lt"/>
-          <a:ea typeface="+mn-ea"/>
-          <a:cs typeface="+mn-cs"/>
-        </a:defRPr>
-      </a:lvl8pPr>
-      <a:lvl9pPr marL="3886200" indent="-228600" algn="l" defTabSz="914400" rtl="0" eaLnBrk="1" latinLnBrk="0" hangingPunct="1">
-        <a:lnSpc>
-          <a:spcPct val="90000"/>
-        </a:lnSpc>
-        <a:spcBef>
-          <a:spcPts val="500"/>
-        </a:spcBef>
-        <a:buFont typeface="Arial" panose="020B0604020202020204" pitchFamily="34" charset="0"/>
-        <a:buChar char="•"/>
-        <a:defRPr sz="1800" kern="1200">
-          <a:solidFill>
-            <a:schemeClr val="tx1"/>
-          </a:solidFill>
-          <a:latin typeface="+mn-lt"/>
-          <a:ea typeface="+mn-ea"/>
-          <a:cs typeface="+mn-cs"/>
-        </a:defRPr>
-      </a:lvl9pPr>
-    </p:bodyStyle>
-    <p:otherStyle>
-      <a:defPPr>
-        <a:defRPr lang="en-US"/>
-      </a:defPPr>
-      <a:lvl1pPr marL="0" algn="l" defTabSz="914400" rtl="0" eaLnBrk="1" latinLnBrk="0" hangingPunct="1">
-        <a:defRPr sz="1800" kern="1200">
-          <a:solidFill>
-            <a:schemeClr val="tx1"/>
-          </a:solidFill>
-          <a:latin typeface="+mn-lt"/>
-          <a:ea typeface="+mn-ea"/>
-          <a:cs typeface="+mn-cs"/>
-        </a:defRPr>
-      </a:lvl1pPr>
-      <a:lvl2pPr marL="457200" algn="l" defTabSz="914400" rtl="0" eaLnBrk="1" latinLnBrk="0" hangingPunct="1">
-        <a:defRPr sz="1800" kern="1200">
-          <a:solidFill>
-            <a:schemeClr val="tx1"/>
-          </a:solidFill>
-          <a:latin typeface="+mn-lt"/>
-          <a:ea typeface="+mn-ea"/>
-          <a:cs typeface="+mn-cs"/>
-        </a:defRPr>
-      </a:lvl2pPr>
-      <a:lvl3pPr marL="914400" algn="l" defTabSz="914400" rtl="0" eaLnBrk="1" latinLnBrk="0" hangingPunct="1">
-        <a:defRPr sz="1800" kern="1200">
-          <a:solidFill>
-            <a:schemeClr val="tx1"/>
-          </a:solidFill>
-          <a:latin typeface="+mn-lt"/>
-          <a:ea typeface="+mn-ea"/>
-          <a:cs typeface="+mn-cs"/>
-        </a:defRPr>
-      </a:lvl3pPr>
-      <a:lvl4pPr marL="1371600" algn="l" defTabSz="914400" rtl="0" eaLnBrk="1" latinLnBrk="0" hangingPunct="1">
-        <a:defRPr sz="1800" kern="1200">
-          <a:solidFill>
-            <a:schemeClr val="tx1"/>
-          </a:solidFill>
-          <a:latin typeface="+mn-lt"/>
-          <a:ea typeface="+mn-ea"/>
-          <a:cs typeface="+mn-cs"/>
-        </a:defRPr>
-      </a:lvl4pPr>
-      <a:lvl5pPr marL="1828800" algn="l" defTabSz="914400" rtl="0" eaLnBrk="1" latinLnBrk="0" hangingPunct="1">
-        <a:defRPr sz="1800" kern="1200">
-          <a:solidFill>
-            <a:schemeClr val="tx1"/>
-          </a:solidFill>
-          <a:latin typeface="+mn-lt"/>
-          <a:ea typeface="+mn-ea"/>
-          <a:cs typeface="+mn-cs"/>
-        </a:defRPr>
-      </a:lvl5pPr>
-      <a:lvl6pPr marL="2286000" algn="l" defTabSz="914400" rtl="0" eaLnBrk="1" latinLnBrk="0" hangingPunct="1">
-        <a:defRPr sz="1800" kern="1200">
-          <a:solidFill>
-            <a:schemeClr val="tx1"/>
-          </a:solidFill>
-          <a:latin typeface="+mn-lt"/>
-          <a:ea typeface="+mn-ea"/>
-          <a:cs typeface="+mn-cs"/>
-        </a:defRPr>
-      </a:lvl6pPr>
-      <a:lvl7pPr marL="2743200" algn="l" defTabSz="914400" rtl="0" eaLnBrk="1" latinLnBrk="0" hangingPunct="1">
-        <a:defRPr sz="1800" kern="1200">
-          <a:solidFill>
-            <a:schemeClr val="tx1"/>
-          </a:solidFill>
-          <a:latin typeface="+mn-lt"/>
-          <a:ea typeface="+mn-ea"/>
-          <a:cs typeface="+mn-cs"/>
-        </a:defRPr>
-      </a:lvl7pPr>
-      <a:lvl8pPr marL="3200400" algn="l" defTabSz="914400" rtl="0" eaLnBrk="1" latinLnBrk="0" hangingPunct="1">
-        <a:defRPr sz="1800" kern="1200">
-          <a:solidFill>
-            <a:schemeClr val="tx1"/>
-          </a:solidFill>
-          <a:latin typeface="+mn-lt"/>
-          <a:ea typeface="+mn-ea"/>
-          <a:cs typeface="+mn-cs"/>
-        </a:defRPr>
-      </a:lvl8pPr>
-      <a:lvl9pPr marL="3657600" algn="l" defTabSz="914400" rtl="0" eaLnBrk="1" latinLnBrk="0" hangingPunct="1">
-        <a:defRPr sz="1800" kern="1200">
-          <a:solidFill>
-            <a:schemeClr val="tx1"/>
-          </a:solidFill>
-          <a:latin typeface="+mn-lt"/>
-          <a:ea typeface="+mn-ea"/>
-          <a:cs typeface="+mn-cs"/>
-        </a:defRPr>
-      </a:lvl9pPr>
-    </p:otherStyle>
-  </p:txStyles>
-</p:sldMaster>
-</file>
-
-<file path=ppt/slideMasters/slideMaster2.xml><?xml version="1.0" encoding="utf-8"?>
 <p:sldMaster xmlns:a="http://schemas.openxmlformats.org/drawingml/2006/main" xmlns:r="http://schemas.openxmlformats.org/officeDocument/2006/relationships" xmlns:p="http://schemas.openxmlformats.org/presentationml/2006/main">
   <p:cSld>
     <p:bg>
@@ -7284,7 +4417,7 @@
 </p:sldMaster>
 </file>
 
-<file path=ppt/slideMasters/slideMaster3.xml><?xml version="1.0" encoding="utf-8"?>
+<file path=ppt/slideMasters/slideMaster2.xml><?xml version="1.0" encoding="utf-8"?>
 <p:sldMaster xmlns:a="http://schemas.openxmlformats.org/drawingml/2006/main" xmlns:r="http://schemas.openxmlformats.org/officeDocument/2006/relationships" xmlns:p="http://schemas.openxmlformats.org/presentationml/2006/main" preserve="1">
   <p:cSld>
     <p:bg>
@@ -9215,12 +6348,336 @@
           <a:chExt cx="0" cy="0"/>
         </a:xfrm>
       </p:grpSpPr>
+      <p:sp>
+        <p:nvSpPr>
+          <p:cNvPr id="11" name="TextBox 10"/>
+          <p:cNvSpPr txBox="1"/>
+          <p:nvPr/>
+        </p:nvSpPr>
+        <p:spPr>
+          <a:xfrm>
+            <a:off x="384980" y="319709"/>
+            <a:ext cx="8416120" cy="6740307"/>
+          </a:xfrm>
+          <a:prstGeom prst="rect">
+            <a:avLst/>
+          </a:prstGeom>
+          <a:noFill/>
+        </p:spPr>
+        <p:txBody>
+          <a:bodyPr wrap="square" rtlCol="0">
+            <a:spAutoFit/>
+          </a:bodyPr>
+          <a:lstStyle/>
+          <a:p>
+            <a:pPr marL="0" marR="0" lvl="0" indent="0" algn="l" defTabSz="914400" rtl="0" eaLnBrk="1" fontAlgn="auto" latinLnBrk="0" hangingPunct="1">
+              <a:lnSpc>
+                <a:spcPct val="100000"/>
+              </a:lnSpc>
+              <a:spcBef>
+                <a:spcPts val="0"/>
+              </a:spcBef>
+              <a:spcAft>
+                <a:spcPts val="0"/>
+              </a:spcAft>
+              <a:buClrTx/>
+              <a:buSzTx/>
+              <a:buFontTx/>
+              <a:buNone/>
+              <a:tabLst/>
+              <a:defRPr/>
+            </a:pPr>
+            <a:r>
+              <a:rPr lang="en-GB" sz="4000" b="1" dirty="0">
+                <a:latin typeface="Segoe UI Light" panose="020B0502040204020203" pitchFamily="34" charset="0"/>
+                <a:cs typeface="Segoe UI Light" panose="020B0502040204020203" pitchFamily="34" charset="0"/>
+              </a:rPr>
+              <a:t>Terry McCann</a:t>
+            </a:r>
+            <a:endParaRPr kumimoji="0" lang="en-GB" sz="4000" b="1" i="0" u="none" strike="noStrike" kern="1200" cap="none" spc="0" normalizeH="0" baseline="0" noProof="0" dirty="0">
+              <a:ln>
+                <a:noFill/>
+              </a:ln>
+              <a:effectLst/>
+              <a:uLnTx/>
+              <a:uFillTx/>
+              <a:latin typeface="Segoe UI Light" panose="020B0502040204020203" pitchFamily="34" charset="0"/>
+              <a:ea typeface="+mn-ea"/>
+              <a:cs typeface="Segoe UI Light" panose="020B0502040204020203" pitchFamily="34" charset="0"/>
+            </a:endParaRPr>
+          </a:p>
+          <a:p>
+            <a:pPr marL="0" marR="0" lvl="0" indent="0" algn="l" defTabSz="914400" rtl="0" eaLnBrk="1" fontAlgn="auto" latinLnBrk="0" hangingPunct="1">
+              <a:lnSpc>
+                <a:spcPct val="100000"/>
+              </a:lnSpc>
+              <a:spcBef>
+                <a:spcPts val="0"/>
+              </a:spcBef>
+              <a:spcAft>
+                <a:spcPts val="0"/>
+              </a:spcAft>
+              <a:buClrTx/>
+              <a:buSzTx/>
+              <a:buFontTx/>
+              <a:buNone/>
+              <a:tabLst/>
+              <a:defRPr/>
+            </a:pPr>
+            <a:endParaRPr kumimoji="0" lang="en-GB" sz="4000" b="1" i="0" u="none" strike="noStrike" kern="1200" cap="none" spc="0" normalizeH="0" baseline="0" noProof="0" dirty="0">
+              <a:ln>
+                <a:noFill/>
+              </a:ln>
+              <a:effectLst/>
+              <a:uLnTx/>
+              <a:uFillTx/>
+              <a:latin typeface="Segoe UI Light" panose="020B0502040204020203" pitchFamily="34" charset="0"/>
+              <a:ea typeface="+mn-ea"/>
+              <a:cs typeface="Segoe UI Light" panose="020B0502040204020203" pitchFamily="34" charset="0"/>
+            </a:endParaRPr>
+          </a:p>
+          <a:p>
+            <a:pPr marL="0" marR="0" lvl="0" indent="0" algn="l" defTabSz="914400" rtl="0" eaLnBrk="1" fontAlgn="auto" latinLnBrk="0" hangingPunct="1">
+              <a:lnSpc>
+                <a:spcPct val="150000"/>
+              </a:lnSpc>
+              <a:spcBef>
+                <a:spcPts val="0"/>
+              </a:spcBef>
+              <a:spcAft>
+                <a:spcPts val="0"/>
+              </a:spcAft>
+              <a:buClrTx/>
+              <a:buSzTx/>
+              <a:buFontTx/>
+              <a:buNone/>
+              <a:tabLst/>
+              <a:defRPr/>
+            </a:pPr>
+            <a:r>
+              <a:rPr lang="en-GB" sz="3200" dirty="0">
+                <a:latin typeface="Segoe UI Light" panose="020B0502040204020203" pitchFamily="34" charset="0"/>
+                <a:cs typeface="Segoe UI Light" panose="020B0502040204020203" pitchFamily="34" charset="0"/>
+              </a:rPr>
+              <a:t>Head of Data Science for Adatis.</a:t>
+            </a:r>
+            <a:endParaRPr kumimoji="0" lang="en-GB" sz="3200" b="0" i="0" u="none" strike="noStrike" kern="1200" cap="none" spc="0" normalizeH="0" baseline="0" noProof="0" dirty="0">
+              <a:ln>
+                <a:noFill/>
+              </a:ln>
+              <a:effectLst/>
+              <a:uLnTx/>
+              <a:uFillTx/>
+              <a:latin typeface="Segoe UI Light" panose="020B0502040204020203" pitchFamily="34" charset="0"/>
+              <a:ea typeface="+mn-ea"/>
+              <a:cs typeface="Segoe UI Light" panose="020B0502040204020203" pitchFamily="34" charset="0"/>
+            </a:endParaRPr>
+          </a:p>
+          <a:p>
+            <a:pPr marL="0" marR="0" lvl="0" indent="0" algn="l" defTabSz="914400" rtl="0" eaLnBrk="1" fontAlgn="auto" latinLnBrk="0" hangingPunct="1">
+              <a:lnSpc>
+                <a:spcPct val="150000"/>
+              </a:lnSpc>
+              <a:spcBef>
+                <a:spcPts val="0"/>
+              </a:spcBef>
+              <a:spcAft>
+                <a:spcPts val="0"/>
+              </a:spcAft>
+              <a:buClrTx/>
+              <a:buSzTx/>
+              <a:buFontTx/>
+              <a:buNone/>
+              <a:tabLst/>
+              <a:defRPr/>
+            </a:pPr>
+            <a:r>
+              <a:rPr kumimoji="0" lang="en-GB" sz="3200" b="0" i="0" u="none" strike="noStrike" kern="1200" cap="none" spc="0" normalizeH="0" baseline="0" noProof="0" dirty="0">
+                <a:ln>
+                  <a:noFill/>
+                </a:ln>
+                <a:effectLst/>
+                <a:uLnTx/>
+                <a:uFillTx/>
+                <a:latin typeface="Segoe UI Light" panose="020B0502040204020203" pitchFamily="34" charset="0"/>
+                <a:ea typeface="+mn-ea"/>
+                <a:cs typeface="Segoe UI Light" panose="020B0502040204020203" pitchFamily="34" charset="0"/>
+              </a:rPr>
+              <a:t>Microsoft Most Valuable Professional (MVP)</a:t>
+            </a:r>
+          </a:p>
+          <a:p>
+            <a:pPr marL="0" marR="0" lvl="0" indent="0" algn="l" defTabSz="914400" rtl="0" eaLnBrk="1" fontAlgn="auto" latinLnBrk="0" hangingPunct="1">
+              <a:lnSpc>
+                <a:spcPct val="150000"/>
+              </a:lnSpc>
+              <a:spcBef>
+                <a:spcPts val="0"/>
+              </a:spcBef>
+              <a:spcAft>
+                <a:spcPts val="0"/>
+              </a:spcAft>
+              <a:buClrTx/>
+              <a:buSzTx/>
+              <a:buFontTx/>
+              <a:buNone/>
+              <a:tabLst/>
+              <a:defRPr/>
+            </a:pPr>
+            <a:r>
+              <a:rPr kumimoji="0" lang="en-GB" sz="3200" b="0" i="0" u="none" strike="noStrike" kern="1200" cap="none" spc="0" normalizeH="0" baseline="0" noProof="0" dirty="0">
+                <a:ln>
+                  <a:noFill/>
+                </a:ln>
+                <a:effectLst/>
+                <a:uLnTx/>
+                <a:uFillTx/>
+                <a:latin typeface="Segoe UI Light" panose="020B0502040204020203" pitchFamily="34" charset="0"/>
+                <a:ea typeface="+mn-ea"/>
+                <a:cs typeface="Segoe UI Light" panose="020B0502040204020203" pitchFamily="34" charset="0"/>
+              </a:rPr>
+              <a:t>11+ Years working with data and engineering</a:t>
+            </a:r>
+          </a:p>
+          <a:p>
+            <a:pPr marL="0" marR="0" lvl="0" indent="0" algn="l" defTabSz="914400" rtl="0" eaLnBrk="1" fontAlgn="auto" latinLnBrk="0" hangingPunct="1">
+              <a:lnSpc>
+                <a:spcPct val="150000"/>
+              </a:lnSpc>
+              <a:spcBef>
+                <a:spcPts val="0"/>
+              </a:spcBef>
+              <a:spcAft>
+                <a:spcPts val="0"/>
+              </a:spcAft>
+              <a:buClrTx/>
+              <a:buSzTx/>
+              <a:buFontTx/>
+              <a:buNone/>
+              <a:tabLst/>
+              <a:defRPr/>
+            </a:pPr>
+            <a:r>
+              <a:rPr lang="en-GB" sz="3200" dirty="0">
+                <a:latin typeface="Segoe UI Light" panose="020B0502040204020203" pitchFamily="34" charset="0"/>
+                <a:cs typeface="Segoe UI Light" panose="020B0502040204020203" pitchFamily="34" charset="0"/>
+              </a:rPr>
+              <a:t>MSc in Data Science from Dundee</a:t>
+            </a:r>
+          </a:p>
+          <a:p>
+            <a:pPr marL="0" marR="0" lvl="0" indent="0" algn="l" defTabSz="914400" rtl="0" eaLnBrk="1" fontAlgn="auto" latinLnBrk="0" hangingPunct="1">
+              <a:lnSpc>
+                <a:spcPct val="150000"/>
+              </a:lnSpc>
+              <a:spcBef>
+                <a:spcPts val="0"/>
+              </a:spcBef>
+              <a:spcAft>
+                <a:spcPts val="0"/>
+              </a:spcAft>
+              <a:buClrTx/>
+              <a:buSzTx/>
+              <a:buFontTx/>
+              <a:buNone/>
+              <a:tabLst/>
+              <a:defRPr/>
+            </a:pPr>
+            <a:r>
+              <a:rPr lang="en-GB" sz="3200" dirty="0">
+                <a:latin typeface="Segoe UI Light" panose="020B0502040204020203" pitchFamily="34" charset="0"/>
+                <a:cs typeface="Segoe UI Light" panose="020B0502040204020203" pitchFamily="34" charset="0"/>
+              </a:rPr>
+              <a:t>I live in Devon with my Wife and little boy Dusty</a:t>
+            </a:r>
+          </a:p>
+          <a:p>
+            <a:pPr marL="0" marR="0" lvl="0" indent="0" algn="l" defTabSz="914400" rtl="0" eaLnBrk="1" fontAlgn="auto" latinLnBrk="0" hangingPunct="1">
+              <a:lnSpc>
+                <a:spcPct val="150000"/>
+              </a:lnSpc>
+              <a:spcBef>
+                <a:spcPts val="0"/>
+              </a:spcBef>
+              <a:spcAft>
+                <a:spcPts val="0"/>
+              </a:spcAft>
+              <a:buClrTx/>
+              <a:buSzTx/>
+              <a:buFontTx/>
+              <a:buNone/>
+              <a:tabLst/>
+              <a:defRPr/>
+            </a:pPr>
+            <a:r>
+              <a:rPr lang="en-GB" sz="3200" dirty="0">
+                <a:latin typeface="Segoe UI Light" panose="020B0502040204020203" pitchFamily="34" charset="0"/>
+                <a:cs typeface="Segoe UI Light" panose="020B0502040204020203" pitchFamily="34" charset="0"/>
+              </a:rPr>
+              <a:t>I love board games. </a:t>
+            </a:r>
+          </a:p>
+          <a:p>
+            <a:pPr marL="0" marR="0" lvl="0" indent="0" algn="l" defTabSz="914400" rtl="0" eaLnBrk="1" fontAlgn="auto" latinLnBrk="0" hangingPunct="1">
+              <a:lnSpc>
+                <a:spcPct val="100000"/>
+              </a:lnSpc>
+              <a:spcBef>
+                <a:spcPts val="0"/>
+              </a:spcBef>
+              <a:spcAft>
+                <a:spcPts val="0"/>
+              </a:spcAft>
+              <a:buClrTx/>
+              <a:buSzTx/>
+              <a:buFontTx/>
+              <a:buNone/>
+              <a:tabLst/>
+              <a:defRPr/>
+            </a:pPr>
+            <a:endParaRPr lang="en-GB" sz="3200" dirty="0">
+              <a:latin typeface="Segoe UI Light" panose="020B0502040204020203" pitchFamily="34" charset="0"/>
+              <a:cs typeface="Segoe UI Light" panose="020B0502040204020203" pitchFamily="34" charset="0"/>
+            </a:endParaRPr>
+          </a:p>
+          <a:p>
+            <a:pPr marL="0" marR="0" lvl="0" indent="0" algn="l" defTabSz="914400" rtl="0" eaLnBrk="1" fontAlgn="auto" latinLnBrk="0" hangingPunct="1">
+              <a:lnSpc>
+                <a:spcPct val="100000"/>
+              </a:lnSpc>
+              <a:spcBef>
+                <a:spcPts val="0"/>
+              </a:spcBef>
+              <a:spcAft>
+                <a:spcPts val="0"/>
+              </a:spcAft>
+              <a:buClrTx/>
+              <a:buSzTx/>
+              <a:buFontTx/>
+              <a:buNone/>
+              <a:tabLst/>
+              <a:defRPr/>
+            </a:pPr>
+            <a:endParaRPr kumimoji="0" lang="en-GB" sz="3200" b="0" i="0" u="none" strike="noStrike" kern="1200" cap="none" spc="0" normalizeH="0" baseline="0" noProof="0" dirty="0">
+              <a:ln>
+                <a:noFill/>
+              </a:ln>
+              <a:effectLst/>
+              <a:uLnTx/>
+              <a:uFillTx/>
+              <a:latin typeface="Segoe UI Light" panose="020B0502040204020203" pitchFamily="34" charset="0"/>
+              <a:ea typeface="+mn-ea"/>
+              <a:cs typeface="Segoe UI Light" panose="020B0502040204020203" pitchFamily="34" charset="0"/>
+            </a:endParaRPr>
+          </a:p>
+        </p:txBody>
+      </p:sp>
       <p:pic>
         <p:nvPicPr>
-          <p:cNvPr id="5" name="Picture 2" descr="https://www.mcubed.london/wp-content/uploads/2017/12/M3_Image_v1.jpg">
+          <p:cNvPr id="6" name="Picture 2" descr="https://avatars3.githubusercontent.com/u/12963406?s=460&amp;v=4">
             <a:extLst>
               <a:ext uri="{FF2B5EF4-FFF2-40B4-BE49-F238E27FC236}">
-                <a16:creationId xmlns:a16="http://schemas.microsoft.com/office/drawing/2014/main" id="{2F5924E0-F6FC-4DC4-9DE0-9C5315AB566F}"/>
+                <a16:creationId xmlns:a16="http://schemas.microsoft.com/office/drawing/2014/main" id="{BC108F6F-1672-4DDF-9C7A-B5A2DC67D122}"/>
               </a:ext>
             </a:extLst>
           </p:cNvPr>
@@ -9231,13 +6688,6 @@
         </p:nvPicPr>
         <p:blipFill>
           <a:blip r:embed="rId4">
-            <a:duotone>
-              <a:schemeClr val="bg2">
-                <a:shade val="45000"/>
-                <a:satMod val="135000"/>
-              </a:schemeClr>
-              <a:prstClr val="white"/>
-            </a:duotone>
             <a:extLst>
               <a:ext uri="{28A0092B-C50C-407E-A947-70E740481C1C}">
                 <a14:useLocalDpi xmlns:a14="http://schemas.microsoft.com/office/drawing/2010/main" val="0"/>
@@ -9250,25 +6700,83 @@
           </a:stretch>
         </p:blipFill>
         <p:spPr bwMode="auto">
-          <a:xfrm>
-            <a:off x="-8022" y="6266"/>
-            <a:ext cx="12192000" cy="6843713"/>
+          <a:xfrm rot="1176516">
+            <a:off x="8690472" y="433819"/>
+            <a:ext cx="3067709" cy="3067709"/>
           </a:xfrm>
-          <a:prstGeom prst="rect">
+          <a:prstGeom prst="ellipse">
             <a:avLst/>
           </a:prstGeom>
-          <a:noFill/>
-          <a:extLst>
-            <a:ext uri="{909E8E84-426E-40DD-AFC4-6F175D3DCCD1}">
-              <a14:hiddenFill xmlns:a14="http://schemas.microsoft.com/office/drawing/2010/main">
-                <a:solidFill>
-                  <a:srgbClr val="FFFFFF"/>
-                </a:solidFill>
-              </a14:hiddenFill>
-            </a:ext>
-          </a:extLst>
+          <a:solidFill>
+            <a:schemeClr val="bg1"/>
+          </a:solidFill>
+          <a:ln w="63500" cap="rnd">
+            <a:solidFill>
+              <a:srgbClr val="333333"/>
+            </a:solidFill>
+          </a:ln>
+          <a:effectLst>
+            <a:outerShdw blurRad="381000" dist="292100" dir="5400000" sx="-80000" sy="-18000" rotWithShape="0">
+              <a:srgbClr val="000000">
+                <a:alpha val="22000"/>
+              </a:srgbClr>
+            </a:outerShdw>
+          </a:effectLst>
+          <a:scene3d>
+            <a:camera prst="orthographicFront"/>
+            <a:lightRig rig="contrasting" dir="t">
+              <a:rot lat="0" lon="0" rev="3000000"/>
+            </a:lightRig>
+          </a:scene3d>
+          <a:sp3d contourW="7620">
+            <a:bevelT w="95250" h="31750"/>
+            <a:contourClr>
+              <a:srgbClr val="333333"/>
+            </a:contourClr>
+          </a:sp3d>
+          <a:extLst/>
         </p:spPr>
       </p:pic>
+    </p:spTree>
+    <p:extLst>
+      <p:ext uri="{BB962C8B-B14F-4D97-AF65-F5344CB8AC3E}">
+        <p14:creationId xmlns:p14="http://schemas.microsoft.com/office/powerpoint/2010/main" val="2183075475"/>
+      </p:ext>
+    </p:extLst>
+  </p:cSld>
+  <p:clrMapOvr>
+    <a:overrideClrMapping bg1="lt1" tx1="dk1" bg2="lt2" tx2="dk2" accent1="accent1" accent2="accent2" accent3="accent3" accent4="accent4" accent5="accent5" accent6="accent6" hlink="hlink" folHlink="folHlink"/>
+  </p:clrMapOvr>
+</p:sld>
+</file>
+
+<file path=ppt/slides/slide4.xml><?xml version="1.0" encoding="utf-8"?>
+<p:sld xmlns:a="http://schemas.openxmlformats.org/drawingml/2006/main" xmlns:r="http://schemas.openxmlformats.org/officeDocument/2006/relationships" xmlns:p="http://schemas.openxmlformats.org/presentationml/2006/main">
+  <p:cSld>
+    <p:bg>
+      <p:bgPr>
+        <a:solidFill>
+          <a:schemeClr val="bg1">
+            <a:lumMod val="95000"/>
+          </a:schemeClr>
+        </a:solidFill>
+        <a:effectLst/>
+      </p:bgPr>
+    </p:bg>
+    <p:spTree>
+      <p:nvGrpSpPr>
+        <p:cNvPr id="1" name=""/>
+        <p:cNvGrpSpPr/>
+        <p:nvPr/>
+      </p:nvGrpSpPr>
+      <p:grpSpPr>
+        <a:xfrm>
+          <a:off x="0" y="0"/>
+          <a:ext cx="0" cy="0"/>
+          <a:chOff x="0" y="0"/>
+          <a:chExt cx="0" cy="0"/>
+        </a:xfrm>
+      </p:grpSpPr>
       <p:sp>
         <p:nvSpPr>
           <p:cNvPr id="2" name="TextBox 1"/>
@@ -9277,7 +6785,7 @@
         </p:nvSpPr>
         <p:spPr>
           <a:xfrm>
-            <a:off x="187169" y="132746"/>
+            <a:off x="309997" y="709775"/>
             <a:ext cx="11668259" cy="769441"/>
           </a:xfrm>
           <a:prstGeom prst="rect">
@@ -9291,7 +6799,7 @@
           </a:bodyPr>
           <a:lstStyle/>
           <a:p>
-            <a:pPr marL="742950" marR="0" lvl="0" indent="-742950" algn="l" defTabSz="1219170" rtl="0" eaLnBrk="1" fontAlgn="auto" latinLnBrk="0" hangingPunct="1">
+            <a:pPr marL="0" marR="0" lvl="0" indent="0" algn="ctr" defTabSz="1219170" rtl="0" eaLnBrk="1" fontAlgn="auto" latinLnBrk="0" hangingPunct="1">
               <a:lnSpc>
                 <a:spcPct val="100000"/>
               </a:lnSpc>
@@ -9304,12 +6812,12 @@
               <a:buClrTx/>
               <a:buSzTx/>
               <a:buFontTx/>
-              <a:buAutoNum type="arabicPeriod"/>
+              <a:buNone/>
               <a:tabLst/>
               <a:defRPr/>
             </a:pPr>
             <a:r>
-              <a:rPr kumimoji="0" lang="en-GB" sz="4400" b="1" i="0" u="none" strike="noStrike" kern="1200" cap="none" spc="0" normalizeH="0" noProof="0" dirty="0">
+              <a:rPr kumimoji="0" lang="en-GB" sz="4400" b="1" i="0" u="none" strike="noStrike" kern="1200" cap="none" spc="0" normalizeH="0" baseline="0" noProof="0" dirty="0">
                 <a:ln>
                   <a:noFill/>
                 </a:ln>
@@ -9323,17 +6831,51 @@
                 <a:ea typeface="+mn-ea"/>
                 <a:cs typeface="Segoe UI Light" panose="020B0502040204020203" pitchFamily="34" charset="0"/>
               </a:rPr>
-              <a:t>Introductions</a:t>
+              <a:t>Over to </a:t>
+            </a:r>
+            <a:r>
+              <a:rPr kumimoji="0" lang="en-GB" sz="4400" b="1" i="1" u="none" strike="noStrike" kern="1200" cap="none" spc="0" normalizeH="0" baseline="0" noProof="0" dirty="0">
+                <a:ln>
+                  <a:noFill/>
+                </a:ln>
+                <a:solidFill>
+                  <a:srgbClr val="006FBA"/>
+                </a:solidFill>
+                <a:effectLst/>
+                <a:uLnTx/>
+                <a:uFillTx/>
+                <a:latin typeface="Segoe UI"/>
+                <a:ea typeface="+mn-ea"/>
+                <a:cs typeface="Segoe UI Light" panose="020B0502040204020203" pitchFamily="34" charset="0"/>
+              </a:rPr>
+              <a:t>You</a:t>
+            </a:r>
+            <a:r>
+              <a:rPr kumimoji="0" lang="en-GB" sz="4400" b="1" i="0" u="none" strike="noStrike" kern="1200" cap="none" spc="0" normalizeH="0" baseline="0" noProof="0" dirty="0">
+                <a:ln>
+                  <a:noFill/>
+                </a:ln>
+                <a:solidFill>
+                  <a:srgbClr val="000000"/>
+                </a:solidFill>
+                <a:effectLst/>
+                <a:uLnTx/>
+                <a:uFillTx/>
+                <a:latin typeface="Segoe UI Light" panose="020B0502040204020203" pitchFamily="34" charset="0"/>
+                <a:ea typeface="+mn-ea"/>
+                <a:cs typeface="Segoe UI Light" panose="020B0502040204020203" pitchFamily="34" charset="0"/>
+              </a:rPr>
+              <a:t>. </a:t>
             </a:r>
           </a:p>
         </p:txBody>
       </p:sp>
       <p:sp>
         <p:nvSpPr>
-          <p:cNvPr id="8" name="TextBox 7">
+          <p:cNvPr id="3" name="TextBox 2">
             <a:extLst>
               <a:ext uri="{FF2B5EF4-FFF2-40B4-BE49-F238E27FC236}">
-                <a16:creationId xmlns:a16="http://schemas.microsoft.com/office/drawing/2014/main" id="{1710E150-58A4-45A3-98ED-5D0E2C210595}"/>
+                <a16:creationId xmlns:a16="http://schemas.microsoft.com/office/drawing/2014/main" id="{3E2B20CE-C913-4D09-B02D-F9ABBF4C51D4}"/>
               </a:ext>
             </a:extLst>
           </p:cNvPr>
@@ -9342,8 +6884,922 @@
         </p:nvSpPr>
         <p:spPr>
           <a:xfrm>
-            <a:off x="187169" y="851663"/>
-            <a:ext cx="11668259" cy="769441"/>
+            <a:off x="2532648" y="2330658"/>
+            <a:ext cx="6833936" cy="769441"/>
+          </a:xfrm>
+          <a:prstGeom prst="rect">
+            <a:avLst/>
+          </a:prstGeom>
+        </p:spPr>
+        <p:txBody>
+          <a:bodyPr vert="horz" lIns="91440" tIns="45720" rIns="91440" bIns="45720" rtlCol="0" anchor="t">
+            <a:noAutofit/>
+          </a:bodyPr>
+          <a:lstStyle>
+            <a:defPPr>
+              <a:defRPr lang="en-US"/>
+            </a:defPPr>
+            <a:lvl1pPr defTabSz="457200">
+              <a:spcBef>
+                <a:spcPct val="0"/>
+              </a:spcBef>
+              <a:buNone/>
+              <a:defRPr sz="4000" kern="0">
+                <a:solidFill>
+                  <a:schemeClr val="bg1"/>
+                </a:solidFill>
+                <a:latin typeface="Segoe UI Light"/>
+              </a:defRPr>
+            </a:lvl1pPr>
+            <a:lvl2pPr>
+              <a:defRPr>
+                <a:solidFill>
+                  <a:schemeClr val="tx2"/>
+                </a:solidFill>
+              </a:defRPr>
+            </a:lvl2pPr>
+            <a:lvl3pPr>
+              <a:defRPr>
+                <a:solidFill>
+                  <a:schemeClr val="tx2"/>
+                </a:solidFill>
+              </a:defRPr>
+            </a:lvl3pPr>
+            <a:lvl4pPr>
+              <a:defRPr>
+                <a:solidFill>
+                  <a:schemeClr val="tx2"/>
+                </a:solidFill>
+              </a:defRPr>
+            </a:lvl4pPr>
+            <a:lvl5pPr>
+              <a:defRPr>
+                <a:solidFill>
+                  <a:schemeClr val="tx2"/>
+                </a:solidFill>
+              </a:defRPr>
+            </a:lvl5pPr>
+            <a:lvl6pPr>
+              <a:defRPr>
+                <a:solidFill>
+                  <a:schemeClr val="tx2"/>
+                </a:solidFill>
+              </a:defRPr>
+            </a:lvl6pPr>
+            <a:lvl7pPr>
+              <a:defRPr>
+                <a:solidFill>
+                  <a:schemeClr val="tx2"/>
+                </a:solidFill>
+              </a:defRPr>
+            </a:lvl7pPr>
+            <a:lvl8pPr>
+              <a:defRPr>
+                <a:solidFill>
+                  <a:schemeClr val="tx2"/>
+                </a:solidFill>
+              </a:defRPr>
+            </a:lvl8pPr>
+            <a:lvl9pPr>
+              <a:defRPr>
+                <a:solidFill>
+                  <a:schemeClr val="tx2"/>
+                </a:solidFill>
+              </a:defRPr>
+            </a:lvl9pPr>
+          </a:lstStyle>
+          <a:p>
+            <a:pPr marL="0" marR="0" lvl="0" indent="0" algn="ctr" defTabSz="457200" rtl="0" eaLnBrk="1" fontAlgn="auto" latinLnBrk="0" hangingPunct="1">
+              <a:lnSpc>
+                <a:spcPct val="100000"/>
+              </a:lnSpc>
+              <a:spcBef>
+                <a:spcPct val="0"/>
+              </a:spcBef>
+              <a:spcAft>
+                <a:spcPts val="0"/>
+              </a:spcAft>
+              <a:buClrTx/>
+              <a:buSzTx/>
+              <a:buFontTx/>
+              <a:buNone/>
+              <a:tabLst/>
+              <a:defRPr/>
+            </a:pPr>
+            <a:r>
+              <a:rPr kumimoji="0" lang="en-GB" sz="4000" b="0" i="0" u="none" strike="noStrike" kern="0" cap="none" spc="0" normalizeH="0" baseline="0" noProof="0" dirty="0">
+                <a:ln>
+                  <a:noFill/>
+                </a:ln>
+                <a:solidFill>
+                  <a:srgbClr val="000000"/>
+                </a:solidFill>
+                <a:effectLst/>
+                <a:uLnTx/>
+                <a:uFillTx/>
+                <a:latin typeface="Segoe UI Light"/>
+                <a:ea typeface="+mn-ea"/>
+                <a:cs typeface="+mn-cs"/>
+              </a:rPr>
+              <a:t>What is your name? </a:t>
+            </a:r>
+          </a:p>
+        </p:txBody>
+      </p:sp>
+      <p:sp>
+        <p:nvSpPr>
+          <p:cNvPr id="4" name="TextBox 3">
+            <a:extLst>
+              <a:ext uri="{FF2B5EF4-FFF2-40B4-BE49-F238E27FC236}">
+                <a16:creationId xmlns:a16="http://schemas.microsoft.com/office/drawing/2014/main" id="{CEF2CE52-4459-437C-AD73-F535C4F0479C}"/>
+              </a:ext>
+            </a:extLst>
+          </p:cNvPr>
+          <p:cNvSpPr txBox="1"/>
+          <p:nvPr/>
+        </p:nvSpPr>
+        <p:spPr>
+          <a:xfrm>
+            <a:off x="2588795" y="3044279"/>
+            <a:ext cx="6833936" cy="769441"/>
+          </a:xfrm>
+          <a:prstGeom prst="rect">
+            <a:avLst/>
+          </a:prstGeom>
+        </p:spPr>
+        <p:txBody>
+          <a:bodyPr vert="horz" lIns="91440" tIns="45720" rIns="91440" bIns="45720" rtlCol="0" anchor="t">
+            <a:noAutofit/>
+          </a:bodyPr>
+          <a:lstStyle>
+            <a:defPPr>
+              <a:defRPr lang="en-US"/>
+            </a:defPPr>
+            <a:lvl1pPr defTabSz="457200">
+              <a:spcBef>
+                <a:spcPct val="0"/>
+              </a:spcBef>
+              <a:buNone/>
+              <a:defRPr sz="4000" kern="0">
+                <a:solidFill>
+                  <a:schemeClr val="bg1"/>
+                </a:solidFill>
+                <a:latin typeface="Segoe UI Light"/>
+              </a:defRPr>
+            </a:lvl1pPr>
+            <a:lvl2pPr>
+              <a:defRPr>
+                <a:solidFill>
+                  <a:schemeClr val="tx2"/>
+                </a:solidFill>
+              </a:defRPr>
+            </a:lvl2pPr>
+            <a:lvl3pPr>
+              <a:defRPr>
+                <a:solidFill>
+                  <a:schemeClr val="tx2"/>
+                </a:solidFill>
+              </a:defRPr>
+            </a:lvl3pPr>
+            <a:lvl4pPr>
+              <a:defRPr>
+                <a:solidFill>
+                  <a:schemeClr val="tx2"/>
+                </a:solidFill>
+              </a:defRPr>
+            </a:lvl4pPr>
+            <a:lvl5pPr>
+              <a:defRPr>
+                <a:solidFill>
+                  <a:schemeClr val="tx2"/>
+                </a:solidFill>
+              </a:defRPr>
+            </a:lvl5pPr>
+            <a:lvl6pPr>
+              <a:defRPr>
+                <a:solidFill>
+                  <a:schemeClr val="tx2"/>
+                </a:solidFill>
+              </a:defRPr>
+            </a:lvl6pPr>
+            <a:lvl7pPr>
+              <a:defRPr>
+                <a:solidFill>
+                  <a:schemeClr val="tx2"/>
+                </a:solidFill>
+              </a:defRPr>
+            </a:lvl7pPr>
+            <a:lvl8pPr>
+              <a:defRPr>
+                <a:solidFill>
+                  <a:schemeClr val="tx2"/>
+                </a:solidFill>
+              </a:defRPr>
+            </a:lvl8pPr>
+            <a:lvl9pPr>
+              <a:defRPr>
+                <a:solidFill>
+                  <a:schemeClr val="tx2"/>
+                </a:solidFill>
+              </a:defRPr>
+            </a:lvl9pPr>
+          </a:lstStyle>
+          <a:p>
+            <a:pPr marL="0" marR="0" lvl="0" indent="0" algn="ctr" defTabSz="457200" rtl="0" eaLnBrk="1" fontAlgn="auto" latinLnBrk="0" hangingPunct="1">
+              <a:lnSpc>
+                <a:spcPct val="100000"/>
+              </a:lnSpc>
+              <a:spcBef>
+                <a:spcPct val="0"/>
+              </a:spcBef>
+              <a:spcAft>
+                <a:spcPts val="0"/>
+              </a:spcAft>
+              <a:buClrTx/>
+              <a:buSzTx/>
+              <a:buFontTx/>
+              <a:buNone/>
+              <a:tabLst/>
+              <a:defRPr/>
+            </a:pPr>
+            <a:r>
+              <a:rPr kumimoji="0" lang="en-GB" sz="4000" b="0" i="0" u="none" strike="noStrike" kern="0" cap="none" spc="0" normalizeH="0" baseline="0" noProof="0" dirty="0">
+                <a:ln>
+                  <a:noFill/>
+                </a:ln>
+                <a:solidFill>
+                  <a:srgbClr val="000000"/>
+                </a:solidFill>
+                <a:effectLst/>
+                <a:uLnTx/>
+                <a:uFillTx/>
+                <a:latin typeface="Segoe UI Light"/>
+                <a:ea typeface="+mn-ea"/>
+                <a:cs typeface="+mn-cs"/>
+              </a:rPr>
+              <a:t>What</a:t>
+            </a:r>
+            <a:r>
+              <a:rPr kumimoji="0" lang="en-GB" sz="4000" b="0" i="0" u="none" strike="noStrike" kern="0" cap="none" spc="0" normalizeH="0" noProof="0" dirty="0">
+                <a:ln>
+                  <a:noFill/>
+                </a:ln>
+                <a:solidFill>
+                  <a:srgbClr val="000000"/>
+                </a:solidFill>
+                <a:effectLst/>
+                <a:uLnTx/>
+                <a:uFillTx/>
+                <a:latin typeface="Segoe UI Light"/>
+                <a:ea typeface="+mn-ea"/>
+                <a:cs typeface="+mn-cs"/>
+              </a:rPr>
+              <a:t> do you do? </a:t>
+            </a:r>
+            <a:endParaRPr kumimoji="0" lang="en-GB" sz="4000" b="0" i="0" u="none" strike="noStrike" kern="0" cap="none" spc="0" normalizeH="0" baseline="0" noProof="0" dirty="0">
+              <a:ln>
+                <a:noFill/>
+              </a:ln>
+              <a:solidFill>
+                <a:srgbClr val="000000"/>
+              </a:solidFill>
+              <a:effectLst/>
+              <a:uLnTx/>
+              <a:uFillTx/>
+              <a:latin typeface="Segoe UI Light"/>
+              <a:ea typeface="+mn-ea"/>
+              <a:cs typeface="+mn-cs"/>
+            </a:endParaRPr>
+          </a:p>
+        </p:txBody>
+      </p:sp>
+      <p:sp>
+        <p:nvSpPr>
+          <p:cNvPr id="5" name="TextBox 4">
+            <a:extLst>
+              <a:ext uri="{FF2B5EF4-FFF2-40B4-BE49-F238E27FC236}">
+                <a16:creationId xmlns:a16="http://schemas.microsoft.com/office/drawing/2014/main" id="{C4243332-E9D6-4071-B11E-CC69D712213B}"/>
+              </a:ext>
+            </a:extLst>
+          </p:cNvPr>
+          <p:cNvSpPr txBox="1"/>
+          <p:nvPr/>
+        </p:nvSpPr>
+        <p:spPr>
+          <a:xfrm>
+            <a:off x="2679032" y="3757902"/>
+            <a:ext cx="6833936" cy="769441"/>
+          </a:xfrm>
+          <a:prstGeom prst="rect">
+            <a:avLst/>
+          </a:prstGeom>
+        </p:spPr>
+        <p:txBody>
+          <a:bodyPr vert="horz" lIns="91440" tIns="45720" rIns="91440" bIns="45720" rtlCol="0" anchor="t">
+            <a:noAutofit/>
+          </a:bodyPr>
+          <a:lstStyle>
+            <a:defPPr>
+              <a:defRPr lang="en-US"/>
+            </a:defPPr>
+            <a:lvl1pPr defTabSz="457200">
+              <a:spcBef>
+                <a:spcPct val="0"/>
+              </a:spcBef>
+              <a:buNone/>
+              <a:defRPr sz="4000" kern="0">
+                <a:solidFill>
+                  <a:schemeClr val="bg1"/>
+                </a:solidFill>
+                <a:latin typeface="Segoe UI Light"/>
+              </a:defRPr>
+            </a:lvl1pPr>
+            <a:lvl2pPr>
+              <a:defRPr>
+                <a:solidFill>
+                  <a:schemeClr val="tx2"/>
+                </a:solidFill>
+              </a:defRPr>
+            </a:lvl2pPr>
+            <a:lvl3pPr>
+              <a:defRPr>
+                <a:solidFill>
+                  <a:schemeClr val="tx2"/>
+                </a:solidFill>
+              </a:defRPr>
+            </a:lvl3pPr>
+            <a:lvl4pPr>
+              <a:defRPr>
+                <a:solidFill>
+                  <a:schemeClr val="tx2"/>
+                </a:solidFill>
+              </a:defRPr>
+            </a:lvl4pPr>
+            <a:lvl5pPr>
+              <a:defRPr>
+                <a:solidFill>
+                  <a:schemeClr val="tx2"/>
+                </a:solidFill>
+              </a:defRPr>
+            </a:lvl5pPr>
+            <a:lvl6pPr>
+              <a:defRPr>
+                <a:solidFill>
+                  <a:schemeClr val="tx2"/>
+                </a:solidFill>
+              </a:defRPr>
+            </a:lvl6pPr>
+            <a:lvl7pPr>
+              <a:defRPr>
+                <a:solidFill>
+                  <a:schemeClr val="tx2"/>
+                </a:solidFill>
+              </a:defRPr>
+            </a:lvl7pPr>
+            <a:lvl8pPr>
+              <a:defRPr>
+                <a:solidFill>
+                  <a:schemeClr val="tx2"/>
+                </a:solidFill>
+              </a:defRPr>
+            </a:lvl8pPr>
+            <a:lvl9pPr>
+              <a:defRPr>
+                <a:solidFill>
+                  <a:schemeClr val="tx2"/>
+                </a:solidFill>
+              </a:defRPr>
+            </a:lvl9pPr>
+          </a:lstStyle>
+          <a:p>
+            <a:pPr marL="0" marR="0" lvl="0" indent="0" algn="ctr" defTabSz="457200" rtl="0" eaLnBrk="1" fontAlgn="auto" latinLnBrk="0" hangingPunct="1">
+              <a:lnSpc>
+                <a:spcPct val="100000"/>
+              </a:lnSpc>
+              <a:spcBef>
+                <a:spcPct val="0"/>
+              </a:spcBef>
+              <a:spcAft>
+                <a:spcPts val="0"/>
+              </a:spcAft>
+              <a:buClrTx/>
+              <a:buSzTx/>
+              <a:buFontTx/>
+              <a:buNone/>
+              <a:tabLst/>
+              <a:defRPr/>
+            </a:pPr>
+            <a:r>
+              <a:rPr kumimoji="0" lang="en-GB" sz="4000" b="0" i="0" u="none" strike="noStrike" kern="0" cap="none" spc="0" normalizeH="0" baseline="0" noProof="0" dirty="0">
+                <a:ln>
+                  <a:noFill/>
+                </a:ln>
+                <a:solidFill>
+                  <a:srgbClr val="000000"/>
+                </a:solidFill>
+                <a:effectLst/>
+                <a:uLnTx/>
+                <a:uFillTx/>
+                <a:latin typeface="Segoe UI Light"/>
+                <a:ea typeface="+mn-ea"/>
+                <a:cs typeface="+mn-cs"/>
+              </a:rPr>
+              <a:t>Who do you work for?</a:t>
+            </a:r>
+          </a:p>
+        </p:txBody>
+      </p:sp>
+      <p:sp>
+        <p:nvSpPr>
+          <p:cNvPr id="6" name="TextBox 5">
+            <a:extLst>
+              <a:ext uri="{FF2B5EF4-FFF2-40B4-BE49-F238E27FC236}">
+                <a16:creationId xmlns:a16="http://schemas.microsoft.com/office/drawing/2014/main" id="{CD2280C4-E2EC-4DEE-B147-5AA64A799A4F}"/>
+              </a:ext>
+            </a:extLst>
+          </p:cNvPr>
+          <p:cNvSpPr txBox="1"/>
+          <p:nvPr/>
+        </p:nvSpPr>
+        <p:spPr>
+          <a:xfrm>
+            <a:off x="2301039" y="4471523"/>
+            <a:ext cx="7686173" cy="769441"/>
+          </a:xfrm>
+          <a:prstGeom prst="rect">
+            <a:avLst/>
+          </a:prstGeom>
+        </p:spPr>
+        <p:txBody>
+          <a:bodyPr vert="horz" lIns="91440" tIns="45720" rIns="91440" bIns="45720" rtlCol="0" anchor="t">
+            <a:noAutofit/>
+          </a:bodyPr>
+          <a:lstStyle>
+            <a:defPPr>
+              <a:defRPr lang="en-US"/>
+            </a:defPPr>
+            <a:lvl1pPr defTabSz="457200">
+              <a:spcBef>
+                <a:spcPct val="0"/>
+              </a:spcBef>
+              <a:buNone/>
+              <a:defRPr sz="4000" kern="0">
+                <a:solidFill>
+                  <a:schemeClr val="bg1"/>
+                </a:solidFill>
+                <a:latin typeface="Segoe UI Light"/>
+              </a:defRPr>
+            </a:lvl1pPr>
+            <a:lvl2pPr>
+              <a:defRPr>
+                <a:solidFill>
+                  <a:schemeClr val="tx2"/>
+                </a:solidFill>
+              </a:defRPr>
+            </a:lvl2pPr>
+            <a:lvl3pPr>
+              <a:defRPr>
+                <a:solidFill>
+                  <a:schemeClr val="tx2"/>
+                </a:solidFill>
+              </a:defRPr>
+            </a:lvl3pPr>
+            <a:lvl4pPr>
+              <a:defRPr>
+                <a:solidFill>
+                  <a:schemeClr val="tx2"/>
+                </a:solidFill>
+              </a:defRPr>
+            </a:lvl4pPr>
+            <a:lvl5pPr>
+              <a:defRPr>
+                <a:solidFill>
+                  <a:schemeClr val="tx2"/>
+                </a:solidFill>
+              </a:defRPr>
+            </a:lvl5pPr>
+            <a:lvl6pPr>
+              <a:defRPr>
+                <a:solidFill>
+                  <a:schemeClr val="tx2"/>
+                </a:solidFill>
+              </a:defRPr>
+            </a:lvl6pPr>
+            <a:lvl7pPr>
+              <a:defRPr>
+                <a:solidFill>
+                  <a:schemeClr val="tx2"/>
+                </a:solidFill>
+              </a:defRPr>
+            </a:lvl7pPr>
+            <a:lvl8pPr>
+              <a:defRPr>
+                <a:solidFill>
+                  <a:schemeClr val="tx2"/>
+                </a:solidFill>
+              </a:defRPr>
+            </a:lvl8pPr>
+            <a:lvl9pPr>
+              <a:defRPr>
+                <a:solidFill>
+                  <a:schemeClr val="tx2"/>
+                </a:solidFill>
+              </a:defRPr>
+            </a:lvl9pPr>
+          </a:lstStyle>
+          <a:p>
+            <a:pPr marL="0" marR="0" lvl="0" indent="0" algn="ctr" defTabSz="457200" rtl="0" eaLnBrk="1" fontAlgn="auto" latinLnBrk="0" hangingPunct="1">
+              <a:lnSpc>
+                <a:spcPct val="100000"/>
+              </a:lnSpc>
+              <a:spcBef>
+                <a:spcPct val="0"/>
+              </a:spcBef>
+              <a:spcAft>
+                <a:spcPts val="0"/>
+              </a:spcAft>
+              <a:buClrTx/>
+              <a:buSzTx/>
+              <a:buFontTx/>
+              <a:buNone/>
+              <a:tabLst/>
+              <a:defRPr/>
+            </a:pPr>
+            <a:r>
+              <a:rPr kumimoji="0" lang="en-GB" sz="4000" b="0" i="0" u="none" strike="noStrike" kern="0" cap="none" spc="0" normalizeH="0" baseline="0" noProof="0" dirty="0">
+                <a:ln>
+                  <a:noFill/>
+                </a:ln>
+                <a:solidFill>
+                  <a:srgbClr val="000000"/>
+                </a:solidFill>
+                <a:effectLst/>
+                <a:uLnTx/>
+                <a:uFillTx/>
+                <a:latin typeface="Segoe UI Light"/>
+                <a:ea typeface="+mn-ea"/>
+                <a:cs typeface="+mn-cs"/>
+              </a:rPr>
+              <a:t>What</a:t>
+            </a:r>
+            <a:r>
+              <a:rPr kumimoji="0" lang="en-GB" sz="4000" b="0" i="0" u="none" strike="noStrike" kern="0" cap="none" spc="0" normalizeH="0" noProof="0" dirty="0">
+                <a:ln>
+                  <a:noFill/>
+                </a:ln>
+                <a:solidFill>
+                  <a:srgbClr val="000000"/>
+                </a:solidFill>
+                <a:effectLst/>
+                <a:uLnTx/>
+                <a:uFillTx/>
+                <a:latin typeface="Segoe UI Light"/>
+                <a:ea typeface="+mn-ea"/>
+                <a:cs typeface="+mn-cs"/>
+              </a:rPr>
+              <a:t> do you want out of today? </a:t>
+            </a:r>
+            <a:endParaRPr kumimoji="0" lang="en-GB" sz="4000" b="0" i="0" u="none" strike="noStrike" kern="0" cap="none" spc="0" normalizeH="0" baseline="0" noProof="0" dirty="0">
+              <a:ln>
+                <a:noFill/>
+              </a:ln>
+              <a:solidFill>
+                <a:srgbClr val="000000"/>
+              </a:solidFill>
+              <a:effectLst/>
+              <a:uLnTx/>
+              <a:uFillTx/>
+              <a:latin typeface="Segoe UI Light"/>
+              <a:ea typeface="+mn-ea"/>
+              <a:cs typeface="+mn-cs"/>
+            </a:endParaRPr>
+          </a:p>
+        </p:txBody>
+      </p:sp>
+    </p:spTree>
+    <p:extLst>
+      <p:ext uri="{BB962C8B-B14F-4D97-AF65-F5344CB8AC3E}">
+        <p14:creationId xmlns:p14="http://schemas.microsoft.com/office/powerpoint/2010/main" val="2631434433"/>
+      </p:ext>
+    </p:extLst>
+  </p:cSld>
+  <p:clrMapOvr>
+    <a:overrideClrMapping bg1="lt1" tx1="dk1" bg2="lt2" tx2="dk2" accent1="accent1" accent2="accent2" accent3="accent3" accent4="accent4" accent5="accent5" accent6="accent6" hlink="hlink" folHlink="folHlink"/>
+  </p:clrMapOvr>
+  <p:timing>
+    <p:tnLst>
+      <p:par>
+        <p:cTn id="1" dur="indefinite" restart="never" nodeType="tmRoot">
+          <p:childTnLst>
+            <p:seq concurrent="1" nextAc="seek">
+              <p:cTn id="2" dur="indefinite" nodeType="mainSeq">
+                <p:childTnLst>
+                  <p:par>
+                    <p:cTn id="3" fill="hold">
+                      <p:stCondLst>
+                        <p:cond delay="indefinite"/>
+                      </p:stCondLst>
+                      <p:childTnLst>
+                        <p:par>
+                          <p:cTn id="4" fill="hold">
+                            <p:stCondLst>
+                              <p:cond delay="0"/>
+                            </p:stCondLst>
+                            <p:childTnLst>
+                              <p:par>
+                                <p:cTn id="5" presetID="10" presetClass="entr" presetSubtype="0" fill="hold" nodeType="clickEffect">
+                                  <p:stCondLst>
+                                    <p:cond delay="0"/>
+                                  </p:stCondLst>
+                                  <p:childTnLst>
+                                    <p:set>
+                                      <p:cBhvr>
+                                        <p:cTn id="6" dur="1" fill="hold">
+                                          <p:stCondLst>
+                                            <p:cond delay="0"/>
+                                          </p:stCondLst>
+                                        </p:cTn>
+                                        <p:tgtEl>
+                                          <p:spTgt spid="3">
+                                            <p:txEl>
+                                              <p:pRg st="0" end="0"/>
+                                            </p:txEl>
+                                          </p:spTgt>
+                                        </p:tgtEl>
+                                        <p:attrNameLst>
+                                          <p:attrName>style.visibility</p:attrName>
+                                        </p:attrNameLst>
+                                      </p:cBhvr>
+                                      <p:to>
+                                        <p:strVal val="visible"/>
+                                      </p:to>
+                                    </p:set>
+                                    <p:animEffect transition="in" filter="fade">
+                                      <p:cBhvr>
+                                        <p:cTn id="7" dur="500"/>
+                                        <p:tgtEl>
+                                          <p:spTgt spid="3">
+                                            <p:txEl>
+                                              <p:pRg st="0" end="0"/>
+                                            </p:txEl>
+                                          </p:spTgt>
+                                        </p:tgtEl>
+                                      </p:cBhvr>
+                                    </p:animEffect>
+                                  </p:childTnLst>
+                                </p:cTn>
+                              </p:par>
+                            </p:childTnLst>
+                          </p:cTn>
+                        </p:par>
+                      </p:childTnLst>
+                    </p:cTn>
+                  </p:par>
+                  <p:par>
+                    <p:cTn id="8" fill="hold">
+                      <p:stCondLst>
+                        <p:cond delay="indefinite"/>
+                      </p:stCondLst>
+                      <p:childTnLst>
+                        <p:par>
+                          <p:cTn id="9" fill="hold">
+                            <p:stCondLst>
+                              <p:cond delay="0"/>
+                            </p:stCondLst>
+                            <p:childTnLst>
+                              <p:par>
+                                <p:cTn id="10" presetID="10" presetClass="entr" presetSubtype="0" fill="hold" nodeType="clickEffect">
+                                  <p:stCondLst>
+                                    <p:cond delay="0"/>
+                                  </p:stCondLst>
+                                  <p:childTnLst>
+                                    <p:set>
+                                      <p:cBhvr>
+                                        <p:cTn id="11" dur="1" fill="hold">
+                                          <p:stCondLst>
+                                            <p:cond delay="0"/>
+                                          </p:stCondLst>
+                                        </p:cTn>
+                                        <p:tgtEl>
+                                          <p:spTgt spid="4">
+                                            <p:txEl>
+                                              <p:pRg st="0" end="0"/>
+                                            </p:txEl>
+                                          </p:spTgt>
+                                        </p:tgtEl>
+                                        <p:attrNameLst>
+                                          <p:attrName>style.visibility</p:attrName>
+                                        </p:attrNameLst>
+                                      </p:cBhvr>
+                                      <p:to>
+                                        <p:strVal val="visible"/>
+                                      </p:to>
+                                    </p:set>
+                                    <p:animEffect transition="in" filter="fade">
+                                      <p:cBhvr>
+                                        <p:cTn id="12" dur="500"/>
+                                        <p:tgtEl>
+                                          <p:spTgt spid="4">
+                                            <p:txEl>
+                                              <p:pRg st="0" end="0"/>
+                                            </p:txEl>
+                                          </p:spTgt>
+                                        </p:tgtEl>
+                                      </p:cBhvr>
+                                    </p:animEffect>
+                                  </p:childTnLst>
+                                </p:cTn>
+                              </p:par>
+                            </p:childTnLst>
+                          </p:cTn>
+                        </p:par>
+                      </p:childTnLst>
+                    </p:cTn>
+                  </p:par>
+                  <p:par>
+                    <p:cTn id="13" fill="hold">
+                      <p:stCondLst>
+                        <p:cond delay="indefinite"/>
+                      </p:stCondLst>
+                      <p:childTnLst>
+                        <p:par>
+                          <p:cTn id="14" fill="hold">
+                            <p:stCondLst>
+                              <p:cond delay="0"/>
+                            </p:stCondLst>
+                            <p:childTnLst>
+                              <p:par>
+                                <p:cTn id="15" presetID="10" presetClass="entr" presetSubtype="0" fill="hold" nodeType="clickEffect">
+                                  <p:stCondLst>
+                                    <p:cond delay="0"/>
+                                  </p:stCondLst>
+                                  <p:childTnLst>
+                                    <p:set>
+                                      <p:cBhvr>
+                                        <p:cTn id="16" dur="1" fill="hold">
+                                          <p:stCondLst>
+                                            <p:cond delay="0"/>
+                                          </p:stCondLst>
+                                        </p:cTn>
+                                        <p:tgtEl>
+                                          <p:spTgt spid="5">
+                                            <p:txEl>
+                                              <p:pRg st="0" end="0"/>
+                                            </p:txEl>
+                                          </p:spTgt>
+                                        </p:tgtEl>
+                                        <p:attrNameLst>
+                                          <p:attrName>style.visibility</p:attrName>
+                                        </p:attrNameLst>
+                                      </p:cBhvr>
+                                      <p:to>
+                                        <p:strVal val="visible"/>
+                                      </p:to>
+                                    </p:set>
+                                    <p:animEffect transition="in" filter="fade">
+                                      <p:cBhvr>
+                                        <p:cTn id="17" dur="500"/>
+                                        <p:tgtEl>
+                                          <p:spTgt spid="5">
+                                            <p:txEl>
+                                              <p:pRg st="0" end="0"/>
+                                            </p:txEl>
+                                          </p:spTgt>
+                                        </p:tgtEl>
+                                      </p:cBhvr>
+                                    </p:animEffect>
+                                  </p:childTnLst>
+                                </p:cTn>
+                              </p:par>
+                            </p:childTnLst>
+                          </p:cTn>
+                        </p:par>
+                      </p:childTnLst>
+                    </p:cTn>
+                  </p:par>
+                  <p:par>
+                    <p:cTn id="18" fill="hold">
+                      <p:stCondLst>
+                        <p:cond delay="indefinite"/>
+                      </p:stCondLst>
+                      <p:childTnLst>
+                        <p:par>
+                          <p:cTn id="19" fill="hold">
+                            <p:stCondLst>
+                              <p:cond delay="0"/>
+                            </p:stCondLst>
+                            <p:childTnLst>
+                              <p:par>
+                                <p:cTn id="20" presetID="10" presetClass="entr" presetSubtype="0" fill="hold" nodeType="clickEffect">
+                                  <p:stCondLst>
+                                    <p:cond delay="0"/>
+                                  </p:stCondLst>
+                                  <p:childTnLst>
+                                    <p:set>
+                                      <p:cBhvr>
+                                        <p:cTn id="21" dur="1" fill="hold">
+                                          <p:stCondLst>
+                                            <p:cond delay="0"/>
+                                          </p:stCondLst>
+                                        </p:cTn>
+                                        <p:tgtEl>
+                                          <p:spTgt spid="6">
+                                            <p:txEl>
+                                              <p:pRg st="0" end="0"/>
+                                            </p:txEl>
+                                          </p:spTgt>
+                                        </p:tgtEl>
+                                        <p:attrNameLst>
+                                          <p:attrName>style.visibility</p:attrName>
+                                        </p:attrNameLst>
+                                      </p:cBhvr>
+                                      <p:to>
+                                        <p:strVal val="visible"/>
+                                      </p:to>
+                                    </p:set>
+                                    <p:animEffect transition="in" filter="fade">
+                                      <p:cBhvr>
+                                        <p:cTn id="22" dur="500"/>
+                                        <p:tgtEl>
+                                          <p:spTgt spid="6">
+                                            <p:txEl>
+                                              <p:pRg st="0" end="0"/>
+                                            </p:txEl>
+                                          </p:spTgt>
+                                        </p:tgtEl>
+                                      </p:cBhvr>
+                                    </p:animEffect>
+                                  </p:childTnLst>
+                                </p:cTn>
+                              </p:par>
+                            </p:childTnLst>
+                          </p:cTn>
+                        </p:par>
+                      </p:childTnLst>
+                    </p:cTn>
+                  </p:par>
+                </p:childTnLst>
+              </p:cTn>
+              <p:prevCondLst>
+                <p:cond evt="onPrev" delay="0">
+                  <p:tgtEl>
+                    <p:sldTgt/>
+                  </p:tgtEl>
+                </p:cond>
+              </p:prevCondLst>
+              <p:nextCondLst>
+                <p:cond evt="onNext" delay="0">
+                  <p:tgtEl>
+                    <p:sldTgt/>
+                  </p:tgtEl>
+                </p:cond>
+              </p:nextCondLst>
+            </p:seq>
+          </p:childTnLst>
+        </p:cTn>
+      </p:par>
+    </p:tnLst>
+  </p:timing>
+</p:sld>
+</file>
+
+<file path=ppt/slides/slide5.xml><?xml version="1.0" encoding="utf-8"?>
+<p:sld xmlns:a="http://schemas.openxmlformats.org/drawingml/2006/main" xmlns:r="http://schemas.openxmlformats.org/officeDocument/2006/relationships" xmlns:p="http://schemas.openxmlformats.org/presentationml/2006/main">
+  <p:cSld>
+    <p:bg>
+      <p:bgPr>
+        <a:solidFill>
+          <a:schemeClr val="bg1">
+            <a:lumMod val="95000"/>
+          </a:schemeClr>
+        </a:solidFill>
+        <a:effectLst/>
+      </p:bgPr>
+    </p:bg>
+    <p:spTree>
+      <p:nvGrpSpPr>
+        <p:cNvPr id="1" name=""/>
+        <p:cNvGrpSpPr/>
+        <p:nvPr/>
+      </p:nvGrpSpPr>
+      <p:grpSpPr>
+        <a:xfrm>
+          <a:off x="0" y="0"/>
+          <a:ext cx="0" cy="0"/>
+          <a:chOff x="0" y="0"/>
+          <a:chExt cx="0" cy="0"/>
+        </a:xfrm>
+      </p:grpSpPr>
+      <p:sp>
+        <p:nvSpPr>
+          <p:cNvPr id="2" name="TextBox 1"/>
+          <p:cNvSpPr txBox="1"/>
+          <p:nvPr/>
+        </p:nvSpPr>
+        <p:spPr>
+          <a:xfrm>
+            <a:off x="187169" y="132746"/>
+            <a:ext cx="11668259" cy="6463308"/>
           </a:xfrm>
           <a:prstGeom prst="rect">
             <a:avLst/>
@@ -9356,531 +7812,168 @@
           </a:bodyPr>
           <a:lstStyle/>
           <a:p>
-            <a:pPr marR="0" lvl="0" algn="l" defTabSz="1219170" rtl="0" eaLnBrk="1" fontAlgn="auto" latinLnBrk="0" hangingPunct="1">
-              <a:lnSpc>
-                <a:spcPct val="100000"/>
-              </a:lnSpc>
-              <a:spcBef>
-                <a:spcPts val="0"/>
-              </a:spcBef>
-              <a:spcAft>
-                <a:spcPts val="0"/>
-              </a:spcAft>
-              <a:buClrTx/>
-              <a:buSzTx/>
-              <a:tabLst/>
-              <a:defRPr/>
-            </a:pPr>
-            <a:r>
-              <a:rPr kumimoji="0" lang="en-GB" sz="4400" b="1" i="0" u="none" strike="noStrike" kern="1200" cap="none" spc="0" normalizeH="0" noProof="0" dirty="0">
-                <a:ln>
-                  <a:noFill/>
-                </a:ln>
-                <a:solidFill>
-                  <a:srgbClr val="000000"/>
-                </a:solidFill>
-                <a:effectLst/>
-                <a:uLnTx/>
-                <a:uFillTx/>
-                <a:latin typeface="Segoe UI Light" panose="020B0502040204020203" pitchFamily="34" charset="0"/>
-                <a:ea typeface="+mn-ea"/>
-                <a:cs typeface="Segoe UI Light" panose="020B0502040204020203" pitchFamily="34" charset="0"/>
+            <a:r>
+              <a:rPr lang="en-GB" dirty="0"/>
+              <a:t>M0 - Title Intro Agenda</a:t>
+            </a:r>
+          </a:p>
+          <a:p>
+            <a:pPr lvl="1"/>
+            <a:r>
+              <a:rPr lang="en-GB" dirty="0"/>
+              <a:t>Lab 0 - Check everyone is set up</a:t>
+            </a:r>
+          </a:p>
+          <a:p>
+            <a:r>
+              <a:rPr lang="en-GB" dirty="0"/>
+              <a:t>M1 - Intro to Machine Learning with Python</a:t>
+            </a:r>
+          </a:p>
+          <a:p>
+            <a:pPr lvl="1"/>
+            <a:r>
+              <a:rPr lang="en-GB" dirty="0"/>
+              <a:t>Demo - Clustering</a:t>
+            </a:r>
+          </a:p>
+          <a:p>
+            <a:pPr lvl="1"/>
+            <a:r>
+              <a:rPr lang="en-GB" dirty="0"/>
+              <a:t>Demo - Regression</a:t>
+            </a:r>
+          </a:p>
+          <a:p>
+            <a:pPr lvl="1"/>
+            <a:r>
+              <a:rPr lang="en-GB" dirty="0"/>
+              <a:t>Demo - Classification</a:t>
+            </a:r>
+          </a:p>
+          <a:p>
+            <a:r>
+              <a:rPr lang="en-GB" dirty="0"/>
+              <a:t>M2 - Creating our first Machine learning model.</a:t>
+            </a:r>
+          </a:p>
+          <a:p>
+            <a:pPr lvl="1"/>
+            <a:r>
+              <a:rPr lang="en-GB" dirty="0"/>
+              <a:t>Demo - Creating a model - Diabetes Regression</a:t>
+            </a:r>
+          </a:p>
+          <a:p>
+            <a:pPr lvl="1"/>
+            <a:r>
+              <a:rPr lang="en-GB" dirty="0">
+                <a:hlinkClick r:id="rId4"/>
               </a:rPr>
-              <a:t>2.  Machine Learning</a:t>
-            </a:r>
-          </a:p>
-        </p:txBody>
-      </p:sp>
-      <p:sp>
-        <p:nvSpPr>
-          <p:cNvPr id="9" name="TextBox 8">
-            <a:extLst>
-              <a:ext uri="{FF2B5EF4-FFF2-40B4-BE49-F238E27FC236}">
-                <a16:creationId xmlns:a16="http://schemas.microsoft.com/office/drawing/2014/main" id="{DE6EC2C7-76DF-48ED-99E2-B0DB6FED09C2}"/>
-              </a:ext>
-            </a:extLst>
-          </p:cNvPr>
-          <p:cNvSpPr txBox="1"/>
-          <p:nvPr/>
-        </p:nvSpPr>
-        <p:spPr>
-          <a:xfrm>
-            <a:off x="187169" y="1570580"/>
-            <a:ext cx="11668259" cy="769441"/>
-          </a:xfrm>
-          <a:prstGeom prst="rect">
-            <a:avLst/>
-          </a:prstGeom>
-          <a:noFill/>
-        </p:spPr>
-        <p:txBody>
-          <a:bodyPr wrap="square" rtlCol="0">
-            <a:spAutoFit/>
-          </a:bodyPr>
-          <a:lstStyle/>
-          <a:p>
-            <a:pPr marR="0" lvl="0" algn="l" defTabSz="1219170" rtl="0" eaLnBrk="1" fontAlgn="auto" latinLnBrk="0" hangingPunct="1">
-              <a:lnSpc>
-                <a:spcPct val="100000"/>
-              </a:lnSpc>
-              <a:spcBef>
-                <a:spcPts val="0"/>
-              </a:spcBef>
-              <a:spcAft>
-                <a:spcPts val="0"/>
-              </a:spcAft>
-              <a:buClrTx/>
-              <a:buSzTx/>
-              <a:tabLst/>
-              <a:defRPr/>
-            </a:pPr>
-            <a:r>
-              <a:rPr kumimoji="0" lang="en-GB" sz="4400" b="1" i="0" u="none" strike="noStrike" kern="1200" cap="none" spc="0" normalizeH="0" noProof="0" dirty="0">
-                <a:ln>
-                  <a:noFill/>
-                </a:ln>
-                <a:solidFill>
-                  <a:srgbClr val="000000"/>
-                </a:solidFill>
-                <a:effectLst/>
-                <a:uLnTx/>
-                <a:uFillTx/>
-                <a:latin typeface="Segoe UI Light" panose="020B0502040204020203" pitchFamily="34" charset="0"/>
-                <a:ea typeface="+mn-ea"/>
-                <a:cs typeface="Segoe UI Light" panose="020B0502040204020203" pitchFamily="34" charset="0"/>
+              <a:t>Lab 1 - Creating a Python Model</a:t>
+            </a:r>
+            <a:endParaRPr lang="en-GB" dirty="0"/>
+          </a:p>
+          <a:p>
+            <a:r>
+              <a:rPr lang="en-GB" dirty="0"/>
+              <a:t>M3 - Python Serialisation.</a:t>
+            </a:r>
+          </a:p>
+          <a:p>
+            <a:pPr lvl="1"/>
+            <a:r>
+              <a:rPr lang="en-GB" dirty="0">
+                <a:hlinkClick r:id="rId5"/>
               </a:rPr>
-              <a:t>3.  Creating a Model in Python</a:t>
-            </a:r>
-          </a:p>
-        </p:txBody>
-      </p:sp>
-      <p:sp>
-        <p:nvSpPr>
-          <p:cNvPr id="10" name="TextBox 9">
-            <a:extLst>
-              <a:ext uri="{FF2B5EF4-FFF2-40B4-BE49-F238E27FC236}">
-                <a16:creationId xmlns:a16="http://schemas.microsoft.com/office/drawing/2014/main" id="{76779BD1-C949-4604-8092-21E492AA339B}"/>
-              </a:ext>
-            </a:extLst>
-          </p:cNvPr>
-          <p:cNvSpPr txBox="1"/>
-          <p:nvPr/>
-        </p:nvSpPr>
-        <p:spPr>
-          <a:xfrm>
-            <a:off x="187169" y="2289497"/>
-            <a:ext cx="7356631" cy="769441"/>
-          </a:xfrm>
-          <a:prstGeom prst="rect">
-            <a:avLst/>
-          </a:prstGeom>
-          <a:noFill/>
-        </p:spPr>
-        <p:txBody>
-          <a:bodyPr wrap="square" rtlCol="0">
-            <a:spAutoFit/>
-          </a:bodyPr>
-          <a:lstStyle/>
-          <a:p>
-            <a:pPr marR="0" lvl="0" algn="l" defTabSz="1219170" rtl="0" eaLnBrk="1" fontAlgn="auto" latinLnBrk="0" hangingPunct="1">
-              <a:lnSpc>
-                <a:spcPct val="100000"/>
-              </a:lnSpc>
-              <a:spcBef>
-                <a:spcPts val="0"/>
-              </a:spcBef>
-              <a:spcAft>
-                <a:spcPts val="0"/>
-              </a:spcAft>
-              <a:buClrTx/>
-              <a:buSzTx/>
-              <a:tabLst/>
-              <a:defRPr/>
-            </a:pPr>
-            <a:r>
-              <a:rPr lang="en-GB" sz="4400" b="1" dirty="0">
-                <a:solidFill>
-                  <a:srgbClr val="000000"/>
-                </a:solidFill>
-                <a:latin typeface="Segoe UI Light" panose="020B0502040204020203" pitchFamily="34" charset="0"/>
-                <a:cs typeface="Segoe UI Light" panose="020B0502040204020203" pitchFamily="34" charset="0"/>
+              <a:t>Lab 2 - The basics of serialisation in Python</a:t>
+            </a:r>
+            <a:endParaRPr lang="en-GB" dirty="0"/>
+          </a:p>
+          <a:p>
+            <a:r>
+              <a:rPr lang="en-GB" dirty="0"/>
+              <a:t>M4 - Creating REST APIs</a:t>
+            </a:r>
+          </a:p>
+          <a:p>
+            <a:pPr lvl="1"/>
+            <a:r>
+              <a:rPr lang="en-GB" dirty="0">
+                <a:hlinkClick r:id="rId6"/>
               </a:rPr>
-              <a:t>4.   What is DevOps </a:t>
-            </a:r>
-            <a:endParaRPr kumimoji="0" lang="en-GB" sz="4400" b="1" i="0" u="none" strike="noStrike" kern="1200" cap="none" spc="0" normalizeH="0" noProof="0" dirty="0">
-              <a:ln>
-                <a:noFill/>
-              </a:ln>
-              <a:solidFill>
-                <a:srgbClr val="000000"/>
-              </a:solidFill>
-              <a:effectLst/>
-              <a:uLnTx/>
-              <a:uFillTx/>
-              <a:latin typeface="Segoe UI Light" panose="020B0502040204020203" pitchFamily="34" charset="0"/>
-              <a:ea typeface="+mn-ea"/>
-              <a:cs typeface="Segoe UI Light" panose="020B0502040204020203" pitchFamily="34" charset="0"/>
-            </a:endParaRPr>
-          </a:p>
-        </p:txBody>
-      </p:sp>
-      <p:sp>
-        <p:nvSpPr>
-          <p:cNvPr id="11" name="TextBox 10">
-            <a:extLst>
-              <a:ext uri="{FF2B5EF4-FFF2-40B4-BE49-F238E27FC236}">
-                <a16:creationId xmlns:a16="http://schemas.microsoft.com/office/drawing/2014/main" id="{612E38B6-50C0-490C-82B0-EECC117836EC}"/>
-              </a:ext>
-            </a:extLst>
-          </p:cNvPr>
-          <p:cNvSpPr txBox="1"/>
-          <p:nvPr/>
-        </p:nvSpPr>
-        <p:spPr>
-          <a:xfrm>
-            <a:off x="187169" y="3008414"/>
-            <a:ext cx="11668259" cy="769441"/>
-          </a:xfrm>
-          <a:prstGeom prst="rect">
-            <a:avLst/>
-          </a:prstGeom>
-          <a:noFill/>
-        </p:spPr>
-        <p:txBody>
-          <a:bodyPr wrap="square" rtlCol="0">
-            <a:spAutoFit/>
-          </a:bodyPr>
-          <a:lstStyle/>
-          <a:p>
-            <a:pPr marR="0" lvl="0" algn="l" defTabSz="1219170" rtl="0" eaLnBrk="1" fontAlgn="auto" latinLnBrk="0" hangingPunct="1">
-              <a:lnSpc>
-                <a:spcPct val="100000"/>
-              </a:lnSpc>
-              <a:spcBef>
-                <a:spcPts val="0"/>
-              </a:spcBef>
-              <a:spcAft>
-                <a:spcPts val="0"/>
-              </a:spcAft>
-              <a:buClrTx/>
-              <a:buSzTx/>
-              <a:tabLst/>
-              <a:defRPr/>
-            </a:pPr>
-            <a:r>
-              <a:rPr lang="en-GB" sz="4400" b="1" noProof="0" dirty="0">
-                <a:solidFill>
-                  <a:srgbClr val="000000"/>
-                </a:solidFill>
-                <a:latin typeface="Segoe UI Light" panose="020B0502040204020203" pitchFamily="34" charset="0"/>
-                <a:cs typeface="Segoe UI Light" panose="020B0502040204020203" pitchFamily="34" charset="0"/>
+              <a:t>Lab 3 - Adding Flask to our model to expose an API</a:t>
+            </a:r>
+            <a:endParaRPr lang="en-GB" dirty="0"/>
+          </a:p>
+          <a:p>
+            <a:r>
+              <a:rPr lang="en-GB" dirty="0"/>
+              <a:t>M5 - An introduction to Docker</a:t>
+            </a:r>
+          </a:p>
+          <a:p>
+            <a:pPr lvl="1"/>
+            <a:r>
+              <a:rPr lang="en-GB" dirty="0">
+                <a:hlinkClick r:id="rId7"/>
               </a:rPr>
-              <a:t>5.   Docker and Docker-Compose</a:t>
-            </a:r>
-            <a:endParaRPr kumimoji="0" lang="en-GB" sz="4400" b="1" i="0" u="none" strike="noStrike" kern="1200" cap="none" spc="0" normalizeH="0" noProof="0" dirty="0">
-              <a:ln>
-                <a:noFill/>
-              </a:ln>
-              <a:solidFill>
-                <a:srgbClr val="000000"/>
-              </a:solidFill>
-              <a:effectLst/>
-              <a:uLnTx/>
-              <a:uFillTx/>
-              <a:latin typeface="Segoe UI Light" panose="020B0502040204020203" pitchFamily="34" charset="0"/>
-              <a:ea typeface="+mn-ea"/>
-              <a:cs typeface="Segoe UI Light" panose="020B0502040204020203" pitchFamily="34" charset="0"/>
-            </a:endParaRPr>
-          </a:p>
-        </p:txBody>
-      </p:sp>
-      <p:sp>
-        <p:nvSpPr>
-          <p:cNvPr id="12" name="TextBox 11">
-            <a:extLst>
-              <a:ext uri="{FF2B5EF4-FFF2-40B4-BE49-F238E27FC236}">
-                <a16:creationId xmlns:a16="http://schemas.microsoft.com/office/drawing/2014/main" id="{66519D9F-81EE-4E81-8737-C0B6A5057AF2}"/>
-              </a:ext>
-            </a:extLst>
-          </p:cNvPr>
-          <p:cNvSpPr txBox="1"/>
-          <p:nvPr/>
-        </p:nvSpPr>
-        <p:spPr>
-          <a:xfrm>
-            <a:off x="187169" y="3727331"/>
-            <a:ext cx="11668259" cy="769441"/>
-          </a:xfrm>
-          <a:prstGeom prst="rect">
-            <a:avLst/>
-          </a:prstGeom>
-          <a:noFill/>
-        </p:spPr>
-        <p:txBody>
-          <a:bodyPr wrap="square" rtlCol="0">
-            <a:spAutoFit/>
-          </a:bodyPr>
-          <a:lstStyle/>
-          <a:p>
-            <a:pPr marR="0" lvl="0" algn="l" defTabSz="1219170" rtl="0" eaLnBrk="1" fontAlgn="auto" latinLnBrk="0" hangingPunct="1">
-              <a:lnSpc>
-                <a:spcPct val="100000"/>
-              </a:lnSpc>
-              <a:spcBef>
-                <a:spcPts val="0"/>
-              </a:spcBef>
-              <a:spcAft>
-                <a:spcPts val="0"/>
-              </a:spcAft>
-              <a:buClrTx/>
-              <a:buSzTx/>
-              <a:tabLst/>
-              <a:defRPr/>
-            </a:pPr>
-            <a:r>
-              <a:rPr lang="en-GB" sz="4400" b="1" noProof="0" dirty="0">
-                <a:solidFill>
-                  <a:srgbClr val="000000"/>
-                </a:solidFill>
-                <a:latin typeface="Segoe UI Light" panose="020B0502040204020203" pitchFamily="34" charset="0"/>
-                <a:cs typeface="Segoe UI Light" panose="020B0502040204020203" pitchFamily="34" charset="0"/>
-              </a:rPr>
-              <a:t>6.   Kubernetes and Helm</a:t>
-            </a:r>
-            <a:endParaRPr kumimoji="0" lang="en-GB" sz="4400" b="1" i="0" u="none" strike="noStrike" kern="1200" cap="none" spc="0" normalizeH="0" noProof="0" dirty="0">
-              <a:ln>
-                <a:noFill/>
-              </a:ln>
-              <a:solidFill>
-                <a:srgbClr val="000000"/>
-              </a:solidFill>
-              <a:effectLst/>
-              <a:uLnTx/>
-              <a:uFillTx/>
-              <a:latin typeface="Segoe UI Light" panose="020B0502040204020203" pitchFamily="34" charset="0"/>
-              <a:ea typeface="+mn-ea"/>
-              <a:cs typeface="Segoe UI Light" panose="020B0502040204020203" pitchFamily="34" charset="0"/>
-            </a:endParaRPr>
-          </a:p>
-        </p:txBody>
-      </p:sp>
-      <p:sp>
-        <p:nvSpPr>
-          <p:cNvPr id="13" name="TextBox 12">
-            <a:extLst>
-              <a:ext uri="{FF2B5EF4-FFF2-40B4-BE49-F238E27FC236}">
-                <a16:creationId xmlns:a16="http://schemas.microsoft.com/office/drawing/2014/main" id="{195A213D-C843-4F1E-B11C-6879FF485252}"/>
-              </a:ext>
-            </a:extLst>
-          </p:cNvPr>
-          <p:cNvSpPr txBox="1"/>
-          <p:nvPr/>
-        </p:nvSpPr>
-        <p:spPr>
-          <a:xfrm>
-            <a:off x="187169" y="4446248"/>
-            <a:ext cx="11668259" cy="769441"/>
-          </a:xfrm>
-          <a:prstGeom prst="rect">
-            <a:avLst/>
-          </a:prstGeom>
-          <a:noFill/>
-        </p:spPr>
-        <p:txBody>
-          <a:bodyPr wrap="square" rtlCol="0">
-            <a:spAutoFit/>
-          </a:bodyPr>
-          <a:lstStyle/>
-          <a:p>
-            <a:pPr marR="0" lvl="0" algn="l" defTabSz="1219170" rtl="0" eaLnBrk="1" fontAlgn="auto" latinLnBrk="0" hangingPunct="1">
-              <a:lnSpc>
-                <a:spcPct val="100000"/>
-              </a:lnSpc>
-              <a:spcBef>
-                <a:spcPts val="0"/>
-              </a:spcBef>
-              <a:spcAft>
-                <a:spcPts val="0"/>
-              </a:spcAft>
-              <a:buClrTx/>
-              <a:buSzTx/>
-              <a:tabLst/>
-              <a:defRPr/>
-            </a:pPr>
-            <a:r>
-              <a:rPr lang="en-GB" sz="4400" b="1" noProof="0" dirty="0">
-                <a:solidFill>
-                  <a:srgbClr val="000000"/>
-                </a:solidFill>
-                <a:latin typeface="Segoe UI Light" panose="020B0502040204020203" pitchFamily="34" charset="0"/>
-                <a:cs typeface="Segoe UI Light" panose="020B0502040204020203" pitchFamily="34" charset="0"/>
-              </a:rPr>
-              <a:t>7.   Azure DevOps</a:t>
-            </a:r>
-            <a:endParaRPr kumimoji="0" lang="en-GB" sz="4400" b="1" i="0" u="none" strike="noStrike" kern="1200" cap="none" spc="0" normalizeH="0" noProof="0" dirty="0">
-              <a:ln>
-                <a:noFill/>
-              </a:ln>
-              <a:solidFill>
-                <a:srgbClr val="000000"/>
-              </a:solidFill>
-              <a:effectLst/>
-              <a:uLnTx/>
-              <a:uFillTx/>
-              <a:latin typeface="Segoe UI Light" panose="020B0502040204020203" pitchFamily="34" charset="0"/>
-              <a:ea typeface="+mn-ea"/>
-              <a:cs typeface="Segoe UI Light" panose="020B0502040204020203" pitchFamily="34" charset="0"/>
-            </a:endParaRPr>
-          </a:p>
-        </p:txBody>
-      </p:sp>
-      <p:sp>
-        <p:nvSpPr>
-          <p:cNvPr id="14" name="TextBox 13">
-            <a:extLst>
-              <a:ext uri="{FF2B5EF4-FFF2-40B4-BE49-F238E27FC236}">
-                <a16:creationId xmlns:a16="http://schemas.microsoft.com/office/drawing/2014/main" id="{3530BF3E-9E17-4801-8668-53F95D935B7C}"/>
-              </a:ext>
-            </a:extLst>
-          </p:cNvPr>
-          <p:cNvSpPr txBox="1"/>
-          <p:nvPr/>
-        </p:nvSpPr>
-        <p:spPr>
-          <a:xfrm>
-            <a:off x="187169" y="5165166"/>
-            <a:ext cx="11668259" cy="769441"/>
-          </a:xfrm>
-          <a:prstGeom prst="rect">
-            <a:avLst/>
-          </a:prstGeom>
-          <a:noFill/>
-        </p:spPr>
-        <p:txBody>
-          <a:bodyPr wrap="square" rtlCol="0">
-            <a:spAutoFit/>
-          </a:bodyPr>
-          <a:lstStyle/>
-          <a:p>
-            <a:pPr marR="0" lvl="0" algn="l" defTabSz="1219170" rtl="0" eaLnBrk="1" fontAlgn="auto" latinLnBrk="0" hangingPunct="1">
-              <a:lnSpc>
-                <a:spcPct val="100000"/>
-              </a:lnSpc>
-              <a:spcBef>
-                <a:spcPts val="0"/>
-              </a:spcBef>
-              <a:spcAft>
-                <a:spcPts val="0"/>
-              </a:spcAft>
-              <a:buClrTx/>
-              <a:buSzTx/>
-              <a:tabLst/>
-              <a:defRPr/>
-            </a:pPr>
-            <a:r>
-              <a:rPr lang="en-GB" sz="4400" b="1" noProof="0" dirty="0">
-                <a:solidFill>
-                  <a:srgbClr val="000000"/>
-                </a:solidFill>
-                <a:latin typeface="Segoe UI Light" panose="020B0502040204020203" pitchFamily="34" charset="0"/>
-                <a:cs typeface="Segoe UI Light" panose="020B0502040204020203" pitchFamily="34" charset="0"/>
-              </a:rPr>
-              <a:t>8.   Rendezvous Architecture </a:t>
-            </a:r>
-            <a:endParaRPr kumimoji="0" lang="en-GB" sz="4400" b="1" i="0" u="none" strike="noStrike" kern="1200" cap="none" spc="0" normalizeH="0" noProof="0" dirty="0">
-              <a:ln>
-                <a:noFill/>
-              </a:ln>
-              <a:solidFill>
-                <a:srgbClr val="000000"/>
-              </a:solidFill>
-              <a:effectLst/>
-              <a:uLnTx/>
-              <a:uFillTx/>
-              <a:latin typeface="Segoe UI Light" panose="020B0502040204020203" pitchFamily="34" charset="0"/>
-              <a:ea typeface="+mn-ea"/>
-              <a:cs typeface="Segoe UI Light" panose="020B0502040204020203" pitchFamily="34" charset="0"/>
-            </a:endParaRPr>
-          </a:p>
-        </p:txBody>
-      </p:sp>
-      <p:sp>
-        <p:nvSpPr>
-          <p:cNvPr id="15" name="TextBox 14">
-            <a:extLst>
-              <a:ext uri="{FF2B5EF4-FFF2-40B4-BE49-F238E27FC236}">
-                <a16:creationId xmlns:a16="http://schemas.microsoft.com/office/drawing/2014/main" id="{C800FADA-D7C6-4E8F-BAE3-33C581027D19}"/>
-              </a:ext>
-            </a:extLst>
-          </p:cNvPr>
-          <p:cNvSpPr txBox="1"/>
-          <p:nvPr/>
-        </p:nvSpPr>
-        <p:spPr>
-          <a:xfrm>
-            <a:off x="187168" y="5934607"/>
-            <a:ext cx="11668259" cy="769441"/>
-          </a:xfrm>
-          <a:prstGeom prst="rect">
-            <a:avLst/>
-          </a:prstGeom>
-          <a:noFill/>
-        </p:spPr>
-        <p:txBody>
-          <a:bodyPr wrap="square" rtlCol="0">
-            <a:spAutoFit/>
-          </a:bodyPr>
-          <a:lstStyle/>
-          <a:p>
-            <a:pPr marR="0" lvl="0" algn="l" defTabSz="1219170" rtl="0" eaLnBrk="1" fontAlgn="auto" latinLnBrk="0" hangingPunct="1">
-              <a:lnSpc>
-                <a:spcPct val="100000"/>
-              </a:lnSpc>
-              <a:spcBef>
-                <a:spcPts val="0"/>
-              </a:spcBef>
-              <a:spcAft>
-                <a:spcPts val="0"/>
-              </a:spcAft>
-              <a:buClrTx/>
-              <a:buSzTx/>
-              <a:tabLst/>
-              <a:defRPr/>
-            </a:pPr>
-            <a:r>
-              <a:rPr lang="en-GB" sz="4400" b="1" dirty="0">
-                <a:solidFill>
-                  <a:srgbClr val="000000"/>
-                </a:solidFill>
-                <a:latin typeface="Segoe UI Light" panose="020B0502040204020203" pitchFamily="34" charset="0"/>
-                <a:cs typeface="Segoe UI Light" panose="020B0502040204020203" pitchFamily="34" charset="0"/>
-              </a:rPr>
-              <a:t>9</a:t>
-            </a:r>
-            <a:r>
-              <a:rPr lang="en-GB" sz="4400" b="1" noProof="0" dirty="0">
-                <a:solidFill>
-                  <a:srgbClr val="000000"/>
-                </a:solidFill>
-                <a:latin typeface="Segoe UI Light" panose="020B0502040204020203" pitchFamily="34" charset="0"/>
-                <a:cs typeface="Segoe UI Light" panose="020B0502040204020203" pitchFamily="34" charset="0"/>
-              </a:rPr>
-              <a:t>.   Close day. Grab a beer</a:t>
-            </a:r>
-            <a:endParaRPr kumimoji="0" lang="en-GB" sz="4400" b="1" i="0" u="none" strike="noStrike" kern="1200" cap="none" spc="0" normalizeH="0" noProof="0" dirty="0">
-              <a:ln>
-                <a:noFill/>
-              </a:ln>
-              <a:solidFill>
-                <a:srgbClr val="000000"/>
-              </a:solidFill>
-              <a:effectLst/>
-              <a:uLnTx/>
-              <a:uFillTx/>
-              <a:latin typeface="Segoe UI Light" panose="020B0502040204020203" pitchFamily="34" charset="0"/>
-              <a:ea typeface="+mn-ea"/>
-              <a:cs typeface="Segoe UI Light" panose="020B0502040204020203" pitchFamily="34" charset="0"/>
-            </a:endParaRPr>
+              <a:t>Lab 4 - Hello World! in Docker</a:t>
+            </a:r>
+            <a:endParaRPr lang="en-GB" dirty="0"/>
+          </a:p>
+          <a:p>
+            <a:pPr lvl="1"/>
+            <a:r>
+              <a:rPr lang="en-GB" dirty="0"/>
+              <a:t>Lab 5 - Deploying a web app in to Docker</a:t>
+            </a:r>
+          </a:p>
+          <a:p>
+            <a:pPr lvl="1"/>
+            <a:r>
+              <a:rPr lang="en-GB" dirty="0"/>
+              <a:t>Lab 6 - Deploying our model in to Docker</a:t>
+            </a:r>
+          </a:p>
+          <a:p>
+            <a:pPr lvl="1"/>
+            <a:r>
+              <a:rPr lang="en-GB" dirty="0"/>
+              <a:t>Lab 7 – Creating the container registry </a:t>
+            </a:r>
+          </a:p>
+          <a:p>
+            <a:r>
+              <a:rPr lang="en-GB" dirty="0"/>
+              <a:t>M6 - An Introduction to Kubernetes</a:t>
+            </a:r>
+          </a:p>
+          <a:p>
+            <a:pPr lvl="1"/>
+            <a:r>
+              <a:rPr lang="en-GB" dirty="0"/>
+              <a:t>Lab 8 - Deploying our model in Kubernetes</a:t>
+            </a:r>
+          </a:p>
+          <a:p>
+            <a:r>
+              <a:rPr lang="en-GB" dirty="0"/>
+              <a:t>M7 - DevOps for Machine Learning</a:t>
+            </a:r>
+          </a:p>
+          <a:p>
+            <a:pPr lvl="1"/>
+            <a:r>
+              <a:rPr lang="en-GB" dirty="0"/>
+              <a:t>Demo - Setting up a Build pipeline for deploying changes</a:t>
+            </a:r>
+          </a:p>
+          <a:p>
+            <a:r>
+              <a:rPr lang="en-GB" dirty="0"/>
+              <a:t>M8 - Extending the design - The Rendezvous pattern</a:t>
+            </a:r>
           </a:p>
         </p:txBody>
       </p:sp>
@@ -10004,822 +8097,6 @@
                       </p:childTnLst>
                     </p:cTn>
                   </p:par>
-                  <p:par>
-                    <p:cTn id="13" fill="hold">
-                      <p:stCondLst>
-                        <p:cond delay="indefinite"/>
-                      </p:stCondLst>
-                      <p:childTnLst>
-                        <p:par>
-                          <p:cTn id="14" fill="hold">
-                            <p:stCondLst>
-                              <p:cond delay="0"/>
-                            </p:stCondLst>
-                            <p:childTnLst>
-                              <p:par>
-                                <p:cTn id="15" presetID="10" presetClass="entr" presetSubtype="0" fill="hold" grpId="1" nodeType="clickEffect">
-                                  <p:stCondLst>
-                                    <p:cond delay="0"/>
-                                  </p:stCondLst>
-                                  <p:childTnLst>
-                                    <p:set>
-                                      <p:cBhvr>
-                                        <p:cTn id="16" dur="1" fill="hold">
-                                          <p:stCondLst>
-                                            <p:cond delay="0"/>
-                                          </p:stCondLst>
-                                        </p:cTn>
-                                        <p:tgtEl>
-                                          <p:spTgt spid="8"/>
-                                        </p:tgtEl>
-                                        <p:attrNameLst>
-                                          <p:attrName>style.visibility</p:attrName>
-                                        </p:attrNameLst>
-                                      </p:cBhvr>
-                                      <p:to>
-                                        <p:strVal val="visible"/>
-                                      </p:to>
-                                    </p:set>
-                                    <p:animEffect transition="in" filter="fade">
-                                      <p:cBhvr>
-                                        <p:cTn id="17" dur="500"/>
-                                        <p:tgtEl>
-                                          <p:spTgt spid="8"/>
-                                        </p:tgtEl>
-                                      </p:cBhvr>
-                                    </p:animEffect>
-                                  </p:childTnLst>
-                                </p:cTn>
-                              </p:par>
-                            </p:childTnLst>
-                          </p:cTn>
-                        </p:par>
-                      </p:childTnLst>
-                    </p:cTn>
-                  </p:par>
-                  <p:par>
-                    <p:cTn id="18" fill="hold">
-                      <p:stCondLst>
-                        <p:cond delay="indefinite"/>
-                      </p:stCondLst>
-                      <p:childTnLst>
-                        <p:par>
-                          <p:cTn id="19" fill="hold">
-                            <p:stCondLst>
-                              <p:cond delay="0"/>
-                            </p:stCondLst>
-                            <p:childTnLst>
-                              <p:par>
-                                <p:cTn id="20" presetID="9" presetClass="emph" presetSubtype="0" grpId="0" nodeType="clickEffect">
-                                  <p:stCondLst>
-                                    <p:cond delay="0"/>
-                                  </p:stCondLst>
-                                  <p:childTnLst>
-                                    <p:set>
-                                      <p:cBhvr>
-                                        <p:cTn id="21" dur="indefinite"/>
-                                        <p:tgtEl>
-                                          <p:spTgt spid="8"/>
-                                        </p:tgtEl>
-                                        <p:attrNameLst>
-                                          <p:attrName>style.opacity</p:attrName>
-                                        </p:attrNameLst>
-                                      </p:cBhvr>
-                                      <p:to>
-                                        <p:strVal val="0.15"/>
-                                      </p:to>
-                                    </p:set>
-                                    <p:animEffect filter="image" prLst="opacity: 0.15">
-                                      <p:cBhvr rctx="IE">
-                                        <p:cTn id="22" dur="indefinite"/>
-                                        <p:tgtEl>
-                                          <p:spTgt spid="8"/>
-                                        </p:tgtEl>
-                                      </p:cBhvr>
-                                    </p:animEffect>
-                                  </p:childTnLst>
-                                </p:cTn>
-                              </p:par>
-                            </p:childTnLst>
-                          </p:cTn>
-                        </p:par>
-                      </p:childTnLst>
-                    </p:cTn>
-                  </p:par>
-                  <p:par>
-                    <p:cTn id="23" fill="hold">
-                      <p:stCondLst>
-                        <p:cond delay="indefinite"/>
-                      </p:stCondLst>
-                      <p:childTnLst>
-                        <p:par>
-                          <p:cTn id="24" fill="hold">
-                            <p:stCondLst>
-                              <p:cond delay="0"/>
-                            </p:stCondLst>
-                            <p:childTnLst>
-                              <p:par>
-                                <p:cTn id="25" presetID="10" presetClass="entr" presetSubtype="0" fill="hold" grpId="1" nodeType="clickEffect">
-                                  <p:stCondLst>
-                                    <p:cond delay="0"/>
-                                  </p:stCondLst>
-                                  <p:childTnLst>
-                                    <p:set>
-                                      <p:cBhvr>
-                                        <p:cTn id="26" dur="1" fill="hold">
-                                          <p:stCondLst>
-                                            <p:cond delay="0"/>
-                                          </p:stCondLst>
-                                        </p:cTn>
-                                        <p:tgtEl>
-                                          <p:spTgt spid="9"/>
-                                        </p:tgtEl>
-                                        <p:attrNameLst>
-                                          <p:attrName>style.visibility</p:attrName>
-                                        </p:attrNameLst>
-                                      </p:cBhvr>
-                                      <p:to>
-                                        <p:strVal val="visible"/>
-                                      </p:to>
-                                    </p:set>
-                                    <p:animEffect transition="in" filter="fade">
-                                      <p:cBhvr>
-                                        <p:cTn id="27" dur="500"/>
-                                        <p:tgtEl>
-                                          <p:spTgt spid="9"/>
-                                        </p:tgtEl>
-                                      </p:cBhvr>
-                                    </p:animEffect>
-                                  </p:childTnLst>
-                                </p:cTn>
-                              </p:par>
-                            </p:childTnLst>
-                          </p:cTn>
-                        </p:par>
-                      </p:childTnLst>
-                    </p:cTn>
-                  </p:par>
-                  <p:par>
-                    <p:cTn id="28" fill="hold">
-                      <p:stCondLst>
-                        <p:cond delay="indefinite"/>
-                      </p:stCondLst>
-                      <p:childTnLst>
-                        <p:par>
-                          <p:cTn id="29" fill="hold">
-                            <p:stCondLst>
-                              <p:cond delay="0"/>
-                            </p:stCondLst>
-                            <p:childTnLst>
-                              <p:par>
-                                <p:cTn id="30" presetID="9" presetClass="emph" presetSubtype="0" grpId="0" nodeType="clickEffect">
-                                  <p:stCondLst>
-                                    <p:cond delay="0"/>
-                                  </p:stCondLst>
-                                  <p:childTnLst>
-                                    <p:set>
-                                      <p:cBhvr>
-                                        <p:cTn id="31" dur="indefinite"/>
-                                        <p:tgtEl>
-                                          <p:spTgt spid="9"/>
-                                        </p:tgtEl>
-                                        <p:attrNameLst>
-                                          <p:attrName>style.opacity</p:attrName>
-                                        </p:attrNameLst>
-                                      </p:cBhvr>
-                                      <p:to>
-                                        <p:strVal val="0.15"/>
-                                      </p:to>
-                                    </p:set>
-                                    <p:animEffect filter="image" prLst="opacity: 0.15">
-                                      <p:cBhvr rctx="IE">
-                                        <p:cTn id="32" dur="indefinite"/>
-                                        <p:tgtEl>
-                                          <p:spTgt spid="9"/>
-                                        </p:tgtEl>
-                                      </p:cBhvr>
-                                    </p:animEffect>
-                                  </p:childTnLst>
-                                </p:cTn>
-                              </p:par>
-                            </p:childTnLst>
-                          </p:cTn>
-                        </p:par>
-                      </p:childTnLst>
-                    </p:cTn>
-                  </p:par>
-                  <p:par>
-                    <p:cTn id="33" fill="hold">
-                      <p:stCondLst>
-                        <p:cond delay="indefinite"/>
-                      </p:stCondLst>
-                      <p:childTnLst>
-                        <p:par>
-                          <p:cTn id="34" fill="hold">
-                            <p:stCondLst>
-                              <p:cond delay="0"/>
-                            </p:stCondLst>
-                            <p:childTnLst>
-                              <p:par>
-                                <p:cTn id="35" presetID="10" presetClass="entr" presetSubtype="0" fill="hold" grpId="1" nodeType="clickEffect">
-                                  <p:stCondLst>
-                                    <p:cond delay="0"/>
-                                  </p:stCondLst>
-                                  <p:childTnLst>
-                                    <p:set>
-                                      <p:cBhvr>
-                                        <p:cTn id="36" dur="1" fill="hold">
-                                          <p:stCondLst>
-                                            <p:cond delay="0"/>
-                                          </p:stCondLst>
-                                        </p:cTn>
-                                        <p:tgtEl>
-                                          <p:spTgt spid="10"/>
-                                        </p:tgtEl>
-                                        <p:attrNameLst>
-                                          <p:attrName>style.visibility</p:attrName>
-                                        </p:attrNameLst>
-                                      </p:cBhvr>
-                                      <p:to>
-                                        <p:strVal val="visible"/>
-                                      </p:to>
-                                    </p:set>
-                                    <p:animEffect transition="in" filter="fade">
-                                      <p:cBhvr>
-                                        <p:cTn id="37" dur="500"/>
-                                        <p:tgtEl>
-                                          <p:spTgt spid="10"/>
-                                        </p:tgtEl>
-                                      </p:cBhvr>
-                                    </p:animEffect>
-                                  </p:childTnLst>
-                                </p:cTn>
-                              </p:par>
-                            </p:childTnLst>
-                          </p:cTn>
-                        </p:par>
-                      </p:childTnLst>
-                    </p:cTn>
-                  </p:par>
-                  <p:par>
-                    <p:cTn id="38" fill="hold">
-                      <p:stCondLst>
-                        <p:cond delay="indefinite"/>
-                      </p:stCondLst>
-                      <p:childTnLst>
-                        <p:par>
-                          <p:cTn id="39" fill="hold">
-                            <p:stCondLst>
-                              <p:cond delay="0"/>
-                            </p:stCondLst>
-                            <p:childTnLst>
-                              <p:par>
-                                <p:cTn id="40" presetID="9" presetClass="emph" presetSubtype="0" grpId="0" nodeType="clickEffect">
-                                  <p:stCondLst>
-                                    <p:cond delay="0"/>
-                                  </p:stCondLst>
-                                  <p:childTnLst>
-                                    <p:set>
-                                      <p:cBhvr>
-                                        <p:cTn id="41" dur="indefinite"/>
-                                        <p:tgtEl>
-                                          <p:spTgt spid="10"/>
-                                        </p:tgtEl>
-                                        <p:attrNameLst>
-                                          <p:attrName>style.opacity</p:attrName>
-                                        </p:attrNameLst>
-                                      </p:cBhvr>
-                                      <p:to>
-                                        <p:strVal val="0.15"/>
-                                      </p:to>
-                                    </p:set>
-                                    <p:animEffect filter="image" prLst="opacity: 0.15">
-                                      <p:cBhvr rctx="IE">
-                                        <p:cTn id="42" dur="indefinite"/>
-                                        <p:tgtEl>
-                                          <p:spTgt spid="10"/>
-                                        </p:tgtEl>
-                                      </p:cBhvr>
-                                    </p:animEffect>
-                                  </p:childTnLst>
-                                </p:cTn>
-                              </p:par>
-                            </p:childTnLst>
-                          </p:cTn>
-                        </p:par>
-                      </p:childTnLst>
-                    </p:cTn>
-                  </p:par>
-                  <p:par>
-                    <p:cTn id="43" fill="hold">
-                      <p:stCondLst>
-                        <p:cond delay="indefinite"/>
-                      </p:stCondLst>
-                      <p:childTnLst>
-                        <p:par>
-                          <p:cTn id="44" fill="hold">
-                            <p:stCondLst>
-                              <p:cond delay="0"/>
-                            </p:stCondLst>
-                            <p:childTnLst>
-                              <p:par>
-                                <p:cTn id="45" presetID="10" presetClass="entr" presetSubtype="0" fill="hold" grpId="1" nodeType="clickEffect">
-                                  <p:stCondLst>
-                                    <p:cond delay="0"/>
-                                  </p:stCondLst>
-                                  <p:childTnLst>
-                                    <p:set>
-                                      <p:cBhvr>
-                                        <p:cTn id="46" dur="1" fill="hold">
-                                          <p:stCondLst>
-                                            <p:cond delay="0"/>
-                                          </p:stCondLst>
-                                        </p:cTn>
-                                        <p:tgtEl>
-                                          <p:spTgt spid="11"/>
-                                        </p:tgtEl>
-                                        <p:attrNameLst>
-                                          <p:attrName>style.visibility</p:attrName>
-                                        </p:attrNameLst>
-                                      </p:cBhvr>
-                                      <p:to>
-                                        <p:strVal val="visible"/>
-                                      </p:to>
-                                    </p:set>
-                                    <p:animEffect transition="in" filter="fade">
-                                      <p:cBhvr>
-                                        <p:cTn id="47" dur="500"/>
-                                        <p:tgtEl>
-                                          <p:spTgt spid="11"/>
-                                        </p:tgtEl>
-                                      </p:cBhvr>
-                                    </p:animEffect>
-                                  </p:childTnLst>
-                                </p:cTn>
-                              </p:par>
-                            </p:childTnLst>
-                          </p:cTn>
-                        </p:par>
-                      </p:childTnLst>
-                    </p:cTn>
-                  </p:par>
-                  <p:par>
-                    <p:cTn id="48" fill="hold">
-                      <p:stCondLst>
-                        <p:cond delay="indefinite"/>
-                      </p:stCondLst>
-                      <p:childTnLst>
-                        <p:par>
-                          <p:cTn id="49" fill="hold">
-                            <p:stCondLst>
-                              <p:cond delay="0"/>
-                            </p:stCondLst>
-                            <p:childTnLst>
-                              <p:par>
-                                <p:cTn id="50" presetID="9" presetClass="emph" presetSubtype="0" grpId="0" nodeType="clickEffect">
-                                  <p:stCondLst>
-                                    <p:cond delay="0"/>
-                                  </p:stCondLst>
-                                  <p:childTnLst>
-                                    <p:set>
-                                      <p:cBhvr>
-                                        <p:cTn id="51" dur="indefinite"/>
-                                        <p:tgtEl>
-                                          <p:spTgt spid="11"/>
-                                        </p:tgtEl>
-                                        <p:attrNameLst>
-                                          <p:attrName>style.opacity</p:attrName>
-                                        </p:attrNameLst>
-                                      </p:cBhvr>
-                                      <p:to>
-                                        <p:strVal val="0.15"/>
-                                      </p:to>
-                                    </p:set>
-                                    <p:animEffect filter="image" prLst="opacity: 0.15">
-                                      <p:cBhvr rctx="IE">
-                                        <p:cTn id="52" dur="indefinite"/>
-                                        <p:tgtEl>
-                                          <p:spTgt spid="11"/>
-                                        </p:tgtEl>
-                                      </p:cBhvr>
-                                    </p:animEffect>
-                                  </p:childTnLst>
-                                </p:cTn>
-                              </p:par>
-                            </p:childTnLst>
-                          </p:cTn>
-                        </p:par>
-                      </p:childTnLst>
-                    </p:cTn>
-                  </p:par>
-                  <p:par>
-                    <p:cTn id="53" fill="hold">
-                      <p:stCondLst>
-                        <p:cond delay="indefinite"/>
-                      </p:stCondLst>
-                      <p:childTnLst>
-                        <p:par>
-                          <p:cTn id="54" fill="hold">
-                            <p:stCondLst>
-                              <p:cond delay="0"/>
-                            </p:stCondLst>
-                            <p:childTnLst>
-                              <p:par>
-                                <p:cTn id="55" presetID="10" presetClass="entr" presetSubtype="0" fill="hold" grpId="1" nodeType="clickEffect">
-                                  <p:stCondLst>
-                                    <p:cond delay="0"/>
-                                  </p:stCondLst>
-                                  <p:childTnLst>
-                                    <p:set>
-                                      <p:cBhvr>
-                                        <p:cTn id="56" dur="1" fill="hold">
-                                          <p:stCondLst>
-                                            <p:cond delay="0"/>
-                                          </p:stCondLst>
-                                        </p:cTn>
-                                        <p:tgtEl>
-                                          <p:spTgt spid="12"/>
-                                        </p:tgtEl>
-                                        <p:attrNameLst>
-                                          <p:attrName>style.visibility</p:attrName>
-                                        </p:attrNameLst>
-                                      </p:cBhvr>
-                                      <p:to>
-                                        <p:strVal val="visible"/>
-                                      </p:to>
-                                    </p:set>
-                                    <p:animEffect transition="in" filter="fade">
-                                      <p:cBhvr>
-                                        <p:cTn id="57" dur="500"/>
-                                        <p:tgtEl>
-                                          <p:spTgt spid="12"/>
-                                        </p:tgtEl>
-                                      </p:cBhvr>
-                                    </p:animEffect>
-                                  </p:childTnLst>
-                                </p:cTn>
-                              </p:par>
-                            </p:childTnLst>
-                          </p:cTn>
-                        </p:par>
-                      </p:childTnLst>
-                    </p:cTn>
-                  </p:par>
-                  <p:par>
-                    <p:cTn id="58" fill="hold">
-                      <p:stCondLst>
-                        <p:cond delay="indefinite"/>
-                      </p:stCondLst>
-                      <p:childTnLst>
-                        <p:par>
-                          <p:cTn id="59" fill="hold">
-                            <p:stCondLst>
-                              <p:cond delay="0"/>
-                            </p:stCondLst>
-                            <p:childTnLst>
-                              <p:par>
-                                <p:cTn id="60" presetID="9" presetClass="emph" presetSubtype="0" grpId="0" nodeType="clickEffect">
-                                  <p:stCondLst>
-                                    <p:cond delay="0"/>
-                                  </p:stCondLst>
-                                  <p:childTnLst>
-                                    <p:set>
-                                      <p:cBhvr>
-                                        <p:cTn id="61" dur="indefinite"/>
-                                        <p:tgtEl>
-                                          <p:spTgt spid="12"/>
-                                        </p:tgtEl>
-                                        <p:attrNameLst>
-                                          <p:attrName>style.opacity</p:attrName>
-                                        </p:attrNameLst>
-                                      </p:cBhvr>
-                                      <p:to>
-                                        <p:strVal val="0.15"/>
-                                      </p:to>
-                                    </p:set>
-                                    <p:animEffect filter="image" prLst="opacity: 0.15">
-                                      <p:cBhvr rctx="IE">
-                                        <p:cTn id="62" dur="indefinite"/>
-                                        <p:tgtEl>
-                                          <p:spTgt spid="12"/>
-                                        </p:tgtEl>
-                                      </p:cBhvr>
-                                    </p:animEffect>
-                                  </p:childTnLst>
-                                </p:cTn>
-                              </p:par>
-                            </p:childTnLst>
-                          </p:cTn>
-                        </p:par>
-                      </p:childTnLst>
-                    </p:cTn>
-                  </p:par>
-                  <p:par>
-                    <p:cTn id="63" fill="hold">
-                      <p:stCondLst>
-                        <p:cond delay="indefinite"/>
-                      </p:stCondLst>
-                      <p:childTnLst>
-                        <p:par>
-                          <p:cTn id="64" fill="hold">
-                            <p:stCondLst>
-                              <p:cond delay="0"/>
-                            </p:stCondLst>
-                            <p:childTnLst>
-                              <p:par>
-                                <p:cTn id="65" presetID="10" presetClass="entr" presetSubtype="0" fill="hold" grpId="1" nodeType="clickEffect">
-                                  <p:stCondLst>
-                                    <p:cond delay="0"/>
-                                  </p:stCondLst>
-                                  <p:childTnLst>
-                                    <p:set>
-                                      <p:cBhvr>
-                                        <p:cTn id="66" dur="1" fill="hold">
-                                          <p:stCondLst>
-                                            <p:cond delay="0"/>
-                                          </p:stCondLst>
-                                        </p:cTn>
-                                        <p:tgtEl>
-                                          <p:spTgt spid="13"/>
-                                        </p:tgtEl>
-                                        <p:attrNameLst>
-                                          <p:attrName>style.visibility</p:attrName>
-                                        </p:attrNameLst>
-                                      </p:cBhvr>
-                                      <p:to>
-                                        <p:strVal val="visible"/>
-                                      </p:to>
-                                    </p:set>
-                                    <p:animEffect transition="in" filter="fade">
-                                      <p:cBhvr>
-                                        <p:cTn id="67" dur="500"/>
-                                        <p:tgtEl>
-                                          <p:spTgt spid="13"/>
-                                        </p:tgtEl>
-                                      </p:cBhvr>
-                                    </p:animEffect>
-                                  </p:childTnLst>
-                                </p:cTn>
-                              </p:par>
-                            </p:childTnLst>
-                          </p:cTn>
-                        </p:par>
-                      </p:childTnLst>
-                    </p:cTn>
-                  </p:par>
-                  <p:par>
-                    <p:cTn id="68" fill="hold">
-                      <p:stCondLst>
-                        <p:cond delay="indefinite"/>
-                      </p:stCondLst>
-                      <p:childTnLst>
-                        <p:par>
-                          <p:cTn id="69" fill="hold">
-                            <p:stCondLst>
-                              <p:cond delay="0"/>
-                            </p:stCondLst>
-                            <p:childTnLst>
-                              <p:par>
-                                <p:cTn id="70" presetID="9" presetClass="emph" presetSubtype="0" grpId="0" nodeType="clickEffect">
-                                  <p:stCondLst>
-                                    <p:cond delay="0"/>
-                                  </p:stCondLst>
-                                  <p:childTnLst>
-                                    <p:set>
-                                      <p:cBhvr>
-                                        <p:cTn id="71" dur="indefinite"/>
-                                        <p:tgtEl>
-                                          <p:spTgt spid="13"/>
-                                        </p:tgtEl>
-                                        <p:attrNameLst>
-                                          <p:attrName>style.opacity</p:attrName>
-                                        </p:attrNameLst>
-                                      </p:cBhvr>
-                                      <p:to>
-                                        <p:strVal val="0.15"/>
-                                      </p:to>
-                                    </p:set>
-                                    <p:animEffect filter="image" prLst="opacity: 0.15">
-                                      <p:cBhvr rctx="IE">
-                                        <p:cTn id="72" dur="indefinite"/>
-                                        <p:tgtEl>
-                                          <p:spTgt spid="13"/>
-                                        </p:tgtEl>
-                                      </p:cBhvr>
-                                    </p:animEffect>
-                                  </p:childTnLst>
-                                </p:cTn>
-                              </p:par>
-                            </p:childTnLst>
-                          </p:cTn>
-                        </p:par>
-                      </p:childTnLst>
-                    </p:cTn>
-                  </p:par>
-                  <p:par>
-                    <p:cTn id="73" fill="hold">
-                      <p:stCondLst>
-                        <p:cond delay="indefinite"/>
-                      </p:stCondLst>
-                      <p:childTnLst>
-                        <p:par>
-                          <p:cTn id="74" fill="hold">
-                            <p:stCondLst>
-                              <p:cond delay="0"/>
-                            </p:stCondLst>
-                            <p:childTnLst>
-                              <p:par>
-                                <p:cTn id="75" presetID="10" presetClass="entr" presetSubtype="0" fill="hold" grpId="1" nodeType="clickEffect">
-                                  <p:stCondLst>
-                                    <p:cond delay="0"/>
-                                  </p:stCondLst>
-                                  <p:childTnLst>
-                                    <p:set>
-                                      <p:cBhvr>
-                                        <p:cTn id="76" dur="1" fill="hold">
-                                          <p:stCondLst>
-                                            <p:cond delay="0"/>
-                                          </p:stCondLst>
-                                        </p:cTn>
-                                        <p:tgtEl>
-                                          <p:spTgt spid="14"/>
-                                        </p:tgtEl>
-                                        <p:attrNameLst>
-                                          <p:attrName>style.visibility</p:attrName>
-                                        </p:attrNameLst>
-                                      </p:cBhvr>
-                                      <p:to>
-                                        <p:strVal val="visible"/>
-                                      </p:to>
-                                    </p:set>
-                                    <p:animEffect transition="in" filter="fade">
-                                      <p:cBhvr>
-                                        <p:cTn id="77" dur="500"/>
-                                        <p:tgtEl>
-                                          <p:spTgt spid="14"/>
-                                        </p:tgtEl>
-                                      </p:cBhvr>
-                                    </p:animEffect>
-                                  </p:childTnLst>
-                                </p:cTn>
-                              </p:par>
-                            </p:childTnLst>
-                          </p:cTn>
-                        </p:par>
-                      </p:childTnLst>
-                    </p:cTn>
-                  </p:par>
-                  <p:par>
-                    <p:cTn id="78" fill="hold">
-                      <p:stCondLst>
-                        <p:cond delay="indefinite"/>
-                      </p:stCondLst>
-                      <p:childTnLst>
-                        <p:par>
-                          <p:cTn id="79" fill="hold">
-                            <p:stCondLst>
-                              <p:cond delay="0"/>
-                            </p:stCondLst>
-                            <p:childTnLst>
-                              <p:par>
-                                <p:cTn id="80" presetID="9" presetClass="emph" presetSubtype="0" grpId="0" nodeType="clickEffect">
-                                  <p:stCondLst>
-                                    <p:cond delay="0"/>
-                                  </p:stCondLst>
-                                  <p:childTnLst>
-                                    <p:set>
-                                      <p:cBhvr>
-                                        <p:cTn id="81" dur="indefinite"/>
-                                        <p:tgtEl>
-                                          <p:spTgt spid="14"/>
-                                        </p:tgtEl>
-                                        <p:attrNameLst>
-                                          <p:attrName>style.opacity</p:attrName>
-                                        </p:attrNameLst>
-                                      </p:cBhvr>
-                                      <p:to>
-                                        <p:strVal val="0.15"/>
-                                      </p:to>
-                                    </p:set>
-                                    <p:animEffect filter="image" prLst="opacity: 0.15">
-                                      <p:cBhvr rctx="IE">
-                                        <p:cTn id="82" dur="indefinite"/>
-                                        <p:tgtEl>
-                                          <p:spTgt spid="14"/>
-                                        </p:tgtEl>
-                                      </p:cBhvr>
-                                    </p:animEffect>
-                                  </p:childTnLst>
-                                </p:cTn>
-                              </p:par>
-                            </p:childTnLst>
-                          </p:cTn>
-                        </p:par>
-                      </p:childTnLst>
-                    </p:cTn>
-                  </p:par>
-                  <p:par>
-                    <p:cTn id="83" fill="hold">
-                      <p:stCondLst>
-                        <p:cond delay="indefinite"/>
-                      </p:stCondLst>
-                      <p:childTnLst>
-                        <p:par>
-                          <p:cTn id="84" fill="hold">
-                            <p:stCondLst>
-                              <p:cond delay="0"/>
-                            </p:stCondLst>
-                            <p:childTnLst>
-                              <p:par>
-                                <p:cTn id="85" presetID="10" presetClass="entr" presetSubtype="0" fill="hold" grpId="1" nodeType="clickEffect">
-                                  <p:stCondLst>
-                                    <p:cond delay="0"/>
-                                  </p:stCondLst>
-                                  <p:childTnLst>
-                                    <p:set>
-                                      <p:cBhvr>
-                                        <p:cTn id="86" dur="1" fill="hold">
-                                          <p:stCondLst>
-                                            <p:cond delay="0"/>
-                                          </p:stCondLst>
-                                        </p:cTn>
-                                        <p:tgtEl>
-                                          <p:spTgt spid="15"/>
-                                        </p:tgtEl>
-                                        <p:attrNameLst>
-                                          <p:attrName>style.visibility</p:attrName>
-                                        </p:attrNameLst>
-                                      </p:cBhvr>
-                                      <p:to>
-                                        <p:strVal val="visible"/>
-                                      </p:to>
-                                    </p:set>
-                                    <p:animEffect transition="in" filter="fade">
-                                      <p:cBhvr>
-                                        <p:cTn id="87" dur="500"/>
-                                        <p:tgtEl>
-                                          <p:spTgt spid="15"/>
-                                        </p:tgtEl>
-                                      </p:cBhvr>
-                                    </p:animEffect>
-                                  </p:childTnLst>
-                                </p:cTn>
-                              </p:par>
-                            </p:childTnLst>
-                          </p:cTn>
-                        </p:par>
-                      </p:childTnLst>
-                    </p:cTn>
-                  </p:par>
-                  <p:par>
-                    <p:cTn id="88" fill="hold">
-                      <p:stCondLst>
-                        <p:cond delay="indefinite"/>
-                      </p:stCondLst>
-                      <p:childTnLst>
-                        <p:par>
-                          <p:cTn id="89" fill="hold">
-                            <p:stCondLst>
-                              <p:cond delay="0"/>
-                            </p:stCondLst>
-                            <p:childTnLst>
-                              <p:par>
-                                <p:cTn id="90" presetID="9" presetClass="emph" presetSubtype="0" grpId="0" nodeType="clickEffect">
-                                  <p:stCondLst>
-                                    <p:cond delay="0"/>
-                                  </p:stCondLst>
-                                  <p:childTnLst>
-                                    <p:set>
-                                      <p:cBhvr>
-                                        <p:cTn id="91" dur="indefinite"/>
-                                        <p:tgtEl>
-                                          <p:spTgt spid="15"/>
-                                        </p:tgtEl>
-                                        <p:attrNameLst>
-                                          <p:attrName>style.opacity</p:attrName>
-                                        </p:attrNameLst>
-                                      </p:cBhvr>
-                                      <p:to>
-                                        <p:strVal val="0.15"/>
-                                      </p:to>
-                                    </p:set>
-                                    <p:animEffect filter="image" prLst="opacity: 0.15">
-                                      <p:cBhvr rctx="IE">
-                                        <p:cTn id="92" dur="indefinite"/>
-                                        <p:tgtEl>
-                                          <p:spTgt spid="15"/>
-                                        </p:tgtEl>
-                                      </p:cBhvr>
-                                    </p:animEffect>
-                                  </p:childTnLst>
-                                </p:cTn>
-                              </p:par>
-                            </p:childTnLst>
-                          </p:cTn>
-                        </p:par>
-                      </p:childTnLst>
-                    </p:cTn>
-                  </p:par>
                 </p:childTnLst>
               </p:cTn>
               <p:prevCondLst>
@@ -10844,644 +8121,8 @@
     <p:bldLst>
       <p:bldP spid="2" grpId="0"/>
       <p:bldP spid="2" grpId="1"/>
-      <p:bldP spid="8" grpId="0"/>
-      <p:bldP spid="8" grpId="1"/>
-      <p:bldP spid="9" grpId="0"/>
-      <p:bldP spid="9" grpId="1"/>
-      <p:bldP spid="10" grpId="0"/>
-      <p:bldP spid="10" grpId="1"/>
-      <p:bldP spid="11" grpId="0"/>
-      <p:bldP spid="11" grpId="1"/>
-      <p:bldP spid="12" grpId="0"/>
-      <p:bldP spid="12" grpId="1"/>
-      <p:bldP spid="13" grpId="0"/>
-      <p:bldP spid="13" grpId="1"/>
-      <p:bldP spid="14" grpId="0"/>
-      <p:bldP spid="14" grpId="1"/>
-      <p:bldP spid="15" grpId="0"/>
-      <p:bldP spid="15" grpId="1"/>
     </p:bldLst>
   </p:timing>
-</p:sld>
-</file>
-
-<file path=ppt/slides/slide4.xml><?xml version="1.0" encoding="utf-8"?>
-<p:sld xmlns:a="http://schemas.openxmlformats.org/drawingml/2006/main" xmlns:r="http://schemas.openxmlformats.org/officeDocument/2006/relationships" xmlns:p="http://schemas.openxmlformats.org/presentationml/2006/main">
-  <p:cSld>
-    <p:bg>
-      <p:bgPr>
-        <a:blipFill dpi="0" rotWithShape="1">
-          <a:blip r:embed="rId3">
-            <a:lum/>
-          </a:blip>
-          <a:srcRect/>
-          <a:stretch>
-            <a:fillRect t="-6000" b="-6000"/>
-          </a:stretch>
-        </a:blipFill>
-        <a:effectLst/>
-      </p:bgPr>
-    </p:bg>
-    <p:spTree>
-      <p:nvGrpSpPr>
-        <p:cNvPr id="1" name=""/>
-        <p:cNvGrpSpPr/>
-        <p:nvPr/>
-      </p:nvGrpSpPr>
-      <p:grpSpPr>
-        <a:xfrm>
-          <a:off x="0" y="0"/>
-          <a:ext cx="0" cy="0"/>
-          <a:chOff x="0" y="0"/>
-          <a:chExt cx="0" cy="0"/>
-        </a:xfrm>
-      </p:grpSpPr>
-      <p:pic>
-        <p:nvPicPr>
-          <p:cNvPr id="9" name="Picture 2" descr="https://www.mcubed.london/wp-content/uploads/2017/12/M3_Image_v1.jpg">
-            <a:extLst>
-              <a:ext uri="{FF2B5EF4-FFF2-40B4-BE49-F238E27FC236}">
-                <a16:creationId xmlns:a16="http://schemas.microsoft.com/office/drawing/2014/main" id="{109FAA49-04EC-4238-8CA4-4976D9C5B654}"/>
-              </a:ext>
-            </a:extLst>
-          </p:cNvPr>
-          <p:cNvPicPr>
-            <a:picLocks noChangeAspect="1" noChangeArrowheads="1"/>
-          </p:cNvPicPr>
-          <p:nvPr/>
-        </p:nvPicPr>
-        <p:blipFill>
-          <a:blip r:embed="rId4">
-            <a:duotone>
-              <a:schemeClr val="bg2">
-                <a:shade val="45000"/>
-                <a:satMod val="135000"/>
-              </a:schemeClr>
-              <a:prstClr val="white"/>
-            </a:duotone>
-            <a:extLst>
-              <a:ext uri="{28A0092B-C50C-407E-A947-70E740481C1C}">
-                <a14:useLocalDpi xmlns:a14="http://schemas.microsoft.com/office/drawing/2010/main" val="0"/>
-              </a:ext>
-            </a:extLst>
-          </a:blip>
-          <a:srcRect/>
-          <a:stretch>
-            <a:fillRect/>
-          </a:stretch>
-        </p:blipFill>
-        <p:spPr bwMode="auto">
-          <a:xfrm>
-            <a:off x="-8022" y="6266"/>
-            <a:ext cx="12192000" cy="6843713"/>
-          </a:xfrm>
-          <a:prstGeom prst="rect">
-            <a:avLst/>
-          </a:prstGeom>
-          <a:noFill/>
-          <a:extLst>
-            <a:ext uri="{909E8E84-426E-40DD-AFC4-6F175D3DCCD1}">
-              <a14:hiddenFill xmlns:a14="http://schemas.microsoft.com/office/drawing/2010/main">
-                <a:solidFill>
-                  <a:srgbClr val="FFFFFF"/>
-                </a:solidFill>
-              </a14:hiddenFill>
-            </a:ext>
-          </a:extLst>
-        </p:spPr>
-      </p:pic>
-      <p:sp>
-        <p:nvSpPr>
-          <p:cNvPr id="11" name="TextBox 10"/>
-          <p:cNvSpPr txBox="1"/>
-          <p:nvPr/>
-        </p:nvSpPr>
-        <p:spPr>
-          <a:xfrm>
-            <a:off x="384980" y="319709"/>
-            <a:ext cx="8416120" cy="6740307"/>
-          </a:xfrm>
-          <a:prstGeom prst="rect">
-            <a:avLst/>
-          </a:prstGeom>
-          <a:noFill/>
-        </p:spPr>
-        <p:txBody>
-          <a:bodyPr wrap="square" rtlCol="0">
-            <a:spAutoFit/>
-          </a:bodyPr>
-          <a:lstStyle/>
-          <a:p>
-            <a:pPr marL="0" marR="0" lvl="0" indent="0" algn="l" defTabSz="914400" rtl="0" eaLnBrk="1" fontAlgn="auto" latinLnBrk="0" hangingPunct="1">
-              <a:lnSpc>
-                <a:spcPct val="100000"/>
-              </a:lnSpc>
-              <a:spcBef>
-                <a:spcPts val="0"/>
-              </a:spcBef>
-              <a:spcAft>
-                <a:spcPts val="0"/>
-              </a:spcAft>
-              <a:buClrTx/>
-              <a:buSzTx/>
-              <a:buFontTx/>
-              <a:buNone/>
-              <a:tabLst/>
-              <a:defRPr/>
-            </a:pPr>
-            <a:r>
-              <a:rPr lang="en-GB" sz="4000" b="1" dirty="0">
-                <a:latin typeface="Segoe UI Light" panose="020B0502040204020203" pitchFamily="34" charset="0"/>
-                <a:cs typeface="Segoe UI Light" panose="020B0502040204020203" pitchFamily="34" charset="0"/>
-              </a:rPr>
-              <a:t>Terry McCann</a:t>
-            </a:r>
-            <a:endParaRPr kumimoji="0" lang="en-GB" sz="4000" b="1" i="0" u="none" strike="noStrike" kern="1200" cap="none" spc="0" normalizeH="0" baseline="0" noProof="0" dirty="0">
-              <a:ln>
-                <a:noFill/>
-              </a:ln>
-              <a:effectLst/>
-              <a:uLnTx/>
-              <a:uFillTx/>
-              <a:latin typeface="Segoe UI Light" panose="020B0502040204020203" pitchFamily="34" charset="0"/>
-              <a:ea typeface="+mn-ea"/>
-              <a:cs typeface="Segoe UI Light" panose="020B0502040204020203" pitchFamily="34" charset="0"/>
-            </a:endParaRPr>
-          </a:p>
-          <a:p>
-            <a:pPr marL="0" marR="0" lvl="0" indent="0" algn="l" defTabSz="914400" rtl="0" eaLnBrk="1" fontAlgn="auto" latinLnBrk="0" hangingPunct="1">
-              <a:lnSpc>
-                <a:spcPct val="100000"/>
-              </a:lnSpc>
-              <a:spcBef>
-                <a:spcPts val="0"/>
-              </a:spcBef>
-              <a:spcAft>
-                <a:spcPts val="0"/>
-              </a:spcAft>
-              <a:buClrTx/>
-              <a:buSzTx/>
-              <a:buFontTx/>
-              <a:buNone/>
-              <a:tabLst/>
-              <a:defRPr/>
-            </a:pPr>
-            <a:endParaRPr kumimoji="0" lang="en-GB" sz="4000" b="1" i="0" u="none" strike="noStrike" kern="1200" cap="none" spc="0" normalizeH="0" baseline="0" noProof="0" dirty="0">
-              <a:ln>
-                <a:noFill/>
-              </a:ln>
-              <a:effectLst/>
-              <a:uLnTx/>
-              <a:uFillTx/>
-              <a:latin typeface="Segoe UI Light" panose="020B0502040204020203" pitchFamily="34" charset="0"/>
-              <a:ea typeface="+mn-ea"/>
-              <a:cs typeface="Segoe UI Light" panose="020B0502040204020203" pitchFamily="34" charset="0"/>
-            </a:endParaRPr>
-          </a:p>
-          <a:p>
-            <a:pPr marL="0" marR="0" lvl="0" indent="0" algn="l" defTabSz="914400" rtl="0" eaLnBrk="1" fontAlgn="auto" latinLnBrk="0" hangingPunct="1">
-              <a:lnSpc>
-                <a:spcPct val="150000"/>
-              </a:lnSpc>
-              <a:spcBef>
-                <a:spcPts val="0"/>
-              </a:spcBef>
-              <a:spcAft>
-                <a:spcPts val="0"/>
-              </a:spcAft>
-              <a:buClrTx/>
-              <a:buSzTx/>
-              <a:buFontTx/>
-              <a:buNone/>
-              <a:tabLst/>
-              <a:defRPr/>
-            </a:pPr>
-            <a:r>
-              <a:rPr lang="en-GB" sz="3200" dirty="0">
-                <a:latin typeface="Segoe UI Light" panose="020B0502040204020203" pitchFamily="34" charset="0"/>
-                <a:cs typeface="Segoe UI Light" panose="020B0502040204020203" pitchFamily="34" charset="0"/>
-              </a:rPr>
-              <a:t>Head of Data Science for Adatis.</a:t>
-            </a:r>
-            <a:endParaRPr kumimoji="0" lang="en-GB" sz="3200" b="0" i="0" u="none" strike="noStrike" kern="1200" cap="none" spc="0" normalizeH="0" baseline="0" noProof="0" dirty="0">
-              <a:ln>
-                <a:noFill/>
-              </a:ln>
-              <a:effectLst/>
-              <a:uLnTx/>
-              <a:uFillTx/>
-              <a:latin typeface="Segoe UI Light" panose="020B0502040204020203" pitchFamily="34" charset="0"/>
-              <a:ea typeface="+mn-ea"/>
-              <a:cs typeface="Segoe UI Light" panose="020B0502040204020203" pitchFamily="34" charset="0"/>
-            </a:endParaRPr>
-          </a:p>
-          <a:p>
-            <a:pPr marL="0" marR="0" lvl="0" indent="0" algn="l" defTabSz="914400" rtl="0" eaLnBrk="1" fontAlgn="auto" latinLnBrk="0" hangingPunct="1">
-              <a:lnSpc>
-                <a:spcPct val="150000"/>
-              </a:lnSpc>
-              <a:spcBef>
-                <a:spcPts val="0"/>
-              </a:spcBef>
-              <a:spcAft>
-                <a:spcPts val="0"/>
-              </a:spcAft>
-              <a:buClrTx/>
-              <a:buSzTx/>
-              <a:buFontTx/>
-              <a:buNone/>
-              <a:tabLst/>
-              <a:defRPr/>
-            </a:pPr>
-            <a:r>
-              <a:rPr kumimoji="0" lang="en-GB" sz="3200" b="0" i="0" u="none" strike="noStrike" kern="1200" cap="none" spc="0" normalizeH="0" baseline="0" noProof="0" dirty="0">
-                <a:ln>
-                  <a:noFill/>
-                </a:ln>
-                <a:effectLst/>
-                <a:uLnTx/>
-                <a:uFillTx/>
-                <a:latin typeface="Segoe UI Light" panose="020B0502040204020203" pitchFamily="34" charset="0"/>
-                <a:ea typeface="+mn-ea"/>
-                <a:cs typeface="Segoe UI Light" panose="020B0502040204020203" pitchFamily="34" charset="0"/>
-              </a:rPr>
-              <a:t>Microsoft Most Valuable Professional (MVP)</a:t>
-            </a:r>
-          </a:p>
-          <a:p>
-            <a:pPr marL="0" marR="0" lvl="0" indent="0" algn="l" defTabSz="914400" rtl="0" eaLnBrk="1" fontAlgn="auto" latinLnBrk="0" hangingPunct="1">
-              <a:lnSpc>
-                <a:spcPct val="150000"/>
-              </a:lnSpc>
-              <a:spcBef>
-                <a:spcPts val="0"/>
-              </a:spcBef>
-              <a:spcAft>
-                <a:spcPts val="0"/>
-              </a:spcAft>
-              <a:buClrTx/>
-              <a:buSzTx/>
-              <a:buFontTx/>
-              <a:buNone/>
-              <a:tabLst/>
-              <a:defRPr/>
-            </a:pPr>
-            <a:r>
-              <a:rPr kumimoji="0" lang="en-GB" sz="3200" b="0" i="0" u="none" strike="noStrike" kern="1200" cap="none" spc="0" normalizeH="0" baseline="0" noProof="0" dirty="0">
-                <a:ln>
-                  <a:noFill/>
-                </a:ln>
-                <a:effectLst/>
-                <a:uLnTx/>
-                <a:uFillTx/>
-                <a:latin typeface="Segoe UI Light" panose="020B0502040204020203" pitchFamily="34" charset="0"/>
-                <a:ea typeface="+mn-ea"/>
-                <a:cs typeface="Segoe UI Light" panose="020B0502040204020203" pitchFamily="34" charset="0"/>
-              </a:rPr>
-              <a:t>11+ Years working with data and engineering</a:t>
-            </a:r>
-          </a:p>
-          <a:p>
-            <a:pPr marL="0" marR="0" lvl="0" indent="0" algn="l" defTabSz="914400" rtl="0" eaLnBrk="1" fontAlgn="auto" latinLnBrk="0" hangingPunct="1">
-              <a:lnSpc>
-                <a:spcPct val="150000"/>
-              </a:lnSpc>
-              <a:spcBef>
-                <a:spcPts val="0"/>
-              </a:spcBef>
-              <a:spcAft>
-                <a:spcPts val="0"/>
-              </a:spcAft>
-              <a:buClrTx/>
-              <a:buSzTx/>
-              <a:buFontTx/>
-              <a:buNone/>
-              <a:tabLst/>
-              <a:defRPr/>
-            </a:pPr>
-            <a:r>
-              <a:rPr lang="en-GB" sz="3200" dirty="0">
-                <a:latin typeface="Segoe UI Light" panose="020B0502040204020203" pitchFamily="34" charset="0"/>
-                <a:cs typeface="Segoe UI Light" panose="020B0502040204020203" pitchFamily="34" charset="0"/>
-              </a:rPr>
-              <a:t>MSc in Data Science from Dundee</a:t>
-            </a:r>
-          </a:p>
-          <a:p>
-            <a:pPr marL="0" marR="0" lvl="0" indent="0" algn="l" defTabSz="914400" rtl="0" eaLnBrk="1" fontAlgn="auto" latinLnBrk="0" hangingPunct="1">
-              <a:lnSpc>
-                <a:spcPct val="150000"/>
-              </a:lnSpc>
-              <a:spcBef>
-                <a:spcPts val="0"/>
-              </a:spcBef>
-              <a:spcAft>
-                <a:spcPts val="0"/>
-              </a:spcAft>
-              <a:buClrTx/>
-              <a:buSzTx/>
-              <a:buFontTx/>
-              <a:buNone/>
-              <a:tabLst/>
-              <a:defRPr/>
-            </a:pPr>
-            <a:r>
-              <a:rPr lang="en-GB" sz="3200" dirty="0">
-                <a:latin typeface="Segoe UI Light" panose="020B0502040204020203" pitchFamily="34" charset="0"/>
-                <a:cs typeface="Segoe UI Light" panose="020B0502040204020203" pitchFamily="34" charset="0"/>
-              </a:rPr>
-              <a:t>I live in Devon with my Wife and little boy Dusty</a:t>
-            </a:r>
-          </a:p>
-          <a:p>
-            <a:pPr marL="0" marR="0" lvl="0" indent="0" algn="l" defTabSz="914400" rtl="0" eaLnBrk="1" fontAlgn="auto" latinLnBrk="0" hangingPunct="1">
-              <a:lnSpc>
-                <a:spcPct val="150000"/>
-              </a:lnSpc>
-              <a:spcBef>
-                <a:spcPts val="0"/>
-              </a:spcBef>
-              <a:spcAft>
-                <a:spcPts val="0"/>
-              </a:spcAft>
-              <a:buClrTx/>
-              <a:buSzTx/>
-              <a:buFontTx/>
-              <a:buNone/>
-              <a:tabLst/>
-              <a:defRPr/>
-            </a:pPr>
-            <a:r>
-              <a:rPr lang="en-GB" sz="3200" dirty="0">
-                <a:latin typeface="Segoe UI Light" panose="020B0502040204020203" pitchFamily="34" charset="0"/>
-                <a:cs typeface="Segoe UI Light" panose="020B0502040204020203" pitchFamily="34" charset="0"/>
-              </a:rPr>
-              <a:t>I love board games. </a:t>
-            </a:r>
-          </a:p>
-          <a:p>
-            <a:pPr marL="0" marR="0" lvl="0" indent="0" algn="l" defTabSz="914400" rtl="0" eaLnBrk="1" fontAlgn="auto" latinLnBrk="0" hangingPunct="1">
-              <a:lnSpc>
-                <a:spcPct val="100000"/>
-              </a:lnSpc>
-              <a:spcBef>
-                <a:spcPts val="0"/>
-              </a:spcBef>
-              <a:spcAft>
-                <a:spcPts val="0"/>
-              </a:spcAft>
-              <a:buClrTx/>
-              <a:buSzTx/>
-              <a:buFontTx/>
-              <a:buNone/>
-              <a:tabLst/>
-              <a:defRPr/>
-            </a:pPr>
-            <a:endParaRPr lang="en-GB" sz="3200" dirty="0">
-              <a:latin typeface="Segoe UI Light" panose="020B0502040204020203" pitchFamily="34" charset="0"/>
-              <a:cs typeface="Segoe UI Light" panose="020B0502040204020203" pitchFamily="34" charset="0"/>
-            </a:endParaRPr>
-          </a:p>
-          <a:p>
-            <a:pPr marL="0" marR="0" lvl="0" indent="0" algn="l" defTabSz="914400" rtl="0" eaLnBrk="1" fontAlgn="auto" latinLnBrk="0" hangingPunct="1">
-              <a:lnSpc>
-                <a:spcPct val="100000"/>
-              </a:lnSpc>
-              <a:spcBef>
-                <a:spcPts val="0"/>
-              </a:spcBef>
-              <a:spcAft>
-                <a:spcPts val="0"/>
-              </a:spcAft>
-              <a:buClrTx/>
-              <a:buSzTx/>
-              <a:buFontTx/>
-              <a:buNone/>
-              <a:tabLst/>
-              <a:defRPr/>
-            </a:pPr>
-            <a:endParaRPr kumimoji="0" lang="en-GB" sz="3200" b="0" i="0" u="none" strike="noStrike" kern="1200" cap="none" spc="0" normalizeH="0" baseline="0" noProof="0" dirty="0">
-              <a:ln>
-                <a:noFill/>
-              </a:ln>
-              <a:effectLst/>
-              <a:uLnTx/>
-              <a:uFillTx/>
-              <a:latin typeface="Segoe UI Light" panose="020B0502040204020203" pitchFamily="34" charset="0"/>
-              <a:ea typeface="+mn-ea"/>
-              <a:cs typeface="Segoe UI Light" panose="020B0502040204020203" pitchFamily="34" charset="0"/>
-            </a:endParaRPr>
-          </a:p>
-        </p:txBody>
-      </p:sp>
-      <p:pic>
-        <p:nvPicPr>
-          <p:cNvPr id="6" name="Picture 2" descr="https://avatars3.githubusercontent.com/u/12963406?s=460&amp;v=4">
-            <a:extLst>
-              <a:ext uri="{FF2B5EF4-FFF2-40B4-BE49-F238E27FC236}">
-                <a16:creationId xmlns:a16="http://schemas.microsoft.com/office/drawing/2014/main" id="{BC108F6F-1672-4DDF-9C7A-B5A2DC67D122}"/>
-              </a:ext>
-            </a:extLst>
-          </p:cNvPr>
-          <p:cNvPicPr>
-            <a:picLocks noChangeAspect="1" noChangeArrowheads="1"/>
-          </p:cNvPicPr>
-          <p:nvPr/>
-        </p:nvPicPr>
-        <p:blipFill>
-          <a:blip r:embed="rId5">
-            <a:extLst>
-              <a:ext uri="{28A0092B-C50C-407E-A947-70E740481C1C}">
-                <a14:useLocalDpi xmlns:a14="http://schemas.microsoft.com/office/drawing/2010/main" val="0"/>
-              </a:ext>
-            </a:extLst>
-          </a:blip>
-          <a:srcRect/>
-          <a:stretch>
-            <a:fillRect/>
-          </a:stretch>
-        </p:blipFill>
-        <p:spPr bwMode="auto">
-          <a:xfrm rot="1176516">
-            <a:off x="8698493" y="425797"/>
-            <a:ext cx="3067709" cy="3067709"/>
-          </a:xfrm>
-          <a:prstGeom prst="ellipse">
-            <a:avLst/>
-          </a:prstGeom>
-          <a:solidFill>
-            <a:schemeClr val="bg1"/>
-          </a:solidFill>
-          <a:ln w="63500" cap="rnd">
-            <a:solidFill>
-              <a:srgbClr val="333333"/>
-            </a:solidFill>
-          </a:ln>
-          <a:effectLst>
-            <a:outerShdw blurRad="381000" dist="292100" dir="5400000" sx="-80000" sy="-18000" rotWithShape="0">
-              <a:srgbClr val="000000">
-                <a:alpha val="22000"/>
-              </a:srgbClr>
-            </a:outerShdw>
-          </a:effectLst>
-          <a:scene3d>
-            <a:camera prst="orthographicFront"/>
-            <a:lightRig rig="contrasting" dir="t">
-              <a:rot lat="0" lon="0" rev="3000000"/>
-            </a:lightRig>
-          </a:scene3d>
-          <a:sp3d contourW="7620">
-            <a:bevelT w="95250" h="31750"/>
-            <a:contourClr>
-              <a:srgbClr val="333333"/>
-            </a:contourClr>
-          </a:sp3d>
-          <a:extLst/>
-        </p:spPr>
-      </p:pic>
-    </p:spTree>
-    <p:extLst>
-      <p:ext uri="{BB962C8B-B14F-4D97-AF65-F5344CB8AC3E}">
-        <p14:creationId xmlns:p14="http://schemas.microsoft.com/office/powerpoint/2010/main" val="2183075475"/>
-      </p:ext>
-    </p:extLst>
-  </p:cSld>
-  <p:clrMapOvr>
-    <a:masterClrMapping/>
-  </p:clrMapOvr>
-</p:sld>
-</file>
-
-<file path=ppt/slides/slide5.xml><?xml version="1.0" encoding="utf-8"?>
-<p:sld xmlns:a="http://schemas.openxmlformats.org/drawingml/2006/main" xmlns:r="http://schemas.openxmlformats.org/officeDocument/2006/relationships" xmlns:p="http://schemas.openxmlformats.org/presentationml/2006/main">
-  <p:cSld>
-    <p:bg>
-      <p:bgPr>
-        <a:solidFill>
-          <a:schemeClr val="bg1">
-            <a:lumMod val="95000"/>
-          </a:schemeClr>
-        </a:solidFill>
-        <a:effectLst/>
-      </p:bgPr>
-    </p:bg>
-    <p:spTree>
-      <p:nvGrpSpPr>
-        <p:cNvPr id="1" name=""/>
-        <p:cNvGrpSpPr/>
-        <p:nvPr/>
-      </p:nvGrpSpPr>
-      <p:grpSpPr>
-        <a:xfrm>
-          <a:off x="0" y="0"/>
-          <a:ext cx="0" cy="0"/>
-          <a:chOff x="0" y="0"/>
-          <a:chExt cx="0" cy="0"/>
-        </a:xfrm>
-      </p:grpSpPr>
-      <p:sp>
-        <p:nvSpPr>
-          <p:cNvPr id="2" name="TextBox 1"/>
-          <p:cNvSpPr txBox="1"/>
-          <p:nvPr/>
-        </p:nvSpPr>
-        <p:spPr>
-          <a:xfrm>
-            <a:off x="261870" y="2688970"/>
-            <a:ext cx="11668259" cy="769441"/>
-          </a:xfrm>
-          <a:prstGeom prst="rect">
-            <a:avLst/>
-          </a:prstGeom>
-          <a:noFill/>
-        </p:spPr>
-        <p:txBody>
-          <a:bodyPr wrap="square" rtlCol="0">
-            <a:spAutoFit/>
-          </a:bodyPr>
-          <a:lstStyle/>
-          <a:p>
-            <a:pPr marL="0" marR="0" lvl="0" indent="0" algn="ctr" defTabSz="1219170" rtl="0" eaLnBrk="1" fontAlgn="auto" latinLnBrk="0" hangingPunct="1">
-              <a:lnSpc>
-                <a:spcPct val="100000"/>
-              </a:lnSpc>
-              <a:spcBef>
-                <a:spcPts val="0"/>
-              </a:spcBef>
-              <a:spcAft>
-                <a:spcPts val="0"/>
-              </a:spcAft>
-              <a:buClrTx/>
-              <a:buSzTx/>
-              <a:buFontTx/>
-              <a:buNone/>
-              <a:tabLst/>
-              <a:defRPr/>
-            </a:pPr>
-            <a:r>
-              <a:rPr kumimoji="0" lang="en-GB" sz="4400" b="1" i="0" u="none" strike="noStrike" kern="1200" cap="none" spc="0" normalizeH="0" baseline="0" noProof="0" dirty="0">
-                <a:ln>
-                  <a:noFill/>
-                </a:ln>
-                <a:solidFill>
-                  <a:srgbClr val="000000"/>
-                </a:solidFill>
-                <a:effectLst/>
-                <a:uLnTx/>
-                <a:uFillTx/>
-                <a:latin typeface="Segoe UI Light" panose="020B0502040204020203" pitchFamily="34" charset="0"/>
-                <a:ea typeface="+mn-ea"/>
-                <a:cs typeface="Segoe UI Light" panose="020B0502040204020203" pitchFamily="34" charset="0"/>
-              </a:rPr>
-              <a:t>Over to </a:t>
-            </a:r>
-            <a:r>
-              <a:rPr kumimoji="0" lang="en-GB" sz="4400" b="1" i="1" u="none" strike="noStrike" kern="1200" cap="none" spc="0" normalizeH="0" baseline="0" noProof="0" dirty="0">
-                <a:ln>
-                  <a:noFill/>
-                </a:ln>
-                <a:solidFill>
-                  <a:srgbClr val="006FBA"/>
-                </a:solidFill>
-                <a:effectLst/>
-                <a:uLnTx/>
-                <a:uFillTx/>
-                <a:latin typeface="Segoe UI"/>
-                <a:ea typeface="+mn-ea"/>
-                <a:cs typeface="Segoe UI Light" panose="020B0502040204020203" pitchFamily="34" charset="0"/>
-              </a:rPr>
-              <a:t>You</a:t>
-            </a:r>
-            <a:r>
-              <a:rPr kumimoji="0" lang="en-GB" sz="4400" b="1" i="0" u="none" strike="noStrike" kern="1200" cap="none" spc="0" normalizeH="0" baseline="0" noProof="0" dirty="0">
-                <a:ln>
-                  <a:noFill/>
-                </a:ln>
-                <a:solidFill>
-                  <a:srgbClr val="000000"/>
-                </a:solidFill>
-                <a:effectLst/>
-                <a:uLnTx/>
-                <a:uFillTx/>
-                <a:latin typeface="Segoe UI Light" panose="020B0502040204020203" pitchFamily="34" charset="0"/>
-                <a:ea typeface="+mn-ea"/>
-                <a:cs typeface="Segoe UI Light" panose="020B0502040204020203" pitchFamily="34" charset="0"/>
-              </a:rPr>
-              <a:t>. </a:t>
-            </a:r>
-          </a:p>
-        </p:txBody>
-      </p:sp>
-    </p:spTree>
-    <p:extLst>
-      <p:ext uri="{BB962C8B-B14F-4D97-AF65-F5344CB8AC3E}">
-        <p14:creationId xmlns:p14="http://schemas.microsoft.com/office/powerpoint/2010/main" val="2631434433"/>
-      </p:ext>
-    </p:extLst>
-  </p:cSld>
-  <p:clrMapOvr>
-    <a:overrideClrMapping bg1="lt1" tx1="dk1" bg2="lt2" tx2="dk2" accent1="accent1" accent2="accent2" accent3="accent3" accent4="accent4" accent5="accent5" accent6="accent6" hlink="hlink" folHlink="folHlink"/>
-  </p:clrMapOvr>
 </p:sld>
 </file>
 
@@ -11551,7 +8192,7 @@
         <p:spPr>
           <a:xfrm>
             <a:off x="1127448" y="386368"/>
-            <a:ext cx="7124232" cy="4832092"/>
+            <a:ext cx="7124232" cy="5509200"/>
           </a:xfrm>
           <a:prstGeom prst="rect">
             <a:avLst/>
@@ -11784,59 +8425,19 @@
             </a:endParaRPr>
           </a:p>
           <a:p>
-            <a:pPr marL="0" marR="0" lvl="0" indent="0" algn="ctr" defTabSz="1219170" rtl="0" eaLnBrk="1" fontAlgn="auto" latinLnBrk="0" hangingPunct="1">
-              <a:lnSpc>
-                <a:spcPct val="100000"/>
-              </a:lnSpc>
-              <a:spcBef>
-                <a:spcPts val="0"/>
-              </a:spcBef>
-              <a:spcAft>
-                <a:spcPts val="0"/>
-              </a:spcAft>
-              <a:buClrTx/>
-              <a:buSzTx/>
-              <a:buFontTx/>
-              <a:buNone/>
-              <a:tabLst/>
+            <a:pPr lvl="0" algn="ctr" defTabSz="1219170">
               <a:defRPr/>
             </a:pPr>
             <a:r>
-              <a:rPr kumimoji="0" lang="en-GB" sz="4400" b="0" i="0" u="none" strike="noStrike" kern="1200" cap="none" spc="0" normalizeH="0" baseline="0" noProof="0" dirty="0">
-                <a:ln>
-                  <a:noFill/>
-                </a:ln>
+              <a:rPr lang="en-GB" sz="4400" dirty="0">
                 <a:solidFill>
                   <a:srgbClr val="000000"/>
                 </a:solidFill>
-                <a:effectLst/>
-                <a:uLnTx/>
-                <a:uFillTx/>
                 <a:latin typeface="Segoe UI Light" panose="020B0502040204020203" pitchFamily="34" charset="0"/>
-                <a:ea typeface="+mn-ea"/>
                 <a:cs typeface="Segoe UI Light" panose="020B0502040204020203" pitchFamily="34" charset="0"/>
               </a:rPr>
-              <a:t>https://github.com/SQLShark</a:t>
-            </a:r>
-          </a:p>
-          <a:p>
-            <a:pPr marL="0" marR="0" lvl="0" indent="0" algn="ctr" defTabSz="1219170" rtl="0" eaLnBrk="1" fontAlgn="auto" latinLnBrk="0" hangingPunct="1">
-              <a:lnSpc>
-                <a:spcPct val="100000"/>
-              </a:lnSpc>
-              <a:spcBef>
-                <a:spcPts val="0"/>
-              </a:spcBef>
-              <a:spcAft>
-                <a:spcPts val="0"/>
-              </a:spcAft>
-              <a:buClrTx/>
-              <a:buSzTx/>
-              <a:buFontTx/>
-              <a:buNone/>
-              <a:tabLst/>
-              <a:defRPr/>
-            </a:pPr>
+              <a:t>https://github.com/SQLShark/MachineLearningFromModelToProduction</a:t>
+            </a:r>
             <a:endParaRPr kumimoji="0" lang="en-GB" sz="4400" b="0" i="0" u="none" strike="noStrike" kern="1200" cap="none" spc="0" normalizeH="0" baseline="0" noProof="0" dirty="0">
               <a:ln>
                 <a:noFill/>
@@ -12391,413 +8992,7 @@
 </p:sld>
 </file>
 
-<file path=ppt/slides/slide8.xml><?xml version="1.0" encoding="utf-8"?>
-<p:sld xmlns:a="http://schemas.openxmlformats.org/drawingml/2006/main" xmlns:r="http://schemas.openxmlformats.org/officeDocument/2006/relationships" xmlns:p="http://schemas.openxmlformats.org/presentationml/2006/main">
-  <p:cSld>
-    <p:bg>
-      <p:bgPr>
-        <a:solidFill>
-          <a:schemeClr val="bg1">
-            <a:lumMod val="95000"/>
-          </a:schemeClr>
-        </a:solidFill>
-        <a:effectLst/>
-      </p:bgPr>
-    </p:bg>
-    <p:spTree>
-      <p:nvGrpSpPr>
-        <p:cNvPr id="1" name=""/>
-        <p:cNvGrpSpPr/>
-        <p:nvPr/>
-      </p:nvGrpSpPr>
-      <p:grpSpPr>
-        <a:xfrm>
-          <a:off x="0" y="0"/>
-          <a:ext cx="0" cy="0"/>
-          <a:chOff x="0" y="0"/>
-          <a:chExt cx="0" cy="0"/>
-        </a:xfrm>
-      </p:grpSpPr>
-      <p:sp>
-        <p:nvSpPr>
-          <p:cNvPr id="2" name="TextBox 1"/>
-          <p:cNvSpPr txBox="1"/>
-          <p:nvPr/>
-        </p:nvSpPr>
-        <p:spPr>
-          <a:xfrm>
-            <a:off x="261870" y="2688970"/>
-            <a:ext cx="11668259" cy="769441"/>
-          </a:xfrm>
-          <a:prstGeom prst="rect">
-            <a:avLst/>
-          </a:prstGeom>
-          <a:noFill/>
-        </p:spPr>
-        <p:txBody>
-          <a:bodyPr wrap="square" rtlCol="0">
-            <a:spAutoFit/>
-          </a:bodyPr>
-          <a:lstStyle/>
-          <a:p>
-            <a:pPr marL="0" marR="0" lvl="0" indent="0" algn="ctr" defTabSz="1219170" rtl="0" eaLnBrk="1" fontAlgn="auto" latinLnBrk="0" hangingPunct="1">
-              <a:lnSpc>
-                <a:spcPct val="100000"/>
-              </a:lnSpc>
-              <a:spcBef>
-                <a:spcPts val="0"/>
-              </a:spcBef>
-              <a:spcAft>
-                <a:spcPts val="0"/>
-              </a:spcAft>
-              <a:buClrTx/>
-              <a:buSzTx/>
-              <a:buFontTx/>
-              <a:buNone/>
-              <a:tabLst/>
-              <a:defRPr/>
-            </a:pPr>
-            <a:r>
-              <a:rPr kumimoji="0" lang="en-GB" sz="4400" b="1" i="0" u="none" strike="noStrike" kern="1200" cap="none" spc="0" normalizeH="0" baseline="0" noProof="0" dirty="0">
-                <a:ln>
-                  <a:noFill/>
-                </a:ln>
-                <a:solidFill>
-                  <a:srgbClr val="000000"/>
-                </a:solidFill>
-                <a:effectLst/>
-                <a:uLnTx/>
-                <a:uFillTx/>
-                <a:latin typeface="Segoe UI Light" panose="020B0502040204020203" pitchFamily="34" charset="0"/>
-                <a:ea typeface="+mn-ea"/>
-                <a:cs typeface="Segoe UI Light" panose="020B0502040204020203" pitchFamily="34" charset="0"/>
-              </a:rPr>
-              <a:t>Who is a </a:t>
-            </a:r>
-            <a:r>
-              <a:rPr kumimoji="0" lang="en-GB" sz="4400" b="1" i="1" u="none" strike="noStrike" kern="1200" cap="none" spc="0" normalizeH="0" baseline="0" noProof="0" dirty="0">
-                <a:ln>
-                  <a:noFill/>
-                </a:ln>
-                <a:solidFill>
-                  <a:srgbClr val="006FBA"/>
-                </a:solidFill>
-                <a:effectLst/>
-                <a:uLnTx/>
-                <a:uFillTx/>
-                <a:latin typeface="Segoe UI"/>
-                <a:ea typeface="+mn-ea"/>
-                <a:cs typeface="Segoe UI Light" panose="020B0502040204020203" pitchFamily="34" charset="0"/>
-              </a:rPr>
-              <a:t>Software developer</a:t>
-            </a:r>
-            <a:r>
-              <a:rPr kumimoji="0" lang="en-GB" sz="4400" b="1" i="0" u="none" strike="noStrike" kern="1200" cap="none" spc="0" normalizeH="0" baseline="0" noProof="0" dirty="0">
-                <a:ln>
-                  <a:noFill/>
-                </a:ln>
-                <a:solidFill>
-                  <a:srgbClr val="000000"/>
-                </a:solidFill>
-                <a:effectLst/>
-                <a:uLnTx/>
-                <a:uFillTx/>
-                <a:latin typeface="Segoe UI Light" panose="020B0502040204020203" pitchFamily="34" charset="0"/>
-                <a:ea typeface="+mn-ea"/>
-                <a:cs typeface="Segoe UI Light" panose="020B0502040204020203" pitchFamily="34" charset="0"/>
-              </a:rPr>
-              <a:t>? </a:t>
-            </a:r>
-          </a:p>
-        </p:txBody>
-      </p:sp>
-    </p:spTree>
-    <p:extLst>
-      <p:ext uri="{BB962C8B-B14F-4D97-AF65-F5344CB8AC3E}">
-        <p14:creationId xmlns:p14="http://schemas.microsoft.com/office/powerpoint/2010/main" val="1462183119"/>
-      </p:ext>
-    </p:extLst>
-  </p:cSld>
-  <p:clrMapOvr>
-    <a:overrideClrMapping bg1="lt1" tx1="dk1" bg2="lt2" tx2="dk2" accent1="accent1" accent2="accent2" accent3="accent3" accent4="accent4" accent5="accent5" accent6="accent6" hlink="hlink" folHlink="folHlink"/>
-  </p:clrMapOvr>
-  <mc:AlternateContent xmlns:mc="http://schemas.openxmlformats.org/markup-compatibility/2006" xmlns:p159="http://schemas.microsoft.com/office/powerpoint/2015/09/main">
-    <mc:Choice Requires="p159">
-      <p:transition xmlns:p14="http://schemas.microsoft.com/office/powerpoint/2010/main" spd="slow" p14:dur="2000">
-        <p159:morph option="byObject"/>
-      </p:transition>
-    </mc:Choice>
-    <mc:Fallback xmlns="">
-      <p:transition spd="slow">
-        <p:fade/>
-      </p:transition>
-    </mc:Fallback>
-  </mc:AlternateContent>
-</p:sld>
-</file>
-
 <file path=ppt/theme/theme1.xml><?xml version="1.0" encoding="utf-8"?>
-<a:theme xmlns:a="http://schemas.openxmlformats.org/drawingml/2006/main" name="Office Theme">
-  <a:themeElements>
-    <a:clrScheme name="Office">
-      <a:dk1>
-        <a:sysClr val="windowText" lastClr="000000"/>
-      </a:dk1>
-      <a:lt1>
-        <a:sysClr val="window" lastClr="FFFFFF"/>
-      </a:lt1>
-      <a:dk2>
-        <a:srgbClr val="44546A"/>
-      </a:dk2>
-      <a:lt2>
-        <a:srgbClr val="E7E6E6"/>
-      </a:lt2>
-      <a:accent1>
-        <a:srgbClr val="5B9BD5"/>
-      </a:accent1>
-      <a:accent2>
-        <a:srgbClr val="ED7D31"/>
-      </a:accent2>
-      <a:accent3>
-        <a:srgbClr val="A5A5A5"/>
-      </a:accent3>
-      <a:accent4>
-        <a:srgbClr val="FFC000"/>
-      </a:accent4>
-      <a:accent5>
-        <a:srgbClr val="4472C4"/>
-      </a:accent5>
-      <a:accent6>
-        <a:srgbClr val="70AD47"/>
-      </a:accent6>
-      <a:hlink>
-        <a:srgbClr val="0563C1"/>
-      </a:hlink>
-      <a:folHlink>
-        <a:srgbClr val="954F72"/>
-      </a:folHlink>
-    </a:clrScheme>
-    <a:fontScheme name="Office">
-      <a:majorFont>
-        <a:latin typeface="Calibri Light" panose="020F0302020204030204"/>
-        <a:ea typeface=""/>
-        <a:cs typeface=""/>
-        <a:font script="Jpan" typeface="ＭＳ Ｐゴシック"/>
-        <a:font script="Hang" typeface="맑은 고딕"/>
-        <a:font script="Hans" typeface="宋体"/>
-        <a:font script="Hant" typeface="新細明體"/>
-        <a:font script="Arab" typeface="Times New Roman"/>
-        <a:font script="Hebr" typeface="Times New Roman"/>
-        <a:font script="Thai" typeface="Angsana New"/>
-        <a:font script="Ethi" typeface="Nyala"/>
-        <a:font script="Beng" typeface="Vrinda"/>
-        <a:font script="Gujr" typeface="Shruti"/>
-        <a:font script="Khmr" typeface="MoolBoran"/>
-        <a:font script="Knda" typeface="Tunga"/>
-        <a:font script="Guru" typeface="Raavi"/>
-        <a:font script="Cans" typeface="Euphemia"/>
-        <a:font script="Cher" typeface="Plantagenet Cherokee"/>
-        <a:font script="Yiii" typeface="Microsoft Yi Baiti"/>
-        <a:font script="Tibt" typeface="Microsoft Himalaya"/>
-        <a:font script="Thaa" typeface="MV Boli"/>
-        <a:font script="Deva" typeface="Mangal"/>
-        <a:font script="Telu" typeface="Gautami"/>
-        <a:font script="Taml" typeface="Latha"/>
-        <a:font script="Syrc" typeface="Estrangelo Edessa"/>
-        <a:font script="Orya" typeface="Kalinga"/>
-        <a:font script="Mlym" typeface="Kartika"/>
-        <a:font script="Laoo" typeface="DokChampa"/>
-        <a:font script="Sinh" typeface="Iskoola Pota"/>
-        <a:font script="Mong" typeface="Mongolian Baiti"/>
-        <a:font script="Viet" typeface="Times New Roman"/>
-        <a:font script="Uigh" typeface="Microsoft Uighur"/>
-        <a:font script="Geor" typeface="Sylfaen"/>
-      </a:majorFont>
-      <a:minorFont>
-        <a:latin typeface="Calibri" panose="020F0502020204030204"/>
-        <a:ea typeface=""/>
-        <a:cs typeface=""/>
-        <a:font script="Jpan" typeface="ＭＳ Ｐゴシック"/>
-        <a:font script="Hang" typeface="맑은 고딕"/>
-        <a:font script="Hans" typeface="宋体"/>
-        <a:font script="Hant" typeface="新細明體"/>
-        <a:font script="Arab" typeface="Arial"/>
-        <a:font script="Hebr" typeface="Arial"/>
-        <a:font script="Thai" typeface="Cordia New"/>
-        <a:font script="Ethi" typeface="Nyala"/>
-        <a:font script="Beng" typeface="Vrinda"/>
-        <a:font script="Gujr" typeface="Shruti"/>
-        <a:font script="Khmr" typeface="DaunPenh"/>
-        <a:font script="Knda" typeface="Tunga"/>
-        <a:font script="Guru" typeface="Raavi"/>
-        <a:font script="Cans" typeface="Euphemia"/>
-        <a:font script="Cher" typeface="Plantagenet Cherokee"/>
-        <a:font script="Yiii" typeface="Microsoft Yi Baiti"/>
-        <a:font script="Tibt" typeface="Microsoft Himalaya"/>
-        <a:font script="Thaa" typeface="MV Boli"/>
-        <a:font script="Deva" typeface="Mangal"/>
-        <a:font script="Telu" typeface="Gautami"/>
-        <a:font script="Taml" typeface="Latha"/>
-        <a:font script="Syrc" typeface="Estrangelo Edessa"/>
-        <a:font script="Orya" typeface="Kalinga"/>
-        <a:font script="Mlym" typeface="Kartika"/>
-        <a:font script="Laoo" typeface="DokChampa"/>
-        <a:font script="Sinh" typeface="Iskoola Pota"/>
-        <a:font script="Mong" typeface="Mongolian Baiti"/>
-        <a:font script="Viet" typeface="Arial"/>
-        <a:font script="Uigh" typeface="Microsoft Uighur"/>
-        <a:font script="Geor" typeface="Sylfaen"/>
-      </a:minorFont>
-    </a:fontScheme>
-    <a:fmtScheme name="Office">
-      <a:fillStyleLst>
-        <a:solidFill>
-          <a:schemeClr val="phClr"/>
-        </a:solidFill>
-        <a:gradFill rotWithShape="1">
-          <a:gsLst>
-            <a:gs pos="0">
-              <a:schemeClr val="phClr">
-                <a:lumMod val="110000"/>
-                <a:satMod val="105000"/>
-                <a:tint val="67000"/>
-              </a:schemeClr>
-            </a:gs>
-            <a:gs pos="50000">
-              <a:schemeClr val="phClr">
-                <a:lumMod val="105000"/>
-                <a:satMod val="103000"/>
-                <a:tint val="73000"/>
-              </a:schemeClr>
-            </a:gs>
-            <a:gs pos="100000">
-              <a:schemeClr val="phClr">
-                <a:lumMod val="105000"/>
-                <a:satMod val="109000"/>
-                <a:tint val="81000"/>
-              </a:schemeClr>
-            </a:gs>
-          </a:gsLst>
-          <a:lin ang="5400000" scaled="0"/>
-        </a:gradFill>
-        <a:gradFill rotWithShape="1">
-          <a:gsLst>
-            <a:gs pos="0">
-              <a:schemeClr val="phClr">
-                <a:satMod val="103000"/>
-                <a:lumMod val="102000"/>
-                <a:tint val="94000"/>
-              </a:schemeClr>
-            </a:gs>
-            <a:gs pos="50000">
-              <a:schemeClr val="phClr">
-                <a:satMod val="110000"/>
-                <a:lumMod val="100000"/>
-                <a:shade val="100000"/>
-              </a:schemeClr>
-            </a:gs>
-            <a:gs pos="100000">
-              <a:schemeClr val="phClr">
-                <a:lumMod val="99000"/>
-                <a:satMod val="120000"/>
-                <a:shade val="78000"/>
-              </a:schemeClr>
-            </a:gs>
-          </a:gsLst>
-          <a:lin ang="5400000" scaled="0"/>
-        </a:gradFill>
-      </a:fillStyleLst>
-      <a:lnStyleLst>
-        <a:ln w="6350" cap="flat" cmpd="sng" algn="ctr">
-          <a:solidFill>
-            <a:schemeClr val="phClr"/>
-          </a:solidFill>
-          <a:prstDash val="solid"/>
-          <a:miter lim="800000"/>
-        </a:ln>
-        <a:ln w="12700" cap="flat" cmpd="sng" algn="ctr">
-          <a:solidFill>
-            <a:schemeClr val="phClr"/>
-          </a:solidFill>
-          <a:prstDash val="solid"/>
-          <a:miter lim="800000"/>
-        </a:ln>
-        <a:ln w="19050" cap="flat" cmpd="sng" algn="ctr">
-          <a:solidFill>
-            <a:schemeClr val="phClr"/>
-          </a:solidFill>
-          <a:prstDash val="solid"/>
-          <a:miter lim="800000"/>
-        </a:ln>
-      </a:lnStyleLst>
-      <a:effectStyleLst>
-        <a:effectStyle>
-          <a:effectLst/>
-        </a:effectStyle>
-        <a:effectStyle>
-          <a:effectLst/>
-        </a:effectStyle>
-        <a:effectStyle>
-          <a:effectLst>
-            <a:outerShdw blurRad="57150" dist="19050" dir="5400000" algn="ctr" rotWithShape="0">
-              <a:srgbClr val="000000">
-                <a:alpha val="63000"/>
-              </a:srgbClr>
-            </a:outerShdw>
-          </a:effectLst>
-        </a:effectStyle>
-      </a:effectStyleLst>
-      <a:bgFillStyleLst>
-        <a:solidFill>
-          <a:schemeClr val="phClr"/>
-        </a:solidFill>
-        <a:solidFill>
-          <a:schemeClr val="phClr">
-            <a:tint val="95000"/>
-            <a:satMod val="170000"/>
-          </a:schemeClr>
-        </a:solidFill>
-        <a:gradFill rotWithShape="1">
-          <a:gsLst>
-            <a:gs pos="0">
-              <a:schemeClr val="phClr">
-                <a:tint val="93000"/>
-                <a:satMod val="150000"/>
-                <a:shade val="98000"/>
-                <a:lumMod val="102000"/>
-              </a:schemeClr>
-            </a:gs>
-            <a:gs pos="50000">
-              <a:schemeClr val="phClr">
-                <a:tint val="98000"/>
-                <a:satMod val="130000"/>
-                <a:shade val="90000"/>
-                <a:lumMod val="103000"/>
-              </a:schemeClr>
-            </a:gs>
-            <a:gs pos="100000">
-              <a:schemeClr val="phClr">
-                <a:shade val="63000"/>
-                <a:satMod val="120000"/>
-              </a:schemeClr>
-            </a:gs>
-          </a:gsLst>
-          <a:lin ang="5400000" scaled="0"/>
-        </a:gradFill>
-      </a:bgFillStyleLst>
-    </a:fmtScheme>
-  </a:themeElements>
-  <a:objectDefaults/>
-  <a:extraClrSchemeLst/>
-  <a:extLst>
-    <a:ext uri="{05A4C25C-085E-4340-85A3-A5531E510DB2}">
-      <thm15:themeFamily xmlns:thm15="http://schemas.microsoft.com/office/thememl/2012/main" name="Office Theme" id="{62F939B6-93AF-4DB8-9C6B-D6C7DFDC589F}" vid="{4A3C46E8-61CC-4603-A589-7422A47A8E4A}"/>
-    </a:ext>
-  </a:extLst>
-</a:theme>
-</file>
-
-<file path=ppt/theme/theme2.xml><?xml version="1.0" encoding="utf-8"?>
 <a:theme xmlns:a="http://schemas.openxmlformats.org/drawingml/2006/main" name="1_Adatis">
   <a:themeElements>
     <a:clrScheme name="Green Yellow">
@@ -13071,7 +9266,7 @@
 </a:theme>
 </file>
 
-<file path=ppt/theme/theme3.xml><?xml version="1.0" encoding="utf-8"?>
+<file path=ppt/theme/theme2.xml><?xml version="1.0" encoding="utf-8"?>
 <a:theme xmlns:a="http://schemas.openxmlformats.org/drawingml/2006/main" name="Blank Accent Color">
   <a:themeElements>
     <a:clrScheme name="STB 2013 colors">
@@ -13346,7 +9541,7 @@
 </a:theme>
 </file>
 
-<file path=ppt/theme/theme4.xml><?xml version="1.0" encoding="utf-8"?>
+<file path=ppt/theme/theme3.xml><?xml version="1.0" encoding="utf-8"?>
 <a:theme xmlns:a="http://schemas.openxmlformats.org/drawingml/2006/main" name="Office Theme">
   <a:themeElements>
     <a:clrScheme name="Office">
@@ -13607,7 +9802,7 @@
 </a:theme>
 </file>
 
-<file path=ppt/theme/theme5.xml><?xml version="1.0" encoding="utf-8"?>
+<file path=ppt/theme/theme4.xml><?xml version="1.0" encoding="utf-8"?>
 <a:theme xmlns:a="http://schemas.openxmlformats.org/drawingml/2006/main" name="Office Theme">
   <a:themeElements>
     <a:clrScheme name="Office">
